--- a/Notebooks/Nederlands/02 - Objecten datastructuren en operatoren/05 - Lists.pptx
+++ b/Notebooks/Nederlands/02 - Objecten datastructuren en operatoren/05 - Lists.pptx
@@ -162,6 +162,59 @@
     <p:sldId id="410" r:id="rId161"/>
     <p:sldId id="411" r:id="rId162"/>
     <p:sldId id="412" r:id="rId163"/>
+    <p:sldId id="413" r:id="rId164"/>
+    <p:sldId id="414" r:id="rId165"/>
+    <p:sldId id="415" r:id="rId166"/>
+    <p:sldId id="416" r:id="rId167"/>
+    <p:sldId id="417" r:id="rId168"/>
+    <p:sldId id="418" r:id="rId169"/>
+    <p:sldId id="419" r:id="rId170"/>
+    <p:sldId id="420" r:id="rId171"/>
+    <p:sldId id="421" r:id="rId172"/>
+    <p:sldId id="422" r:id="rId173"/>
+    <p:sldId id="423" r:id="rId174"/>
+    <p:sldId id="424" r:id="rId175"/>
+    <p:sldId id="425" r:id="rId176"/>
+    <p:sldId id="426" r:id="rId177"/>
+    <p:sldId id="427" r:id="rId178"/>
+    <p:sldId id="428" r:id="rId179"/>
+    <p:sldId id="429" r:id="rId180"/>
+    <p:sldId id="430" r:id="rId181"/>
+    <p:sldId id="431" r:id="rId182"/>
+    <p:sldId id="432" r:id="rId183"/>
+    <p:sldId id="433" r:id="rId184"/>
+    <p:sldId id="434" r:id="rId185"/>
+    <p:sldId id="435" r:id="rId186"/>
+    <p:sldId id="436" r:id="rId187"/>
+    <p:sldId id="437" r:id="rId188"/>
+    <p:sldId id="438" r:id="rId189"/>
+    <p:sldId id="439" r:id="rId190"/>
+    <p:sldId id="440" r:id="rId191"/>
+    <p:sldId id="441" r:id="rId192"/>
+    <p:sldId id="442" r:id="rId193"/>
+    <p:sldId id="443" r:id="rId194"/>
+    <p:sldId id="444" r:id="rId195"/>
+    <p:sldId id="445" r:id="rId196"/>
+    <p:sldId id="446" r:id="rId197"/>
+    <p:sldId id="447" r:id="rId198"/>
+    <p:sldId id="448" r:id="rId199"/>
+    <p:sldId id="449" r:id="rId200"/>
+    <p:sldId id="450" r:id="rId201"/>
+    <p:sldId id="451" r:id="rId202"/>
+    <p:sldId id="452" r:id="rId203"/>
+    <p:sldId id="453" r:id="rId204"/>
+    <p:sldId id="454" r:id="rId205"/>
+    <p:sldId id="455" r:id="rId206"/>
+    <p:sldId id="456" r:id="rId207"/>
+    <p:sldId id="457" r:id="rId208"/>
+    <p:sldId id="458" r:id="rId209"/>
+    <p:sldId id="459" r:id="rId210"/>
+    <p:sldId id="460" r:id="rId211"/>
+    <p:sldId id="461" r:id="rId212"/>
+    <p:sldId id="462" r:id="rId213"/>
+    <p:sldId id="463" r:id="rId214"/>
+    <p:sldId id="464" r:id="rId215"/>
+    <p:sldId id="465" r:id="rId216"/>
   </p:sldIdLst>
   <p:sldSz cx="9144000" cy="6858000" type="screen4x3"/>
   <p:notesSz cx="6858000" cy="9144000"/>
@@ -7540,6 +7593,119 @@
 </p:sld>
 </file>
 
+<file path=ppt/slides/slide158.xml><?xml version="1.0" encoding="utf-8"?>
+<p:sld xmlns:a="http://schemas.openxmlformats.org/drawingml/2006/main" xmlns:p="http://schemas.openxmlformats.org/presentationml/2006/main" xmlns:r="http://schemas.openxmlformats.org/officeDocument/2006/relationships">
+  <p:cSld>
+    <p:spTree>
+      <p:nvGrpSpPr>
+        <p:cNvPr id="1" name=""/>
+        <p:cNvGrpSpPr/>
+        <p:nvPr/>
+      </p:nvGrpSpPr>
+      <p:grpSpPr/>
+      <p:pic>
+        <p:nvPicPr>
+          <p:cNvPr id="2" name="Picture 1" descr="image.png"/>
+          <p:cNvPicPr>
+            <a:picLocks noChangeAspect="1"/>
+          </p:cNvPicPr>
+          <p:nvPr/>
+        </p:nvPicPr>
+        <p:blipFill>
+          <a:blip r:embed="rId2"/>
+          <a:stretch>
+            <a:fillRect/>
+          </a:stretch>
+        </p:blipFill>
+        <p:spPr>
+          <a:xfrm>
+            <a:off x="914400" y="914400"/>
+            <a:ext cx="5105400" cy="1346200"/>
+          </a:xfrm>
+          <a:prstGeom prst="rect">
+            <a:avLst/>
+          </a:prstGeom>
+        </p:spPr>
+      </p:pic>
+    </p:spTree>
+  </p:cSld>
+  <p:clrMapOvr>
+    <a:masterClrMapping/>
+  </p:clrMapOvr>
+</p:sld>
+</file>
+
+<file path=ppt/slides/slide159.xml><?xml version="1.0" encoding="utf-8"?>
+<p:sld xmlns:a="http://schemas.openxmlformats.org/drawingml/2006/main" xmlns:p="http://schemas.openxmlformats.org/presentationml/2006/main" xmlns:r="http://schemas.openxmlformats.org/officeDocument/2006/relationships">
+  <p:cSld>
+    <p:spTree>
+      <p:nvGrpSpPr>
+        <p:cNvPr id="1" name=""/>
+        <p:cNvGrpSpPr/>
+        <p:nvPr/>
+      </p:nvGrpSpPr>
+      <p:grpSpPr/>
+      <p:sp>
+        <p:nvSpPr>
+          <p:cNvPr id="2" name="TextBox 1"/>
+          <p:cNvSpPr txBox="1"/>
+          <p:nvPr/>
+        </p:nvSpPr>
+        <p:spPr>
+          <a:xfrm>
+            <a:off x="914400" y="914400"/>
+            <a:ext cx="914400" cy="914400"/>
+          </a:xfrm>
+          <a:prstGeom prst="rect">
+            <a:avLst/>
+          </a:prstGeom>
+          <a:noFill/>
+        </p:spPr>
+        <p:txBody>
+          <a:bodyPr wrap="none">
+            <a:spAutoFit/>
+          </a:bodyPr>
+          <a:lstStyle/>
+          <a:p>
+            <a:r>
+              <a:t>Info:</a:t>
+            </a:r>
+          </a:p>
+          <a:p>
+            <a:pPr>
+              <a:defRPr sz="1200"/>
+            </a:pPr>
+            <a:r>
+              <a:t>&lt;center&gt;</a:t>
+            </a:r>
+            <a:br/>
+            <a:r>
+              <a:t>    &lt;img src='https://intecbrussel.be/img/logo3.png' width='400px' height='auto'/&gt;</a:t>
+            </a:r>
+            <a:br/>
+            <a:r>
+              <a:t>    &lt;br/&gt;</a:t>
+            </a:r>
+            <a:br/>
+            <a:r>
+              <a:t>    &lt;em&gt;Python les-materialen&lt;/em&gt;</a:t>
+            </a:r>
+            <a:br/>
+            <a:r>
+              <a:t>&lt;/center&gt;</a:t>
+            </a:r>
+            <a:br/>
+          </a:p>
+        </p:txBody>
+      </p:sp>
+    </p:spTree>
+  </p:cSld>
+  <p:clrMapOvr>
+    <a:masterClrMapping/>
+  </p:clrMapOvr>
+</p:sld>
+</file>
+
 <file path=ppt/slides/slide16.xml><?xml version="1.0" encoding="utf-8"?>
 <p:sld xmlns:a="http://schemas.openxmlformats.org/drawingml/2006/main" xmlns:p="http://schemas.openxmlformats.org/presentationml/2006/main" xmlns:r="http://schemas.openxmlformats.org/officeDocument/2006/relationships">
   <p:cSld>
@@ -7601,6 +7767,616 @@
 </p:sld>
 </file>
 
+<file path=ppt/slides/slide160.xml><?xml version="1.0" encoding="utf-8"?>
+<p:sld xmlns:a="http://schemas.openxmlformats.org/drawingml/2006/main" xmlns:p="http://schemas.openxmlformats.org/presentationml/2006/main" xmlns:r="http://schemas.openxmlformats.org/officeDocument/2006/relationships">
+  <p:cSld>
+    <p:spTree>
+      <p:nvGrpSpPr>
+        <p:cNvPr id="1" name=""/>
+        <p:cNvGrpSpPr/>
+        <p:nvPr/>
+      </p:nvGrpSpPr>
+      <p:grpSpPr/>
+      <p:sp>
+        <p:nvSpPr>
+          <p:cNvPr id="2" name="TextBox 1"/>
+          <p:cNvSpPr txBox="1"/>
+          <p:nvPr/>
+        </p:nvSpPr>
+        <p:spPr>
+          <a:xfrm>
+            <a:off x="914400" y="914400"/>
+            <a:ext cx="914400" cy="914400"/>
+          </a:xfrm>
+          <a:prstGeom prst="rect">
+            <a:avLst/>
+          </a:prstGeom>
+          <a:noFill/>
+        </p:spPr>
+        <p:txBody>
+          <a:bodyPr wrap="none">
+            <a:spAutoFit/>
+          </a:bodyPr>
+          <a:lstStyle/>
+          <a:p>
+            <a:r>
+              <a:t>Info:</a:t>
+            </a:r>
+          </a:p>
+          <a:p>
+            <a:pPr>
+              <a:defRPr sz="1200"/>
+            </a:pPr>
+            <a:r>
+              <a:t># Lijsten</a:t>
+            </a:r>
+            <a:br/>
+            <a:br/>
+            <a:r>
+              <a:t>Eerder, bij het bespreken van strings, introduceerden we het concept van een *sequences* in Python. Lijsten kunnen worden gezien als de meest algemene versie van een *reeks/sequences* in Python. In tegenstelling tot strings zijn ze veranderlijk, wat betekent dat de elementen in een lijst kunnen worden gewijzigd!</a:t>
+            </a:r>
+            <a:br/>
+            <a:br/>
+            <a:r>
+              <a:t>In deze sectie leren we over:</a:t>
+            </a:r>
+            <a:br/>
+            <a:r>
+              <a:t>    </a:t>
+            </a:r>
+            <a:br/>
+            <a:r>
+              <a:t>     1.) Lijsten maken</a:t>
+            </a:r>
+            <a:br/>
+            <a:r>
+              <a:t>     2.) Lijsten indexeren en snijden (sliceren)</a:t>
+            </a:r>
+            <a:br/>
+            <a:r>
+              <a:t>     3.) Basislijstmethoden</a:t>
+            </a:r>
+            <a:br/>
+            <a:r>
+              <a:t>     4.) Lijsten nesten</a:t>
+            </a:r>
+            <a:br/>
+            <a:r>
+              <a:t>     5.) Inleiding tot lijstbegrippen (Comprehensations)</a:t>
+            </a:r>
+            <a:br/>
+            <a:br/>
+            <a:r>
+              <a:t>Lijsten zijn opgebouwd met vierkantehaakjes [] en komma's die elk element in de lijst scheiden.</a:t>
+            </a:r>
+            <a:br/>
+            <a:br/>
+            <a:r>
+              <a:t>Laten we eens kijken hoe we lijsten kunnen maken!</a:t>
+            </a:r>
+            <a:br/>
+          </a:p>
+        </p:txBody>
+      </p:sp>
+    </p:spTree>
+  </p:cSld>
+  <p:clrMapOvr>
+    <a:masterClrMapping/>
+  </p:clrMapOvr>
+</p:sld>
+</file>
+
+<file path=ppt/slides/slide161.xml><?xml version="1.0" encoding="utf-8"?>
+<p:sld xmlns:a="http://schemas.openxmlformats.org/drawingml/2006/main" xmlns:p="http://schemas.openxmlformats.org/presentationml/2006/main" xmlns:r="http://schemas.openxmlformats.org/officeDocument/2006/relationships">
+  <p:cSld>
+    <p:spTree>
+      <p:nvGrpSpPr>
+        <p:cNvPr id="1" name=""/>
+        <p:cNvGrpSpPr/>
+        <p:nvPr/>
+      </p:nvGrpSpPr>
+      <p:grpSpPr/>
+      <p:sp>
+        <p:nvSpPr>
+          <p:cNvPr id="2" name="TextBox 1"/>
+          <p:cNvSpPr txBox="1"/>
+          <p:nvPr/>
+        </p:nvSpPr>
+        <p:spPr>
+          <a:xfrm>
+            <a:off x="914400" y="914400"/>
+            <a:ext cx="914400" cy="914400"/>
+          </a:xfrm>
+          <a:prstGeom prst="rect">
+            <a:avLst/>
+          </a:prstGeom>
+          <a:noFill/>
+        </p:spPr>
+        <p:txBody>
+          <a:bodyPr wrap="none">
+            <a:spAutoFit/>
+          </a:bodyPr>
+          <a:lstStyle/>
+          <a:p>
+            <a:r>
+              <a:t>Python Code: </a:t>
+            </a:r>
+          </a:p>
+          <a:p>
+            <a:pPr>
+              <a:defRPr sz="1200"/>
+            </a:pPr>
+            <a:r>
+              <a:t>``` # Maak een List genoemd my_list aan</a:t>
+            </a:r>
+            <a:br/>
+            <a:r>
+              <a:t> `````` my_list = [1,2,3] ```</a:t>
+            </a:r>
+            <a:br/>
+          </a:p>
+        </p:txBody>
+      </p:sp>
+    </p:spTree>
+  </p:cSld>
+  <p:clrMapOvr>
+    <a:masterClrMapping/>
+  </p:clrMapOvr>
+</p:sld>
+</file>
+
+<file path=ppt/slides/slide162.xml><?xml version="1.0" encoding="utf-8"?>
+<p:sld xmlns:a="http://schemas.openxmlformats.org/drawingml/2006/main" xmlns:p="http://schemas.openxmlformats.org/presentationml/2006/main" xmlns:r="http://schemas.openxmlformats.org/officeDocument/2006/relationships">
+  <p:cSld>
+    <p:spTree>
+      <p:nvGrpSpPr>
+        <p:cNvPr id="1" name=""/>
+        <p:cNvGrpSpPr/>
+        <p:nvPr/>
+      </p:nvGrpSpPr>
+      <p:grpSpPr/>
+      <p:sp>
+        <p:nvSpPr>
+          <p:cNvPr id="2" name="TextBox 1"/>
+          <p:cNvSpPr txBox="1"/>
+          <p:nvPr/>
+        </p:nvSpPr>
+        <p:spPr>
+          <a:xfrm>
+            <a:off x="914400" y="914400"/>
+            <a:ext cx="914400" cy="914400"/>
+          </a:xfrm>
+          <a:prstGeom prst="rect">
+            <a:avLst/>
+          </a:prstGeom>
+          <a:noFill/>
+        </p:spPr>
+        <p:txBody>
+          <a:bodyPr wrap="none">
+            <a:spAutoFit/>
+          </a:bodyPr>
+          <a:lstStyle/>
+          <a:p>
+            <a:r>
+              <a:t>Info:</a:t>
+            </a:r>
+          </a:p>
+          <a:p>
+            <a:pPr>
+              <a:defRPr sz="1200"/>
+            </a:pPr>
+            <a:r>
+              <a:t>We hebeen net een List van integers gecreÃ«erd maar de lijst kan inderdaad meerdere datatypen bevatten. Bijvoorbeeld.:</a:t>
+            </a:r>
+            <a:br/>
+          </a:p>
+        </p:txBody>
+      </p:sp>
+    </p:spTree>
+  </p:cSld>
+  <p:clrMapOvr>
+    <a:masterClrMapping/>
+  </p:clrMapOvr>
+</p:sld>
+</file>
+
+<file path=ppt/slides/slide163.xml><?xml version="1.0" encoding="utf-8"?>
+<p:sld xmlns:a="http://schemas.openxmlformats.org/drawingml/2006/main" xmlns:p="http://schemas.openxmlformats.org/presentationml/2006/main" xmlns:r="http://schemas.openxmlformats.org/officeDocument/2006/relationships">
+  <p:cSld>
+    <p:spTree>
+      <p:nvGrpSpPr>
+        <p:cNvPr id="1" name=""/>
+        <p:cNvGrpSpPr/>
+        <p:nvPr/>
+      </p:nvGrpSpPr>
+      <p:grpSpPr/>
+      <p:sp>
+        <p:nvSpPr>
+          <p:cNvPr id="2" name="TextBox 1"/>
+          <p:cNvSpPr txBox="1"/>
+          <p:nvPr/>
+        </p:nvSpPr>
+        <p:spPr>
+          <a:xfrm>
+            <a:off x="914400" y="914400"/>
+            <a:ext cx="914400" cy="914400"/>
+          </a:xfrm>
+          <a:prstGeom prst="rect">
+            <a:avLst/>
+          </a:prstGeom>
+          <a:noFill/>
+        </p:spPr>
+        <p:txBody>
+          <a:bodyPr wrap="none">
+            <a:spAutoFit/>
+          </a:bodyPr>
+          <a:lstStyle/>
+          <a:p>
+            <a:r>
+              <a:t>Python Code: </a:t>
+            </a:r>
+          </a:p>
+          <a:p>
+            <a:pPr>
+              <a:defRPr sz="1200"/>
+            </a:pPr>
+            <a:r>
+              <a:t>``` my_list = ['A string',23,100.232,'o'] ```</a:t>
+            </a:r>
+            <a:br/>
+          </a:p>
+        </p:txBody>
+      </p:sp>
+    </p:spTree>
+  </p:cSld>
+  <p:clrMapOvr>
+    <a:masterClrMapping/>
+  </p:clrMapOvr>
+</p:sld>
+</file>
+
+<file path=ppt/slides/slide164.xml><?xml version="1.0" encoding="utf-8"?>
+<p:sld xmlns:a="http://schemas.openxmlformats.org/drawingml/2006/main" xmlns:p="http://schemas.openxmlformats.org/presentationml/2006/main" xmlns:r="http://schemas.openxmlformats.org/officeDocument/2006/relationships">
+  <p:cSld>
+    <p:spTree>
+      <p:nvGrpSpPr>
+        <p:cNvPr id="1" name=""/>
+        <p:cNvGrpSpPr/>
+        <p:nvPr/>
+      </p:nvGrpSpPr>
+      <p:grpSpPr/>
+      <p:sp>
+        <p:nvSpPr>
+          <p:cNvPr id="2" name="TextBox 1"/>
+          <p:cNvSpPr txBox="1"/>
+          <p:nvPr/>
+        </p:nvSpPr>
+        <p:spPr>
+          <a:xfrm>
+            <a:off x="914400" y="914400"/>
+            <a:ext cx="914400" cy="914400"/>
+          </a:xfrm>
+          <a:prstGeom prst="rect">
+            <a:avLst/>
+          </a:prstGeom>
+          <a:noFill/>
+        </p:spPr>
+        <p:txBody>
+          <a:bodyPr wrap="none">
+            <a:spAutoFit/>
+          </a:bodyPr>
+          <a:lstStyle/>
+          <a:p>
+            <a:r>
+              <a:t>Info:</a:t>
+            </a:r>
+          </a:p>
+          <a:p>
+            <a:pPr>
+              <a:defRPr sz="1200"/>
+            </a:pPr>
+            <a:r>
+              <a:t>Net zoals strings, de len() functie gaat teruggeven het aantal van elementen in de list zitten.</a:t>
+            </a:r>
+            <a:br/>
+          </a:p>
+        </p:txBody>
+      </p:sp>
+    </p:spTree>
+  </p:cSld>
+  <p:clrMapOvr>
+    <a:masterClrMapping/>
+  </p:clrMapOvr>
+</p:sld>
+</file>
+
+<file path=ppt/slides/slide165.xml><?xml version="1.0" encoding="utf-8"?>
+<p:sld xmlns:a="http://schemas.openxmlformats.org/drawingml/2006/main" xmlns:p="http://schemas.openxmlformats.org/presentationml/2006/main" xmlns:r="http://schemas.openxmlformats.org/officeDocument/2006/relationships">
+  <p:cSld>
+    <p:spTree>
+      <p:nvGrpSpPr>
+        <p:cNvPr id="1" name=""/>
+        <p:cNvGrpSpPr/>
+        <p:nvPr/>
+      </p:nvGrpSpPr>
+      <p:grpSpPr/>
+      <p:sp>
+        <p:nvSpPr>
+          <p:cNvPr id="2" name="TextBox 1"/>
+          <p:cNvSpPr txBox="1"/>
+          <p:nvPr/>
+        </p:nvSpPr>
+        <p:spPr>
+          <a:xfrm>
+            <a:off x="914400" y="914400"/>
+            <a:ext cx="914400" cy="914400"/>
+          </a:xfrm>
+          <a:prstGeom prst="rect">
+            <a:avLst/>
+          </a:prstGeom>
+          <a:noFill/>
+        </p:spPr>
+        <p:txBody>
+          <a:bodyPr wrap="none">
+            <a:spAutoFit/>
+          </a:bodyPr>
+          <a:lstStyle/>
+          <a:p>
+            <a:r>
+              <a:t>Python Code: </a:t>
+            </a:r>
+          </a:p>
+          <a:p>
+            <a:pPr>
+              <a:defRPr sz="1200"/>
+            </a:pPr>
+            <a:r>
+              <a:t>``` len(my_list) ```</a:t>
+            </a:r>
+            <a:br/>
+          </a:p>
+        </p:txBody>
+      </p:sp>
+    </p:spTree>
+  </p:cSld>
+  <p:clrMapOvr>
+    <a:masterClrMapping/>
+  </p:clrMapOvr>
+</p:sld>
+</file>
+
+<file path=ppt/slides/slide166.xml><?xml version="1.0" encoding="utf-8"?>
+<p:sld xmlns:a="http://schemas.openxmlformats.org/drawingml/2006/main" xmlns:p="http://schemas.openxmlformats.org/presentationml/2006/main" xmlns:r="http://schemas.openxmlformats.org/officeDocument/2006/relationships">
+  <p:cSld>
+    <p:spTree>
+      <p:nvGrpSpPr>
+        <p:cNvPr id="1" name=""/>
+        <p:cNvGrpSpPr/>
+        <p:nvPr/>
+      </p:nvGrpSpPr>
+      <p:grpSpPr/>
+      <p:sp>
+        <p:nvSpPr>
+          <p:cNvPr id="2" name="TextBox 1"/>
+          <p:cNvSpPr txBox="1"/>
+          <p:nvPr/>
+        </p:nvSpPr>
+        <p:spPr>
+          <a:xfrm>
+            <a:off x="914400" y="914400"/>
+            <a:ext cx="914400" cy="914400"/>
+          </a:xfrm>
+          <a:prstGeom prst="rect">
+            <a:avLst/>
+          </a:prstGeom>
+          <a:noFill/>
+        </p:spPr>
+        <p:txBody>
+          <a:bodyPr wrap="none">
+            <a:spAutoFit/>
+          </a:bodyPr>
+          <a:lstStyle/>
+          <a:p>
+            <a:r>
+              <a:t>Info:</a:t>
+            </a:r>
+          </a:p>
+          <a:p>
+            <a:pPr>
+              <a:defRPr sz="1200"/>
+            </a:pPr>
+            <a:r>
+              <a:t>### Indexering en Sliceren</a:t>
+            </a:r>
+            <a:br/>
+            <a:r>
+              <a:t>We gebruiken indexering en slicering functies net zoals we vroeger met String gebruiken. Laten wee een nieuwe list creÃ«ren voor het herinneren hoe ze met String gebruikt worden:</a:t>
+            </a:r>
+            <a:br/>
+          </a:p>
+        </p:txBody>
+      </p:sp>
+    </p:spTree>
+  </p:cSld>
+  <p:clrMapOvr>
+    <a:masterClrMapping/>
+  </p:clrMapOvr>
+</p:sld>
+</file>
+
+<file path=ppt/slides/slide167.xml><?xml version="1.0" encoding="utf-8"?>
+<p:sld xmlns:a="http://schemas.openxmlformats.org/drawingml/2006/main" xmlns:p="http://schemas.openxmlformats.org/presentationml/2006/main" xmlns:r="http://schemas.openxmlformats.org/officeDocument/2006/relationships">
+  <p:cSld>
+    <p:spTree>
+      <p:nvGrpSpPr>
+        <p:cNvPr id="1" name=""/>
+        <p:cNvGrpSpPr/>
+        <p:nvPr/>
+      </p:nvGrpSpPr>
+      <p:grpSpPr/>
+      <p:sp>
+        <p:nvSpPr>
+          <p:cNvPr id="2" name="TextBox 1"/>
+          <p:cNvSpPr txBox="1"/>
+          <p:nvPr/>
+        </p:nvSpPr>
+        <p:spPr>
+          <a:xfrm>
+            <a:off x="914400" y="914400"/>
+            <a:ext cx="914400" cy="914400"/>
+          </a:xfrm>
+          <a:prstGeom prst="rect">
+            <a:avLst/>
+          </a:prstGeom>
+          <a:noFill/>
+        </p:spPr>
+        <p:txBody>
+          <a:bodyPr wrap="none">
+            <a:spAutoFit/>
+          </a:bodyPr>
+          <a:lstStyle/>
+          <a:p>
+            <a:r>
+              <a:t>Python Code: </a:t>
+            </a:r>
+          </a:p>
+          <a:p>
+            <a:pPr>
+              <a:defRPr sz="1200"/>
+            </a:pPr>
+            <a:r>
+              <a:t>``` my_list = ['one','two','three',4,5] ```</a:t>
+            </a:r>
+            <a:br/>
+          </a:p>
+        </p:txBody>
+      </p:sp>
+    </p:spTree>
+  </p:cSld>
+  <p:clrMapOvr>
+    <a:masterClrMapping/>
+  </p:clrMapOvr>
+</p:sld>
+</file>
+
+<file path=ppt/slides/slide168.xml><?xml version="1.0" encoding="utf-8"?>
+<p:sld xmlns:a="http://schemas.openxmlformats.org/drawingml/2006/main" xmlns:p="http://schemas.openxmlformats.org/presentationml/2006/main" xmlns:r="http://schemas.openxmlformats.org/officeDocument/2006/relationships">
+  <p:cSld>
+    <p:spTree>
+      <p:nvGrpSpPr>
+        <p:cNvPr id="1" name=""/>
+        <p:cNvGrpSpPr/>
+        <p:nvPr/>
+      </p:nvGrpSpPr>
+      <p:grpSpPr/>
+      <p:sp>
+        <p:nvSpPr>
+          <p:cNvPr id="2" name="TextBox 1"/>
+          <p:cNvSpPr txBox="1"/>
+          <p:nvPr/>
+        </p:nvSpPr>
+        <p:spPr>
+          <a:xfrm>
+            <a:off x="914400" y="914400"/>
+            <a:ext cx="914400" cy="914400"/>
+          </a:xfrm>
+          <a:prstGeom prst="rect">
+            <a:avLst/>
+          </a:prstGeom>
+          <a:noFill/>
+        </p:spPr>
+        <p:txBody>
+          <a:bodyPr wrap="none">
+            <a:spAutoFit/>
+          </a:bodyPr>
+          <a:lstStyle/>
+          <a:p>
+            <a:r>
+              <a:t>Python Code: </a:t>
+            </a:r>
+          </a:p>
+          <a:p>
+            <a:pPr>
+              <a:defRPr sz="1200"/>
+            </a:pPr>
+            <a:r>
+              <a:t>``` # Grijp een element op index 0</a:t>
+            </a:r>
+            <a:br/>
+            <a:r>
+              <a:t> `````` my_list[0] ```</a:t>
+            </a:r>
+            <a:br/>
+          </a:p>
+        </p:txBody>
+      </p:sp>
+    </p:spTree>
+  </p:cSld>
+  <p:clrMapOvr>
+    <a:masterClrMapping/>
+  </p:clrMapOvr>
+</p:sld>
+</file>
+
+<file path=ppt/slides/slide169.xml><?xml version="1.0" encoding="utf-8"?>
+<p:sld xmlns:a="http://schemas.openxmlformats.org/drawingml/2006/main" xmlns:p="http://schemas.openxmlformats.org/presentationml/2006/main" xmlns:r="http://schemas.openxmlformats.org/officeDocument/2006/relationships">
+  <p:cSld>
+    <p:spTree>
+      <p:nvGrpSpPr>
+        <p:cNvPr id="1" name=""/>
+        <p:cNvGrpSpPr/>
+        <p:nvPr/>
+      </p:nvGrpSpPr>
+      <p:grpSpPr/>
+      <p:sp>
+        <p:nvSpPr>
+          <p:cNvPr id="2" name="TextBox 1"/>
+          <p:cNvSpPr txBox="1"/>
+          <p:nvPr/>
+        </p:nvSpPr>
+        <p:spPr>
+          <a:xfrm>
+            <a:off x="914400" y="914400"/>
+            <a:ext cx="914400" cy="914400"/>
+          </a:xfrm>
+          <a:prstGeom prst="rect">
+            <a:avLst/>
+          </a:prstGeom>
+          <a:noFill/>
+        </p:spPr>
+        <p:txBody>
+          <a:bodyPr wrap="none">
+            <a:spAutoFit/>
+          </a:bodyPr>
+          <a:lstStyle/>
+          <a:p>
+            <a:r>
+              <a:t>Python Code: </a:t>
+            </a:r>
+          </a:p>
+          <a:p>
+            <a:pPr>
+              <a:defRPr sz="1200"/>
+            </a:pPr>
+            <a:r>
+              <a:t>``` # Grijp index 1 en alle volgende indexen</a:t>
+            </a:r>
+            <a:br/>
+            <a:r>
+              <a:t> `````` my_list[1:] ```</a:t>
+            </a:r>
+            <a:br/>
+          </a:p>
+        </p:txBody>
+      </p:sp>
+    </p:spTree>
+  </p:cSld>
+  <p:clrMapOvr>
+    <a:masterClrMapping/>
+  </p:clrMapOvr>
+</p:sld>
+</file>
+
 <file path=ppt/slides/slide17.xml><?xml version="1.0" encoding="utf-8"?>
 <p:sld xmlns:a="http://schemas.openxmlformats.org/drawingml/2006/main" xmlns:p="http://schemas.openxmlformats.org/presentationml/2006/main" xmlns:r="http://schemas.openxmlformats.org/officeDocument/2006/relationships">
   <p:cSld>
@@ -7667,6 +8443,572 @@
 </p:sld>
 </file>
 
+<file path=ppt/slides/slide170.xml><?xml version="1.0" encoding="utf-8"?>
+<p:sld xmlns:a="http://schemas.openxmlformats.org/drawingml/2006/main" xmlns:p="http://schemas.openxmlformats.org/presentationml/2006/main" xmlns:r="http://schemas.openxmlformats.org/officeDocument/2006/relationships">
+  <p:cSld>
+    <p:spTree>
+      <p:nvGrpSpPr>
+        <p:cNvPr id="1" name=""/>
+        <p:cNvGrpSpPr/>
+        <p:nvPr/>
+      </p:nvGrpSpPr>
+      <p:grpSpPr/>
+      <p:sp>
+        <p:nvSpPr>
+          <p:cNvPr id="2" name="TextBox 1"/>
+          <p:cNvSpPr txBox="1"/>
+          <p:nvPr/>
+        </p:nvSpPr>
+        <p:spPr>
+          <a:xfrm>
+            <a:off x="914400" y="914400"/>
+            <a:ext cx="914400" cy="914400"/>
+          </a:xfrm>
+          <a:prstGeom prst="rect">
+            <a:avLst/>
+          </a:prstGeom>
+          <a:noFill/>
+        </p:spPr>
+        <p:txBody>
+          <a:bodyPr wrap="none">
+            <a:spAutoFit/>
+          </a:bodyPr>
+          <a:lstStyle/>
+          <a:p>
+            <a:r>
+              <a:t>Python Code: </a:t>
+            </a:r>
+          </a:p>
+          <a:p>
+            <a:pPr>
+              <a:defRPr sz="1200"/>
+            </a:pPr>
+            <a:r>
+              <a:t>``` # Grijp alles tot index 3</a:t>
+            </a:r>
+            <a:br/>
+            <a:r>
+              <a:t> `````` my_list[:3] ```</a:t>
+            </a:r>
+            <a:br/>
+          </a:p>
+        </p:txBody>
+      </p:sp>
+    </p:spTree>
+  </p:cSld>
+  <p:clrMapOvr>
+    <a:masterClrMapping/>
+  </p:clrMapOvr>
+</p:sld>
+</file>
+
+<file path=ppt/slides/slide171.xml><?xml version="1.0" encoding="utf-8"?>
+<p:sld xmlns:a="http://schemas.openxmlformats.org/drawingml/2006/main" xmlns:p="http://schemas.openxmlformats.org/presentationml/2006/main" xmlns:r="http://schemas.openxmlformats.org/officeDocument/2006/relationships">
+  <p:cSld>
+    <p:spTree>
+      <p:nvGrpSpPr>
+        <p:cNvPr id="1" name=""/>
+        <p:cNvGrpSpPr/>
+        <p:nvPr/>
+      </p:nvGrpSpPr>
+      <p:grpSpPr/>
+      <p:sp>
+        <p:nvSpPr>
+          <p:cNvPr id="2" name="TextBox 1"/>
+          <p:cNvSpPr txBox="1"/>
+          <p:nvPr/>
+        </p:nvSpPr>
+        <p:spPr>
+          <a:xfrm>
+            <a:off x="914400" y="914400"/>
+            <a:ext cx="914400" cy="914400"/>
+          </a:xfrm>
+          <a:prstGeom prst="rect">
+            <a:avLst/>
+          </a:prstGeom>
+          <a:noFill/>
+        </p:spPr>
+        <p:txBody>
+          <a:bodyPr wrap="none">
+            <a:spAutoFit/>
+          </a:bodyPr>
+          <a:lstStyle/>
+          <a:p>
+            <a:r>
+              <a:t>Info:</a:t>
+            </a:r>
+          </a:p>
+          <a:p>
+            <a:pPr>
+              <a:defRPr sz="1200"/>
+            </a:pPr>
+            <a:r>
+              <a:t>We kunnen ook + gebruiken om lijsten te concateneren. Het is vergelijkbaar met de samenvoegingen van Strings. </a:t>
+            </a:r>
+            <a:br/>
+          </a:p>
+        </p:txBody>
+      </p:sp>
+    </p:spTree>
+  </p:cSld>
+  <p:clrMapOvr>
+    <a:masterClrMapping/>
+  </p:clrMapOvr>
+</p:sld>
+</file>
+
+<file path=ppt/slides/slide172.xml><?xml version="1.0" encoding="utf-8"?>
+<p:sld xmlns:a="http://schemas.openxmlformats.org/drawingml/2006/main" xmlns:p="http://schemas.openxmlformats.org/presentationml/2006/main" xmlns:r="http://schemas.openxmlformats.org/officeDocument/2006/relationships">
+  <p:cSld>
+    <p:spTree>
+      <p:nvGrpSpPr>
+        <p:cNvPr id="1" name=""/>
+        <p:cNvGrpSpPr/>
+        <p:nvPr/>
+      </p:nvGrpSpPr>
+      <p:grpSpPr/>
+      <p:sp>
+        <p:nvSpPr>
+          <p:cNvPr id="2" name="TextBox 1"/>
+          <p:cNvSpPr txBox="1"/>
+          <p:nvPr/>
+        </p:nvSpPr>
+        <p:spPr>
+          <a:xfrm>
+            <a:off x="914400" y="914400"/>
+            <a:ext cx="914400" cy="914400"/>
+          </a:xfrm>
+          <a:prstGeom prst="rect">
+            <a:avLst/>
+          </a:prstGeom>
+          <a:noFill/>
+        </p:spPr>
+        <p:txBody>
+          <a:bodyPr wrap="none">
+            <a:spAutoFit/>
+          </a:bodyPr>
+          <a:lstStyle/>
+          <a:p>
+            <a:r>
+              <a:t>Python Code: </a:t>
+            </a:r>
+          </a:p>
+          <a:p>
+            <a:pPr>
+              <a:defRPr sz="1200"/>
+            </a:pPr>
+            <a:r>
+              <a:t>``` my_list + ['new item'] ```</a:t>
+            </a:r>
+            <a:br/>
+          </a:p>
+        </p:txBody>
+      </p:sp>
+    </p:spTree>
+  </p:cSld>
+  <p:clrMapOvr>
+    <a:masterClrMapping/>
+  </p:clrMapOvr>
+</p:sld>
+</file>
+
+<file path=ppt/slides/slide173.xml><?xml version="1.0" encoding="utf-8"?>
+<p:sld xmlns:a="http://schemas.openxmlformats.org/drawingml/2006/main" xmlns:p="http://schemas.openxmlformats.org/presentationml/2006/main" xmlns:r="http://schemas.openxmlformats.org/officeDocument/2006/relationships">
+  <p:cSld>
+    <p:spTree>
+      <p:nvGrpSpPr>
+        <p:cNvPr id="1" name=""/>
+        <p:cNvGrpSpPr/>
+        <p:nvPr/>
+      </p:nvGrpSpPr>
+      <p:grpSpPr/>
+      <p:sp>
+        <p:nvSpPr>
+          <p:cNvPr id="2" name="TextBox 1"/>
+          <p:cNvSpPr txBox="1"/>
+          <p:nvPr/>
+        </p:nvSpPr>
+        <p:spPr>
+          <a:xfrm>
+            <a:off x="914400" y="914400"/>
+            <a:ext cx="914400" cy="914400"/>
+          </a:xfrm>
+          <a:prstGeom prst="rect">
+            <a:avLst/>
+          </a:prstGeom>
+          <a:noFill/>
+        </p:spPr>
+        <p:txBody>
+          <a:bodyPr wrap="none">
+            <a:spAutoFit/>
+          </a:bodyPr>
+          <a:lstStyle/>
+          <a:p>
+            <a:r>
+              <a:t>Info:</a:t>
+            </a:r>
+          </a:p>
+          <a:p>
+            <a:pPr>
+              <a:defRPr sz="1200"/>
+            </a:pPr>
+            <a:r>
+              <a:t>Opmerking: De instructie boven gaat niet de echte waarden van de originele-list veranderen</a:t>
+            </a:r>
+            <a:br/>
+          </a:p>
+        </p:txBody>
+      </p:sp>
+    </p:spTree>
+  </p:cSld>
+  <p:clrMapOvr>
+    <a:masterClrMapping/>
+  </p:clrMapOvr>
+</p:sld>
+</file>
+
+<file path=ppt/slides/slide174.xml><?xml version="1.0" encoding="utf-8"?>
+<p:sld xmlns:a="http://schemas.openxmlformats.org/drawingml/2006/main" xmlns:p="http://schemas.openxmlformats.org/presentationml/2006/main" xmlns:r="http://schemas.openxmlformats.org/officeDocument/2006/relationships">
+  <p:cSld>
+    <p:spTree>
+      <p:nvGrpSpPr>
+        <p:cNvPr id="1" name=""/>
+        <p:cNvGrpSpPr/>
+        <p:nvPr/>
+      </p:nvGrpSpPr>
+      <p:grpSpPr/>
+      <p:sp>
+        <p:nvSpPr>
+          <p:cNvPr id="2" name="TextBox 1"/>
+          <p:cNvSpPr txBox="1"/>
+          <p:nvPr/>
+        </p:nvSpPr>
+        <p:spPr>
+          <a:xfrm>
+            <a:off x="914400" y="914400"/>
+            <a:ext cx="914400" cy="914400"/>
+          </a:xfrm>
+          <a:prstGeom prst="rect">
+            <a:avLst/>
+          </a:prstGeom>
+          <a:noFill/>
+        </p:spPr>
+        <p:txBody>
+          <a:bodyPr wrap="none">
+            <a:spAutoFit/>
+          </a:bodyPr>
+          <a:lstStyle/>
+          <a:p>
+            <a:r>
+              <a:t>Python Code: </a:t>
+            </a:r>
+          </a:p>
+          <a:p>
+            <a:pPr>
+              <a:defRPr sz="1200"/>
+            </a:pPr>
+            <a:r>
+              <a:t>``` my_list ```</a:t>
+            </a:r>
+            <a:br/>
+          </a:p>
+        </p:txBody>
+      </p:sp>
+    </p:spTree>
+  </p:cSld>
+  <p:clrMapOvr>
+    <a:masterClrMapping/>
+  </p:clrMapOvr>
+</p:sld>
+</file>
+
+<file path=ppt/slides/slide175.xml><?xml version="1.0" encoding="utf-8"?>
+<p:sld xmlns:a="http://schemas.openxmlformats.org/drawingml/2006/main" xmlns:p="http://schemas.openxmlformats.org/presentationml/2006/main" xmlns:r="http://schemas.openxmlformats.org/officeDocument/2006/relationships">
+  <p:cSld>
+    <p:spTree>
+      <p:nvGrpSpPr>
+        <p:cNvPr id="1" name=""/>
+        <p:cNvGrpSpPr/>
+        <p:nvPr/>
+      </p:nvGrpSpPr>
+      <p:grpSpPr/>
+      <p:sp>
+        <p:nvSpPr>
+          <p:cNvPr id="2" name="TextBox 1"/>
+          <p:cNvSpPr txBox="1"/>
+          <p:nvPr/>
+        </p:nvSpPr>
+        <p:spPr>
+          <a:xfrm>
+            <a:off x="914400" y="914400"/>
+            <a:ext cx="914400" cy="914400"/>
+          </a:xfrm>
+          <a:prstGeom prst="rect">
+            <a:avLst/>
+          </a:prstGeom>
+          <a:noFill/>
+        </p:spPr>
+        <p:txBody>
+          <a:bodyPr wrap="none">
+            <a:spAutoFit/>
+          </a:bodyPr>
+          <a:lstStyle/>
+          <a:p>
+            <a:r>
+              <a:t>Info:</a:t>
+            </a:r>
+          </a:p>
+          <a:p>
+            <a:pPr>
+              <a:defRPr sz="1200"/>
+            </a:pPr>
+            <a:r>
+              <a:t>// TE DOEN:</a:t>
+            </a:r>
+            <a:br/>
+            <a:r>
+              <a:t>U zou de lijst opnieuw moeten toewijzen om de wijziging permanent te maken.</a:t>
+            </a:r>
+            <a:br/>
+          </a:p>
+        </p:txBody>
+      </p:sp>
+    </p:spTree>
+  </p:cSld>
+  <p:clrMapOvr>
+    <a:masterClrMapping/>
+  </p:clrMapOvr>
+</p:sld>
+</file>
+
+<file path=ppt/slides/slide176.xml><?xml version="1.0" encoding="utf-8"?>
+<p:sld xmlns:a="http://schemas.openxmlformats.org/drawingml/2006/main" xmlns:p="http://schemas.openxmlformats.org/presentationml/2006/main" xmlns:r="http://schemas.openxmlformats.org/officeDocument/2006/relationships">
+  <p:cSld>
+    <p:spTree>
+      <p:nvGrpSpPr>
+        <p:cNvPr id="1" name=""/>
+        <p:cNvGrpSpPr/>
+        <p:nvPr/>
+      </p:nvGrpSpPr>
+      <p:grpSpPr/>
+      <p:sp>
+        <p:nvSpPr>
+          <p:cNvPr id="2" name="TextBox 1"/>
+          <p:cNvSpPr txBox="1"/>
+          <p:nvPr/>
+        </p:nvSpPr>
+        <p:spPr>
+          <a:xfrm>
+            <a:off x="914400" y="914400"/>
+            <a:ext cx="914400" cy="914400"/>
+          </a:xfrm>
+          <a:prstGeom prst="rect">
+            <a:avLst/>
+          </a:prstGeom>
+          <a:noFill/>
+        </p:spPr>
+        <p:txBody>
+          <a:bodyPr wrap="none">
+            <a:spAutoFit/>
+          </a:bodyPr>
+          <a:lstStyle/>
+          <a:p>
+            <a:r>
+              <a:t>Python Code: </a:t>
+            </a:r>
+          </a:p>
+          <a:p>
+            <a:pPr>
+              <a:defRPr sz="1200"/>
+            </a:pPr>
+            <a:r>
+              <a:t>``` # Opnieuw toewijzen</a:t>
+            </a:r>
+            <a:br/>
+            <a:r>
+              <a:t> `````` my_list = my_list + ['add new item permanently'] ```</a:t>
+            </a:r>
+            <a:br/>
+          </a:p>
+        </p:txBody>
+      </p:sp>
+    </p:spTree>
+  </p:cSld>
+  <p:clrMapOvr>
+    <a:masterClrMapping/>
+  </p:clrMapOvr>
+</p:sld>
+</file>
+
+<file path=ppt/slides/slide177.xml><?xml version="1.0" encoding="utf-8"?>
+<p:sld xmlns:a="http://schemas.openxmlformats.org/drawingml/2006/main" xmlns:p="http://schemas.openxmlformats.org/presentationml/2006/main" xmlns:r="http://schemas.openxmlformats.org/officeDocument/2006/relationships">
+  <p:cSld>
+    <p:spTree>
+      <p:nvGrpSpPr>
+        <p:cNvPr id="1" name=""/>
+        <p:cNvGrpSpPr/>
+        <p:nvPr/>
+      </p:nvGrpSpPr>
+      <p:grpSpPr/>
+      <p:sp>
+        <p:nvSpPr>
+          <p:cNvPr id="2" name="TextBox 1"/>
+          <p:cNvSpPr txBox="1"/>
+          <p:nvPr/>
+        </p:nvSpPr>
+        <p:spPr>
+          <a:xfrm>
+            <a:off x="914400" y="914400"/>
+            <a:ext cx="914400" cy="914400"/>
+          </a:xfrm>
+          <a:prstGeom prst="rect">
+            <a:avLst/>
+          </a:prstGeom>
+          <a:noFill/>
+        </p:spPr>
+        <p:txBody>
+          <a:bodyPr wrap="none">
+            <a:spAutoFit/>
+          </a:bodyPr>
+          <a:lstStyle/>
+          <a:p>
+            <a:r>
+              <a:t>Python Code: </a:t>
+            </a:r>
+          </a:p>
+          <a:p>
+            <a:pPr>
+              <a:defRPr sz="1200"/>
+            </a:pPr>
+            <a:r>
+              <a:t>``` my_list ```</a:t>
+            </a:r>
+            <a:br/>
+          </a:p>
+        </p:txBody>
+      </p:sp>
+    </p:spTree>
+  </p:cSld>
+  <p:clrMapOvr>
+    <a:masterClrMapping/>
+  </p:clrMapOvr>
+</p:sld>
+</file>
+
+<file path=ppt/slides/slide178.xml><?xml version="1.0" encoding="utf-8"?>
+<p:sld xmlns:a="http://schemas.openxmlformats.org/drawingml/2006/main" xmlns:p="http://schemas.openxmlformats.org/presentationml/2006/main" xmlns:r="http://schemas.openxmlformats.org/officeDocument/2006/relationships">
+  <p:cSld>
+    <p:spTree>
+      <p:nvGrpSpPr>
+        <p:cNvPr id="1" name=""/>
+        <p:cNvGrpSpPr/>
+        <p:nvPr/>
+      </p:nvGrpSpPr>
+      <p:grpSpPr/>
+      <p:sp>
+        <p:nvSpPr>
+          <p:cNvPr id="2" name="TextBox 1"/>
+          <p:cNvSpPr txBox="1"/>
+          <p:nvPr/>
+        </p:nvSpPr>
+        <p:spPr>
+          <a:xfrm>
+            <a:off x="914400" y="914400"/>
+            <a:ext cx="914400" cy="914400"/>
+          </a:xfrm>
+          <a:prstGeom prst="rect">
+            <a:avLst/>
+          </a:prstGeom>
+          <a:noFill/>
+        </p:spPr>
+        <p:txBody>
+          <a:bodyPr wrap="none">
+            <a:spAutoFit/>
+          </a:bodyPr>
+          <a:lstStyle/>
+          <a:p>
+            <a:r>
+              <a:t>Info:</a:t>
+            </a:r>
+          </a:p>
+          <a:p>
+            <a:pPr>
+              <a:defRPr sz="1200"/>
+            </a:pPr>
+            <a:r>
+              <a:t>We kunnen ook de * gebruiken voor een duplicatiemethode die lijkt op strings:</a:t>
+            </a:r>
+            <a:br/>
+          </a:p>
+        </p:txBody>
+      </p:sp>
+    </p:spTree>
+  </p:cSld>
+  <p:clrMapOvr>
+    <a:masterClrMapping/>
+  </p:clrMapOvr>
+</p:sld>
+</file>
+
+<file path=ppt/slides/slide179.xml><?xml version="1.0" encoding="utf-8"?>
+<p:sld xmlns:a="http://schemas.openxmlformats.org/drawingml/2006/main" xmlns:p="http://schemas.openxmlformats.org/presentationml/2006/main" xmlns:r="http://schemas.openxmlformats.org/officeDocument/2006/relationships">
+  <p:cSld>
+    <p:spTree>
+      <p:nvGrpSpPr>
+        <p:cNvPr id="1" name=""/>
+        <p:cNvGrpSpPr/>
+        <p:nvPr/>
+      </p:nvGrpSpPr>
+      <p:grpSpPr/>
+      <p:sp>
+        <p:nvSpPr>
+          <p:cNvPr id="2" name="TextBox 1"/>
+          <p:cNvSpPr txBox="1"/>
+          <p:nvPr/>
+        </p:nvSpPr>
+        <p:spPr>
+          <a:xfrm>
+            <a:off x="914400" y="914400"/>
+            <a:ext cx="914400" cy="914400"/>
+          </a:xfrm>
+          <a:prstGeom prst="rect">
+            <a:avLst/>
+          </a:prstGeom>
+          <a:noFill/>
+        </p:spPr>
+        <p:txBody>
+          <a:bodyPr wrap="none">
+            <a:spAutoFit/>
+          </a:bodyPr>
+          <a:lstStyle/>
+          <a:p>
+            <a:r>
+              <a:t>Python Code: </a:t>
+            </a:r>
+          </a:p>
+          <a:p>
+            <a:pPr>
+              <a:defRPr sz="1200"/>
+            </a:pPr>
+            <a:r>
+              <a:t>``` # Verdubbel de lijst</a:t>
+            </a:r>
+            <a:br/>
+            <a:r>
+              <a:t> `````` my_list * 2 ```</a:t>
+            </a:r>
+            <a:br/>
+          </a:p>
+        </p:txBody>
+      </p:sp>
+    </p:spTree>
+  </p:cSld>
+  <p:clrMapOvr>
+    <a:masterClrMapping/>
+  </p:clrMapOvr>
+</p:sld>
+</file>
+
 <file path=ppt/slides/slide18.xml><?xml version="1.0" encoding="utf-8"?>
 <p:sld xmlns:a="http://schemas.openxmlformats.org/drawingml/2006/main" xmlns:p="http://schemas.openxmlformats.org/presentationml/2006/main" xmlns:r="http://schemas.openxmlformats.org/officeDocument/2006/relationships">
   <p:cSld>
@@ -7733,6 +9075,594 @@
 </p:sld>
 </file>
 
+<file path=ppt/slides/slide180.xml><?xml version="1.0" encoding="utf-8"?>
+<p:sld xmlns:a="http://schemas.openxmlformats.org/drawingml/2006/main" xmlns:p="http://schemas.openxmlformats.org/presentationml/2006/main" xmlns:r="http://schemas.openxmlformats.org/officeDocument/2006/relationships">
+  <p:cSld>
+    <p:spTree>
+      <p:nvGrpSpPr>
+        <p:cNvPr id="1" name=""/>
+        <p:cNvGrpSpPr/>
+        <p:nvPr/>
+      </p:nvGrpSpPr>
+      <p:grpSpPr/>
+      <p:sp>
+        <p:nvSpPr>
+          <p:cNvPr id="2" name="TextBox 1"/>
+          <p:cNvSpPr txBox="1"/>
+          <p:nvPr/>
+        </p:nvSpPr>
+        <p:spPr>
+          <a:xfrm>
+            <a:off x="914400" y="914400"/>
+            <a:ext cx="914400" cy="914400"/>
+          </a:xfrm>
+          <a:prstGeom prst="rect">
+            <a:avLst/>
+          </a:prstGeom>
+          <a:noFill/>
+        </p:spPr>
+        <p:txBody>
+          <a:bodyPr wrap="none">
+            <a:spAutoFit/>
+          </a:bodyPr>
+          <a:lstStyle/>
+          <a:p>
+            <a:r>
+              <a:t>Python Code: </a:t>
+            </a:r>
+          </a:p>
+          <a:p>
+            <a:pPr>
+              <a:defRPr sz="1200"/>
+            </a:pPr>
+            <a:r>
+              <a:t>``` # Opnieuw verdubbeling niet permanent</a:t>
+            </a:r>
+            <a:br/>
+            <a:r>
+              <a:t> `````` my_list ```</a:t>
+            </a:r>
+            <a:br/>
+          </a:p>
+        </p:txBody>
+      </p:sp>
+    </p:spTree>
+  </p:cSld>
+  <p:clrMapOvr>
+    <a:masterClrMapping/>
+  </p:clrMapOvr>
+</p:sld>
+</file>
+
+<file path=ppt/slides/slide181.xml><?xml version="1.0" encoding="utf-8"?>
+<p:sld xmlns:a="http://schemas.openxmlformats.org/drawingml/2006/main" xmlns:p="http://schemas.openxmlformats.org/presentationml/2006/main" xmlns:r="http://schemas.openxmlformats.org/officeDocument/2006/relationships">
+  <p:cSld>
+    <p:spTree>
+      <p:nvGrpSpPr>
+        <p:cNvPr id="1" name=""/>
+        <p:cNvGrpSpPr/>
+        <p:nvPr/>
+      </p:nvGrpSpPr>
+      <p:grpSpPr/>
+      <p:sp>
+        <p:nvSpPr>
+          <p:cNvPr id="2" name="TextBox 1"/>
+          <p:cNvSpPr txBox="1"/>
+          <p:nvPr/>
+        </p:nvSpPr>
+        <p:spPr>
+          <a:xfrm>
+            <a:off x="914400" y="914400"/>
+            <a:ext cx="914400" cy="914400"/>
+          </a:xfrm>
+          <a:prstGeom prst="rect">
+            <a:avLst/>
+          </a:prstGeom>
+          <a:noFill/>
+        </p:spPr>
+        <p:txBody>
+          <a:bodyPr wrap="none">
+            <a:spAutoFit/>
+          </a:bodyPr>
+          <a:lstStyle/>
+          <a:p>
+            <a:r>
+              <a:t>Info:</a:t>
+            </a:r>
+          </a:p>
+          <a:p>
+            <a:pPr>
+              <a:defRPr sz="1200"/>
+            </a:pPr>
+            <a:r>
+              <a:t>## Basislijstmethoden</a:t>
+            </a:r>
+            <a:br/>
+            <a:br/>
+            <a:r>
+              <a:t>Als je bekend bent met een andere programmeertaal, zou je parallellen kunnen trekken tussen arrays in een andere taal en lijsten in Python. Lijsten in Python zijn echter over het algemeen flexibeler dan arrays in andere talen om twee goede redenen: ze hebben geen vaste grootte (wat betekent dat we niet hoeven te specificeren hoe groot een lijst zal zijn), en ze hebben geen vaste typebeperking (zoals we hierboven hebben gezien).</a:t>
+            </a:r>
+            <a:br/>
+            <a:br/>
+            <a:r>
+              <a:t>Laten we verder gaan en enkele meer speciale methoden voor lijsten verkennen:</a:t>
+            </a:r>
+            <a:br/>
+          </a:p>
+        </p:txBody>
+      </p:sp>
+    </p:spTree>
+  </p:cSld>
+  <p:clrMapOvr>
+    <a:masterClrMapping/>
+  </p:clrMapOvr>
+</p:sld>
+</file>
+
+<file path=ppt/slides/slide182.xml><?xml version="1.0" encoding="utf-8"?>
+<p:sld xmlns:a="http://schemas.openxmlformats.org/drawingml/2006/main" xmlns:p="http://schemas.openxmlformats.org/presentationml/2006/main" xmlns:r="http://schemas.openxmlformats.org/officeDocument/2006/relationships">
+  <p:cSld>
+    <p:spTree>
+      <p:nvGrpSpPr>
+        <p:cNvPr id="1" name=""/>
+        <p:cNvGrpSpPr/>
+        <p:nvPr/>
+      </p:nvGrpSpPr>
+      <p:grpSpPr/>
+      <p:sp>
+        <p:nvSpPr>
+          <p:cNvPr id="2" name="TextBox 1"/>
+          <p:cNvSpPr txBox="1"/>
+          <p:nvPr/>
+        </p:nvSpPr>
+        <p:spPr>
+          <a:xfrm>
+            <a:off x="914400" y="914400"/>
+            <a:ext cx="914400" cy="914400"/>
+          </a:xfrm>
+          <a:prstGeom prst="rect">
+            <a:avLst/>
+          </a:prstGeom>
+          <a:noFill/>
+        </p:spPr>
+        <p:txBody>
+          <a:bodyPr wrap="none">
+            <a:spAutoFit/>
+          </a:bodyPr>
+          <a:lstStyle/>
+          <a:p>
+            <a:r>
+              <a:t>Python Code: </a:t>
+            </a:r>
+          </a:p>
+          <a:p>
+            <a:pPr>
+              <a:defRPr sz="1200"/>
+            </a:pPr>
+            <a:r>
+              <a:t>``` # Create a new list</a:t>
+            </a:r>
+            <a:br/>
+            <a:r>
+              <a:t> `````` list1 = [1,2,3] ```</a:t>
+            </a:r>
+            <a:br/>
+          </a:p>
+        </p:txBody>
+      </p:sp>
+    </p:spTree>
+  </p:cSld>
+  <p:clrMapOvr>
+    <a:masterClrMapping/>
+  </p:clrMapOvr>
+</p:sld>
+</file>
+
+<file path=ppt/slides/slide183.xml><?xml version="1.0" encoding="utf-8"?>
+<p:sld xmlns:a="http://schemas.openxmlformats.org/drawingml/2006/main" xmlns:p="http://schemas.openxmlformats.org/presentationml/2006/main" xmlns:r="http://schemas.openxmlformats.org/officeDocument/2006/relationships">
+  <p:cSld>
+    <p:spTree>
+      <p:nvGrpSpPr>
+        <p:cNvPr id="1" name=""/>
+        <p:cNvGrpSpPr/>
+        <p:nvPr/>
+      </p:nvGrpSpPr>
+      <p:grpSpPr/>
+      <p:sp>
+        <p:nvSpPr>
+          <p:cNvPr id="2" name="TextBox 1"/>
+          <p:cNvSpPr txBox="1"/>
+          <p:nvPr/>
+        </p:nvSpPr>
+        <p:spPr>
+          <a:xfrm>
+            <a:off x="914400" y="914400"/>
+            <a:ext cx="914400" cy="914400"/>
+          </a:xfrm>
+          <a:prstGeom prst="rect">
+            <a:avLst/>
+          </a:prstGeom>
+          <a:noFill/>
+        </p:spPr>
+        <p:txBody>
+          <a:bodyPr wrap="none">
+            <a:spAutoFit/>
+          </a:bodyPr>
+          <a:lstStyle/>
+          <a:p>
+            <a:r>
+              <a:t>Info:</a:t>
+            </a:r>
+          </a:p>
+          <a:p>
+            <a:pPr>
+              <a:defRPr sz="1200"/>
+            </a:pPr>
+            <a:r>
+              <a:t>Gebruik de **append**-methode om een item permanent aan het einde van een lijst toe te voegen:</a:t>
+            </a:r>
+            <a:br/>
+          </a:p>
+        </p:txBody>
+      </p:sp>
+    </p:spTree>
+  </p:cSld>
+  <p:clrMapOvr>
+    <a:masterClrMapping/>
+  </p:clrMapOvr>
+</p:sld>
+</file>
+
+<file path=ppt/slides/slide184.xml><?xml version="1.0" encoding="utf-8"?>
+<p:sld xmlns:a="http://schemas.openxmlformats.org/drawingml/2006/main" xmlns:p="http://schemas.openxmlformats.org/presentationml/2006/main" xmlns:r="http://schemas.openxmlformats.org/officeDocument/2006/relationships">
+  <p:cSld>
+    <p:spTree>
+      <p:nvGrpSpPr>
+        <p:cNvPr id="1" name=""/>
+        <p:cNvGrpSpPr/>
+        <p:nvPr/>
+      </p:nvGrpSpPr>
+      <p:grpSpPr/>
+      <p:sp>
+        <p:nvSpPr>
+          <p:cNvPr id="2" name="TextBox 1"/>
+          <p:cNvSpPr txBox="1"/>
+          <p:nvPr/>
+        </p:nvSpPr>
+        <p:spPr>
+          <a:xfrm>
+            <a:off x="914400" y="914400"/>
+            <a:ext cx="914400" cy="914400"/>
+          </a:xfrm>
+          <a:prstGeom prst="rect">
+            <a:avLst/>
+          </a:prstGeom>
+          <a:noFill/>
+        </p:spPr>
+        <p:txBody>
+          <a:bodyPr wrap="none">
+            <a:spAutoFit/>
+          </a:bodyPr>
+          <a:lstStyle/>
+          <a:p>
+            <a:r>
+              <a:t>Python Code: </a:t>
+            </a:r>
+          </a:p>
+          <a:p>
+            <a:pPr>
+              <a:defRPr sz="1200"/>
+            </a:pPr>
+            <a:r>
+              <a:t>``` # Append</a:t>
+            </a:r>
+            <a:br/>
+            <a:r>
+              <a:t> `````` list1.append('append me!') ```</a:t>
+            </a:r>
+            <a:br/>
+          </a:p>
+        </p:txBody>
+      </p:sp>
+    </p:spTree>
+  </p:cSld>
+  <p:clrMapOvr>
+    <a:masterClrMapping/>
+  </p:clrMapOvr>
+</p:sld>
+</file>
+
+<file path=ppt/slides/slide185.xml><?xml version="1.0" encoding="utf-8"?>
+<p:sld xmlns:a="http://schemas.openxmlformats.org/drawingml/2006/main" xmlns:p="http://schemas.openxmlformats.org/presentationml/2006/main" xmlns:r="http://schemas.openxmlformats.org/officeDocument/2006/relationships">
+  <p:cSld>
+    <p:spTree>
+      <p:nvGrpSpPr>
+        <p:cNvPr id="1" name=""/>
+        <p:cNvGrpSpPr/>
+        <p:nvPr/>
+      </p:nvGrpSpPr>
+      <p:grpSpPr/>
+      <p:sp>
+        <p:nvSpPr>
+          <p:cNvPr id="2" name="TextBox 1"/>
+          <p:cNvSpPr txBox="1"/>
+          <p:nvPr/>
+        </p:nvSpPr>
+        <p:spPr>
+          <a:xfrm>
+            <a:off x="914400" y="914400"/>
+            <a:ext cx="914400" cy="914400"/>
+          </a:xfrm>
+          <a:prstGeom prst="rect">
+            <a:avLst/>
+          </a:prstGeom>
+          <a:noFill/>
+        </p:spPr>
+        <p:txBody>
+          <a:bodyPr wrap="none">
+            <a:spAutoFit/>
+          </a:bodyPr>
+          <a:lstStyle/>
+          <a:p>
+            <a:r>
+              <a:t>Python Code: </a:t>
+            </a:r>
+          </a:p>
+          <a:p>
+            <a:pPr>
+              <a:defRPr sz="1200"/>
+            </a:pPr>
+            <a:r>
+              <a:t>``` # Show</a:t>
+            </a:r>
+            <a:br/>
+            <a:r>
+              <a:t> `````` list1 ```</a:t>
+            </a:r>
+            <a:br/>
+          </a:p>
+        </p:txBody>
+      </p:sp>
+    </p:spTree>
+  </p:cSld>
+  <p:clrMapOvr>
+    <a:masterClrMapping/>
+  </p:clrMapOvr>
+</p:sld>
+</file>
+
+<file path=ppt/slides/slide186.xml><?xml version="1.0" encoding="utf-8"?>
+<p:sld xmlns:a="http://schemas.openxmlformats.org/drawingml/2006/main" xmlns:p="http://schemas.openxmlformats.org/presentationml/2006/main" xmlns:r="http://schemas.openxmlformats.org/officeDocument/2006/relationships">
+  <p:cSld>
+    <p:spTree>
+      <p:nvGrpSpPr>
+        <p:cNvPr id="1" name=""/>
+        <p:cNvGrpSpPr/>
+        <p:nvPr/>
+      </p:nvGrpSpPr>
+      <p:grpSpPr/>
+      <p:sp>
+        <p:nvSpPr>
+          <p:cNvPr id="2" name="TextBox 1"/>
+          <p:cNvSpPr txBox="1"/>
+          <p:nvPr/>
+        </p:nvSpPr>
+        <p:spPr>
+          <a:xfrm>
+            <a:off x="914400" y="914400"/>
+            <a:ext cx="914400" cy="914400"/>
+          </a:xfrm>
+          <a:prstGeom prst="rect">
+            <a:avLst/>
+          </a:prstGeom>
+          <a:noFill/>
+        </p:spPr>
+        <p:txBody>
+          <a:bodyPr wrap="none">
+            <a:spAutoFit/>
+          </a:bodyPr>
+          <a:lstStyle/>
+          <a:p>
+            <a:r>
+              <a:t>Info:</a:t>
+            </a:r>
+          </a:p>
+          <a:p>
+            <a:pPr>
+              <a:defRPr sz="1200"/>
+            </a:pPr>
+            <a:r>
+              <a:t>Gebruik **pop** om een item uit de lijst te verwijderen. Pop haalt standaard de laatste index uit, maar u kunt ook specificeren welke index moet worden verwijderd. Laten we een voorbeeld bekijken:</a:t>
+            </a:r>
+            <a:br/>
+          </a:p>
+        </p:txBody>
+      </p:sp>
+    </p:spTree>
+  </p:cSld>
+  <p:clrMapOvr>
+    <a:masterClrMapping/>
+  </p:clrMapOvr>
+</p:sld>
+</file>
+
+<file path=ppt/slides/slide187.xml><?xml version="1.0" encoding="utf-8"?>
+<p:sld xmlns:a="http://schemas.openxmlformats.org/drawingml/2006/main" xmlns:p="http://schemas.openxmlformats.org/presentationml/2006/main" xmlns:r="http://schemas.openxmlformats.org/officeDocument/2006/relationships">
+  <p:cSld>
+    <p:spTree>
+      <p:nvGrpSpPr>
+        <p:cNvPr id="1" name=""/>
+        <p:cNvGrpSpPr/>
+        <p:nvPr/>
+      </p:nvGrpSpPr>
+      <p:grpSpPr/>
+      <p:sp>
+        <p:nvSpPr>
+          <p:cNvPr id="2" name="TextBox 1"/>
+          <p:cNvSpPr txBox="1"/>
+          <p:nvPr/>
+        </p:nvSpPr>
+        <p:spPr>
+          <a:xfrm>
+            <a:off x="914400" y="914400"/>
+            <a:ext cx="914400" cy="914400"/>
+          </a:xfrm>
+          <a:prstGeom prst="rect">
+            <a:avLst/>
+          </a:prstGeom>
+          <a:noFill/>
+        </p:spPr>
+        <p:txBody>
+          <a:bodyPr wrap="none">
+            <a:spAutoFit/>
+          </a:bodyPr>
+          <a:lstStyle/>
+          <a:p>
+            <a:r>
+              <a:t>Python Code: </a:t>
+            </a:r>
+          </a:p>
+          <a:p>
+            <a:pPr>
+              <a:defRPr sz="1200"/>
+            </a:pPr>
+            <a:r>
+              <a:t>``` # Pop off the item with 0 indexed </a:t>
+            </a:r>
+            <a:br/>
+            <a:r>
+              <a:t> `````` list1.pop(0) ```</a:t>
+            </a:r>
+            <a:br/>
+          </a:p>
+        </p:txBody>
+      </p:sp>
+    </p:spTree>
+  </p:cSld>
+  <p:clrMapOvr>
+    <a:masterClrMapping/>
+  </p:clrMapOvr>
+</p:sld>
+</file>
+
+<file path=ppt/slides/slide188.xml><?xml version="1.0" encoding="utf-8"?>
+<p:sld xmlns:a="http://schemas.openxmlformats.org/drawingml/2006/main" xmlns:p="http://schemas.openxmlformats.org/presentationml/2006/main" xmlns:r="http://schemas.openxmlformats.org/officeDocument/2006/relationships">
+  <p:cSld>
+    <p:spTree>
+      <p:nvGrpSpPr>
+        <p:cNvPr id="1" name=""/>
+        <p:cNvGrpSpPr/>
+        <p:nvPr/>
+      </p:nvGrpSpPr>
+      <p:grpSpPr/>
+      <p:sp>
+        <p:nvSpPr>
+          <p:cNvPr id="2" name="TextBox 1"/>
+          <p:cNvSpPr txBox="1"/>
+          <p:nvPr/>
+        </p:nvSpPr>
+        <p:spPr>
+          <a:xfrm>
+            <a:off x="914400" y="914400"/>
+            <a:ext cx="914400" cy="914400"/>
+          </a:xfrm>
+          <a:prstGeom prst="rect">
+            <a:avLst/>
+          </a:prstGeom>
+          <a:noFill/>
+        </p:spPr>
+        <p:txBody>
+          <a:bodyPr wrap="none">
+            <a:spAutoFit/>
+          </a:bodyPr>
+          <a:lstStyle/>
+          <a:p>
+            <a:r>
+              <a:t>Python Code: </a:t>
+            </a:r>
+          </a:p>
+          <a:p>
+            <a:pPr>
+              <a:defRPr sz="1200"/>
+            </a:pPr>
+            <a:r>
+              <a:t>``` # Tonen</a:t>
+            </a:r>
+            <a:br/>
+            <a:r>
+              <a:t> `````` list1 ```</a:t>
+            </a:r>
+            <a:br/>
+          </a:p>
+        </p:txBody>
+      </p:sp>
+    </p:spTree>
+  </p:cSld>
+  <p:clrMapOvr>
+    <a:masterClrMapping/>
+  </p:clrMapOvr>
+</p:sld>
+</file>
+
+<file path=ppt/slides/slide189.xml><?xml version="1.0" encoding="utf-8"?>
+<p:sld xmlns:a="http://schemas.openxmlformats.org/drawingml/2006/main" xmlns:p="http://schemas.openxmlformats.org/presentationml/2006/main" xmlns:r="http://schemas.openxmlformats.org/officeDocument/2006/relationships">
+  <p:cSld>
+    <p:spTree>
+      <p:nvGrpSpPr>
+        <p:cNvPr id="1" name=""/>
+        <p:cNvGrpSpPr/>
+        <p:nvPr/>
+      </p:nvGrpSpPr>
+      <p:grpSpPr/>
+      <p:sp>
+        <p:nvSpPr>
+          <p:cNvPr id="2" name="TextBox 1"/>
+          <p:cNvSpPr txBox="1"/>
+          <p:nvPr/>
+        </p:nvSpPr>
+        <p:spPr>
+          <a:xfrm>
+            <a:off x="914400" y="914400"/>
+            <a:ext cx="914400" cy="914400"/>
+          </a:xfrm>
+          <a:prstGeom prst="rect">
+            <a:avLst/>
+          </a:prstGeom>
+          <a:noFill/>
+        </p:spPr>
+        <p:txBody>
+          <a:bodyPr wrap="none">
+            <a:spAutoFit/>
+          </a:bodyPr>
+          <a:lstStyle/>
+          <a:p>
+            <a:r>
+              <a:t>Python Code: </a:t>
+            </a:r>
+          </a:p>
+          <a:p>
+            <a:pPr>
+              <a:defRPr sz="1200"/>
+            </a:pPr>
+            <a:r>
+              <a:t>``` # Wijs (assign) het popped element toe, houd rekenen mee dat de standaard popped index -1 popped_item is</a:t>
+            </a:r>
+            <a:br/>
+            <a:r>
+              <a:t> `````` popped_item = list1.pop() ```</a:t>
+            </a:r>
+            <a:br/>
+          </a:p>
+        </p:txBody>
+      </p:sp>
+    </p:spTree>
+  </p:cSld>
+  <p:clrMapOvr>
+    <a:masterClrMapping/>
+  </p:clrMapOvr>
+</p:sld>
+</file>
+
 <file path=ppt/slides/slide19.xml><?xml version="1.0" encoding="utf-8"?>
 <p:sld xmlns:a="http://schemas.openxmlformats.org/drawingml/2006/main" xmlns:p="http://schemas.openxmlformats.org/presentationml/2006/main" xmlns:r="http://schemas.openxmlformats.org/officeDocument/2006/relationships">
   <p:cSld>
@@ -7794,6 +9724,572 @@
 </p:sld>
 </file>
 
+<file path=ppt/slides/slide190.xml><?xml version="1.0" encoding="utf-8"?>
+<p:sld xmlns:a="http://schemas.openxmlformats.org/drawingml/2006/main" xmlns:p="http://schemas.openxmlformats.org/presentationml/2006/main" xmlns:r="http://schemas.openxmlformats.org/officeDocument/2006/relationships">
+  <p:cSld>
+    <p:spTree>
+      <p:nvGrpSpPr>
+        <p:cNvPr id="1" name=""/>
+        <p:cNvGrpSpPr/>
+        <p:nvPr/>
+      </p:nvGrpSpPr>
+      <p:grpSpPr/>
+      <p:sp>
+        <p:nvSpPr>
+          <p:cNvPr id="2" name="TextBox 1"/>
+          <p:cNvSpPr txBox="1"/>
+          <p:nvPr/>
+        </p:nvSpPr>
+        <p:spPr>
+          <a:xfrm>
+            <a:off x="914400" y="914400"/>
+            <a:ext cx="914400" cy="914400"/>
+          </a:xfrm>
+          <a:prstGeom prst="rect">
+            <a:avLst/>
+          </a:prstGeom>
+          <a:noFill/>
+        </p:spPr>
+        <p:txBody>
+          <a:bodyPr wrap="none">
+            <a:spAutoFit/>
+          </a:bodyPr>
+          <a:lstStyle/>
+          <a:p>
+            <a:r>
+              <a:t>Python Code: </a:t>
+            </a:r>
+          </a:p>
+          <a:p>
+            <a:pPr>
+              <a:defRPr sz="1200"/>
+            </a:pPr>
+            <a:r>
+              <a:t>``` popped_item ```</a:t>
+            </a:r>
+            <a:br/>
+          </a:p>
+        </p:txBody>
+      </p:sp>
+    </p:spTree>
+  </p:cSld>
+  <p:clrMapOvr>
+    <a:masterClrMapping/>
+  </p:clrMapOvr>
+</p:sld>
+</file>
+
+<file path=ppt/slides/slide191.xml><?xml version="1.0" encoding="utf-8"?>
+<p:sld xmlns:a="http://schemas.openxmlformats.org/drawingml/2006/main" xmlns:p="http://schemas.openxmlformats.org/presentationml/2006/main" xmlns:r="http://schemas.openxmlformats.org/officeDocument/2006/relationships">
+  <p:cSld>
+    <p:spTree>
+      <p:nvGrpSpPr>
+        <p:cNvPr id="1" name=""/>
+        <p:cNvGrpSpPr/>
+        <p:nvPr/>
+      </p:nvGrpSpPr>
+      <p:grpSpPr/>
+      <p:sp>
+        <p:nvSpPr>
+          <p:cNvPr id="2" name="TextBox 1"/>
+          <p:cNvSpPr txBox="1"/>
+          <p:nvPr/>
+        </p:nvSpPr>
+        <p:spPr>
+          <a:xfrm>
+            <a:off x="914400" y="914400"/>
+            <a:ext cx="914400" cy="914400"/>
+          </a:xfrm>
+          <a:prstGeom prst="rect">
+            <a:avLst/>
+          </a:prstGeom>
+          <a:noFill/>
+        </p:spPr>
+        <p:txBody>
+          <a:bodyPr wrap="none">
+            <a:spAutoFit/>
+          </a:bodyPr>
+          <a:lstStyle/>
+          <a:p>
+            <a:r>
+              <a:t>Python Code: </a:t>
+            </a:r>
+          </a:p>
+          <a:p>
+            <a:pPr>
+              <a:defRPr sz="1200"/>
+            </a:pPr>
+            <a:r>
+              <a:t>``` # Toon resterende lijst</a:t>
+            </a:r>
+            <a:br/>
+            <a:r>
+              <a:t> `````` list1 ```</a:t>
+            </a:r>
+            <a:br/>
+          </a:p>
+        </p:txBody>
+      </p:sp>
+    </p:spTree>
+  </p:cSld>
+  <p:clrMapOvr>
+    <a:masterClrMapping/>
+  </p:clrMapOvr>
+</p:sld>
+</file>
+
+<file path=ppt/slides/slide192.xml><?xml version="1.0" encoding="utf-8"?>
+<p:sld xmlns:a="http://schemas.openxmlformats.org/drawingml/2006/main" xmlns:p="http://schemas.openxmlformats.org/presentationml/2006/main" xmlns:r="http://schemas.openxmlformats.org/officeDocument/2006/relationships">
+  <p:cSld>
+    <p:spTree>
+      <p:nvGrpSpPr>
+        <p:cNvPr id="1" name=""/>
+        <p:cNvGrpSpPr/>
+        <p:nvPr/>
+      </p:nvGrpSpPr>
+      <p:grpSpPr/>
+      <p:sp>
+        <p:nvSpPr>
+          <p:cNvPr id="2" name="TextBox 1"/>
+          <p:cNvSpPr txBox="1"/>
+          <p:nvPr/>
+        </p:nvSpPr>
+        <p:spPr>
+          <a:xfrm>
+            <a:off x="914400" y="914400"/>
+            <a:ext cx="914400" cy="914400"/>
+          </a:xfrm>
+          <a:prstGeom prst="rect">
+            <a:avLst/>
+          </a:prstGeom>
+          <a:noFill/>
+        </p:spPr>
+        <p:txBody>
+          <a:bodyPr wrap="none">
+            <a:spAutoFit/>
+          </a:bodyPr>
+          <a:lstStyle/>
+          <a:p>
+            <a:r>
+              <a:t>Info:</a:t>
+            </a:r>
+          </a:p>
+          <a:p>
+            <a:pPr>
+              <a:defRPr sz="1200"/>
+            </a:pPr>
+            <a:r>
+              <a:t>Er moet ook worden opgemerkt dat indexering van lijsten een fout retourneert als er geen element in die index is. Bijvoorbeeld:</a:t>
+            </a:r>
+            <a:br/>
+          </a:p>
+        </p:txBody>
+      </p:sp>
+    </p:spTree>
+  </p:cSld>
+  <p:clrMapOvr>
+    <a:masterClrMapping/>
+  </p:clrMapOvr>
+</p:sld>
+</file>
+
+<file path=ppt/slides/slide193.xml><?xml version="1.0" encoding="utf-8"?>
+<p:sld xmlns:a="http://schemas.openxmlformats.org/drawingml/2006/main" xmlns:p="http://schemas.openxmlformats.org/presentationml/2006/main" xmlns:r="http://schemas.openxmlformats.org/officeDocument/2006/relationships">
+  <p:cSld>
+    <p:spTree>
+      <p:nvGrpSpPr>
+        <p:cNvPr id="1" name=""/>
+        <p:cNvGrpSpPr/>
+        <p:nvPr/>
+      </p:nvGrpSpPr>
+      <p:grpSpPr/>
+      <p:sp>
+        <p:nvSpPr>
+          <p:cNvPr id="2" name="TextBox 1"/>
+          <p:cNvSpPr txBox="1"/>
+          <p:nvPr/>
+        </p:nvSpPr>
+        <p:spPr>
+          <a:xfrm>
+            <a:off x="914400" y="914400"/>
+            <a:ext cx="914400" cy="914400"/>
+          </a:xfrm>
+          <a:prstGeom prst="rect">
+            <a:avLst/>
+          </a:prstGeom>
+          <a:noFill/>
+        </p:spPr>
+        <p:txBody>
+          <a:bodyPr wrap="none">
+            <a:spAutoFit/>
+          </a:bodyPr>
+          <a:lstStyle/>
+          <a:p>
+            <a:r>
+              <a:t>Python Code: </a:t>
+            </a:r>
+          </a:p>
+          <a:p>
+            <a:pPr>
+              <a:defRPr sz="1200"/>
+            </a:pPr>
+            <a:r>
+              <a:t>``` list1[100] ```</a:t>
+            </a:r>
+            <a:br/>
+          </a:p>
+        </p:txBody>
+      </p:sp>
+    </p:spTree>
+  </p:cSld>
+  <p:clrMapOvr>
+    <a:masterClrMapping/>
+  </p:clrMapOvr>
+</p:sld>
+</file>
+
+<file path=ppt/slides/slide194.xml><?xml version="1.0" encoding="utf-8"?>
+<p:sld xmlns:a="http://schemas.openxmlformats.org/drawingml/2006/main" xmlns:p="http://schemas.openxmlformats.org/presentationml/2006/main" xmlns:r="http://schemas.openxmlformats.org/officeDocument/2006/relationships">
+  <p:cSld>
+    <p:spTree>
+      <p:nvGrpSpPr>
+        <p:cNvPr id="1" name=""/>
+        <p:cNvGrpSpPr/>
+        <p:nvPr/>
+      </p:nvGrpSpPr>
+      <p:grpSpPr/>
+      <p:sp>
+        <p:nvSpPr>
+          <p:cNvPr id="2" name="TextBox 1"/>
+          <p:cNvSpPr txBox="1"/>
+          <p:nvPr/>
+        </p:nvSpPr>
+        <p:spPr>
+          <a:xfrm>
+            <a:off x="914400" y="914400"/>
+            <a:ext cx="914400" cy="914400"/>
+          </a:xfrm>
+          <a:prstGeom prst="rect">
+            <a:avLst/>
+          </a:prstGeom>
+          <a:noFill/>
+        </p:spPr>
+        <p:txBody>
+          <a:bodyPr wrap="none">
+            <a:spAutoFit/>
+          </a:bodyPr>
+          <a:lstStyle/>
+          <a:p>
+            <a:r>
+              <a:t>Info:</a:t>
+            </a:r>
+          </a:p>
+          <a:p>
+            <a:pPr>
+              <a:defRPr sz="1200"/>
+            </a:pPr>
+            <a:r>
+              <a:t>We kunnen de **sort** methode en de **reverse** methode gebruiken om ook uw lijsten te beÃ¯nvloeden:</a:t>
+            </a:r>
+            <a:br/>
+          </a:p>
+        </p:txBody>
+      </p:sp>
+    </p:spTree>
+  </p:cSld>
+  <p:clrMapOvr>
+    <a:masterClrMapping/>
+  </p:clrMapOvr>
+</p:sld>
+</file>
+
+<file path=ppt/slides/slide195.xml><?xml version="1.0" encoding="utf-8"?>
+<p:sld xmlns:a="http://schemas.openxmlformats.org/drawingml/2006/main" xmlns:p="http://schemas.openxmlformats.org/presentationml/2006/main" xmlns:r="http://schemas.openxmlformats.org/officeDocument/2006/relationships">
+  <p:cSld>
+    <p:spTree>
+      <p:nvGrpSpPr>
+        <p:cNvPr id="1" name=""/>
+        <p:cNvGrpSpPr/>
+        <p:nvPr/>
+      </p:nvGrpSpPr>
+      <p:grpSpPr/>
+      <p:sp>
+        <p:nvSpPr>
+          <p:cNvPr id="2" name="TextBox 1"/>
+          <p:cNvSpPr txBox="1"/>
+          <p:nvPr/>
+        </p:nvSpPr>
+        <p:spPr>
+          <a:xfrm>
+            <a:off x="914400" y="914400"/>
+            <a:ext cx="914400" cy="914400"/>
+          </a:xfrm>
+          <a:prstGeom prst="rect">
+            <a:avLst/>
+          </a:prstGeom>
+          <a:noFill/>
+        </p:spPr>
+        <p:txBody>
+          <a:bodyPr wrap="none">
+            <a:spAutoFit/>
+          </a:bodyPr>
+          <a:lstStyle/>
+          <a:p>
+            <a:r>
+              <a:t>Python Code: </a:t>
+            </a:r>
+          </a:p>
+          <a:p>
+            <a:pPr>
+              <a:defRPr sz="1200"/>
+            </a:pPr>
+            <a:r>
+              <a:t>``` new_list = ['a','e','x','b','c'] ```</a:t>
+            </a:r>
+            <a:br/>
+          </a:p>
+        </p:txBody>
+      </p:sp>
+    </p:spTree>
+  </p:cSld>
+  <p:clrMapOvr>
+    <a:masterClrMapping/>
+  </p:clrMapOvr>
+</p:sld>
+</file>
+
+<file path=ppt/slides/slide196.xml><?xml version="1.0" encoding="utf-8"?>
+<p:sld xmlns:a="http://schemas.openxmlformats.org/drawingml/2006/main" xmlns:p="http://schemas.openxmlformats.org/presentationml/2006/main" xmlns:r="http://schemas.openxmlformats.org/officeDocument/2006/relationships">
+  <p:cSld>
+    <p:spTree>
+      <p:nvGrpSpPr>
+        <p:cNvPr id="1" name=""/>
+        <p:cNvGrpSpPr/>
+        <p:nvPr/>
+      </p:nvGrpSpPr>
+      <p:grpSpPr/>
+      <p:sp>
+        <p:nvSpPr>
+          <p:cNvPr id="2" name="TextBox 1"/>
+          <p:cNvSpPr txBox="1"/>
+          <p:nvPr/>
+        </p:nvSpPr>
+        <p:spPr>
+          <a:xfrm>
+            <a:off x="914400" y="914400"/>
+            <a:ext cx="914400" cy="914400"/>
+          </a:xfrm>
+          <a:prstGeom prst="rect">
+            <a:avLst/>
+          </a:prstGeom>
+          <a:noFill/>
+        </p:spPr>
+        <p:txBody>
+          <a:bodyPr wrap="none">
+            <a:spAutoFit/>
+          </a:bodyPr>
+          <a:lstStyle/>
+          <a:p>
+            <a:r>
+              <a:t>Python Code: </a:t>
+            </a:r>
+          </a:p>
+          <a:p>
+            <a:pPr>
+              <a:defRPr sz="1200"/>
+            </a:pPr>
+            <a:r>
+              <a:t>``` #Tonen</a:t>
+            </a:r>
+            <a:br/>
+            <a:r>
+              <a:t> `````` new_list ```</a:t>
+            </a:r>
+            <a:br/>
+          </a:p>
+        </p:txBody>
+      </p:sp>
+    </p:spTree>
+  </p:cSld>
+  <p:clrMapOvr>
+    <a:masterClrMapping/>
+  </p:clrMapOvr>
+</p:sld>
+</file>
+
+<file path=ppt/slides/slide197.xml><?xml version="1.0" encoding="utf-8"?>
+<p:sld xmlns:a="http://schemas.openxmlformats.org/drawingml/2006/main" xmlns:p="http://schemas.openxmlformats.org/presentationml/2006/main" xmlns:r="http://schemas.openxmlformats.org/officeDocument/2006/relationships">
+  <p:cSld>
+    <p:spTree>
+      <p:nvGrpSpPr>
+        <p:cNvPr id="1" name=""/>
+        <p:cNvGrpSpPr/>
+        <p:nvPr/>
+      </p:nvGrpSpPr>
+      <p:grpSpPr/>
+      <p:sp>
+        <p:nvSpPr>
+          <p:cNvPr id="2" name="TextBox 1"/>
+          <p:cNvSpPr txBox="1"/>
+          <p:nvPr/>
+        </p:nvSpPr>
+        <p:spPr>
+          <a:xfrm>
+            <a:off x="914400" y="914400"/>
+            <a:ext cx="914400" cy="914400"/>
+          </a:xfrm>
+          <a:prstGeom prst="rect">
+            <a:avLst/>
+          </a:prstGeom>
+          <a:noFill/>
+        </p:spPr>
+        <p:txBody>
+          <a:bodyPr wrap="none">
+            <a:spAutoFit/>
+          </a:bodyPr>
+          <a:lstStyle/>
+          <a:p>
+            <a:r>
+              <a:t>Python Code: </a:t>
+            </a:r>
+          </a:p>
+          <a:p>
+            <a:pPr>
+              <a:defRPr sz="1200"/>
+            </a:pPr>
+            <a:r>
+              <a:t>``` # Gebruik omgekeerd om de volgorde om te keren (dit is permanent!)</a:t>
+            </a:r>
+            <a:br/>
+            <a:r>
+              <a:t> `````` new_list.reverse() ```</a:t>
+            </a:r>
+            <a:br/>
+          </a:p>
+        </p:txBody>
+      </p:sp>
+    </p:spTree>
+  </p:cSld>
+  <p:clrMapOvr>
+    <a:masterClrMapping/>
+  </p:clrMapOvr>
+</p:sld>
+</file>
+
+<file path=ppt/slides/slide198.xml><?xml version="1.0" encoding="utf-8"?>
+<p:sld xmlns:a="http://schemas.openxmlformats.org/drawingml/2006/main" xmlns:p="http://schemas.openxmlformats.org/presentationml/2006/main" xmlns:r="http://schemas.openxmlformats.org/officeDocument/2006/relationships">
+  <p:cSld>
+    <p:spTree>
+      <p:nvGrpSpPr>
+        <p:cNvPr id="1" name=""/>
+        <p:cNvGrpSpPr/>
+        <p:nvPr/>
+      </p:nvGrpSpPr>
+      <p:grpSpPr/>
+      <p:sp>
+        <p:nvSpPr>
+          <p:cNvPr id="2" name="TextBox 1"/>
+          <p:cNvSpPr txBox="1"/>
+          <p:nvPr/>
+        </p:nvSpPr>
+        <p:spPr>
+          <a:xfrm>
+            <a:off x="914400" y="914400"/>
+            <a:ext cx="914400" cy="914400"/>
+          </a:xfrm>
+          <a:prstGeom prst="rect">
+            <a:avLst/>
+          </a:prstGeom>
+          <a:noFill/>
+        </p:spPr>
+        <p:txBody>
+          <a:bodyPr wrap="none">
+            <a:spAutoFit/>
+          </a:bodyPr>
+          <a:lstStyle/>
+          <a:p>
+            <a:r>
+              <a:t>Python Code: </a:t>
+            </a:r>
+          </a:p>
+          <a:p>
+            <a:pPr>
+              <a:defRPr sz="1200"/>
+            </a:pPr>
+            <a:r>
+              <a:t>``` new_list ```</a:t>
+            </a:r>
+            <a:br/>
+          </a:p>
+        </p:txBody>
+      </p:sp>
+    </p:spTree>
+  </p:cSld>
+  <p:clrMapOvr>
+    <a:masterClrMapping/>
+  </p:clrMapOvr>
+</p:sld>
+</file>
+
+<file path=ppt/slides/slide199.xml><?xml version="1.0" encoding="utf-8"?>
+<p:sld xmlns:a="http://schemas.openxmlformats.org/drawingml/2006/main" xmlns:p="http://schemas.openxmlformats.org/presentationml/2006/main" xmlns:r="http://schemas.openxmlformats.org/officeDocument/2006/relationships">
+  <p:cSld>
+    <p:spTree>
+      <p:nvGrpSpPr>
+        <p:cNvPr id="1" name=""/>
+        <p:cNvGrpSpPr/>
+        <p:nvPr/>
+      </p:nvGrpSpPr>
+      <p:grpSpPr/>
+      <p:sp>
+        <p:nvSpPr>
+          <p:cNvPr id="2" name="TextBox 1"/>
+          <p:cNvSpPr txBox="1"/>
+          <p:nvPr/>
+        </p:nvSpPr>
+        <p:spPr>
+          <a:xfrm>
+            <a:off x="914400" y="914400"/>
+            <a:ext cx="914400" cy="914400"/>
+          </a:xfrm>
+          <a:prstGeom prst="rect">
+            <a:avLst/>
+          </a:prstGeom>
+          <a:noFill/>
+        </p:spPr>
+        <p:txBody>
+          <a:bodyPr wrap="none">
+            <a:spAutoFit/>
+          </a:bodyPr>
+          <a:lstStyle/>
+          <a:p>
+            <a:r>
+              <a:t>Python Code: </a:t>
+            </a:r>
+          </a:p>
+          <a:p>
+            <a:pPr>
+              <a:defRPr sz="1200"/>
+            </a:pPr>
+            <a:r>
+              <a:t>``` # Gebruik sorteren om de lijst te sorteren (in dit geval alfabetische volgorde, maar voor nummers zal het oplopend (ASC) gaan)</a:t>
+            </a:r>
+            <a:br/>
+            <a:r>
+              <a:t> `````` new_list.sort() ```</a:t>
+            </a:r>
+            <a:br/>
+          </a:p>
+        </p:txBody>
+      </p:sp>
+    </p:spTree>
+  </p:cSld>
+  <p:clrMapOvr>
+    <a:masterClrMapping/>
+  </p:clrMapOvr>
+</p:sld>
+</file>
+
 <file path=ppt/slides/slide2.xml><?xml version="1.0" encoding="utf-8"?>
 <p:sld xmlns:a="http://schemas.openxmlformats.org/drawingml/2006/main" xmlns:p="http://schemas.openxmlformats.org/presentationml/2006/main" xmlns:r="http://schemas.openxmlformats.org/officeDocument/2006/relationships">
   <p:cSld>
@@ -7970,6 +10466,616 @@
 </p:sld>
 </file>
 
+<file path=ppt/slides/slide200.xml><?xml version="1.0" encoding="utf-8"?>
+<p:sld xmlns:a="http://schemas.openxmlformats.org/drawingml/2006/main" xmlns:p="http://schemas.openxmlformats.org/presentationml/2006/main" xmlns:r="http://schemas.openxmlformats.org/officeDocument/2006/relationships">
+  <p:cSld>
+    <p:spTree>
+      <p:nvGrpSpPr>
+        <p:cNvPr id="1" name=""/>
+        <p:cNvGrpSpPr/>
+        <p:nvPr/>
+      </p:nvGrpSpPr>
+      <p:grpSpPr/>
+      <p:sp>
+        <p:nvSpPr>
+          <p:cNvPr id="2" name="TextBox 1"/>
+          <p:cNvSpPr txBox="1"/>
+          <p:nvPr/>
+        </p:nvSpPr>
+        <p:spPr>
+          <a:xfrm>
+            <a:off x="914400" y="914400"/>
+            <a:ext cx="914400" cy="914400"/>
+          </a:xfrm>
+          <a:prstGeom prst="rect">
+            <a:avLst/>
+          </a:prstGeom>
+          <a:noFill/>
+        </p:spPr>
+        <p:txBody>
+          <a:bodyPr wrap="none">
+            <a:spAutoFit/>
+          </a:bodyPr>
+          <a:lstStyle/>
+          <a:p>
+            <a:r>
+              <a:t>Python Code: </a:t>
+            </a:r>
+          </a:p>
+          <a:p>
+            <a:pPr>
+              <a:defRPr sz="1200"/>
+            </a:pPr>
+            <a:r>
+              <a:t>``` new_list ```</a:t>
+            </a:r>
+            <a:br/>
+          </a:p>
+        </p:txBody>
+      </p:sp>
+    </p:spTree>
+  </p:cSld>
+  <p:clrMapOvr>
+    <a:masterClrMapping/>
+  </p:clrMapOvr>
+</p:sld>
+</file>
+
+<file path=ppt/slides/slide201.xml><?xml version="1.0" encoding="utf-8"?>
+<p:sld xmlns:a="http://schemas.openxmlformats.org/drawingml/2006/main" xmlns:p="http://schemas.openxmlformats.org/presentationml/2006/main" xmlns:r="http://schemas.openxmlformats.org/officeDocument/2006/relationships">
+  <p:cSld>
+    <p:spTree>
+      <p:nvGrpSpPr>
+        <p:cNvPr id="1" name=""/>
+        <p:cNvGrpSpPr/>
+        <p:nvPr/>
+      </p:nvGrpSpPr>
+      <p:grpSpPr/>
+      <p:sp>
+        <p:nvSpPr>
+          <p:cNvPr id="2" name="TextBox 1"/>
+          <p:cNvSpPr txBox="1"/>
+          <p:nvPr/>
+        </p:nvSpPr>
+        <p:spPr>
+          <a:xfrm>
+            <a:off x="914400" y="914400"/>
+            <a:ext cx="914400" cy="914400"/>
+          </a:xfrm>
+          <a:prstGeom prst="rect">
+            <a:avLst/>
+          </a:prstGeom>
+          <a:noFill/>
+        </p:spPr>
+        <p:txBody>
+          <a:bodyPr wrap="none">
+            <a:spAutoFit/>
+          </a:bodyPr>
+          <a:lstStyle/>
+          <a:p>
+            <a:r>
+              <a:t>Info:</a:t>
+            </a:r>
+          </a:p>
+          <a:p>
+            <a:pPr>
+              <a:defRPr sz="1200"/>
+            </a:pPr>
+            <a:r>
+              <a:t>## Nestlijsten</a:t>
+            </a:r>
+            <a:br/>
+            <a:br/>
+            <a:r>
+              <a:t>Een geweldige eigenschap van Python-datastructuren is dat ze *nesting* ondersteunen. Dit betekent dat we datastructuren binnen datastructuren kunnen hebben. Bijvoorbeeld: Een lijst in een lijst.</a:t>
+            </a:r>
+            <a:br/>
+            <a:br/>
+            <a:r>
+              <a:t>Laten we eens kijken hoe dit werkt!</a:t>
+            </a:r>
+            <a:br/>
+          </a:p>
+        </p:txBody>
+      </p:sp>
+    </p:spTree>
+  </p:cSld>
+  <p:clrMapOvr>
+    <a:masterClrMapping/>
+  </p:clrMapOvr>
+</p:sld>
+</file>
+
+<file path=ppt/slides/slide202.xml><?xml version="1.0" encoding="utf-8"?>
+<p:sld xmlns:a="http://schemas.openxmlformats.org/drawingml/2006/main" xmlns:p="http://schemas.openxmlformats.org/presentationml/2006/main" xmlns:r="http://schemas.openxmlformats.org/officeDocument/2006/relationships">
+  <p:cSld>
+    <p:spTree>
+      <p:nvGrpSpPr>
+        <p:cNvPr id="1" name=""/>
+        <p:cNvGrpSpPr/>
+        <p:nvPr/>
+      </p:nvGrpSpPr>
+      <p:grpSpPr/>
+      <p:sp>
+        <p:nvSpPr>
+          <p:cNvPr id="2" name="TextBox 1"/>
+          <p:cNvSpPr txBox="1"/>
+          <p:nvPr/>
+        </p:nvSpPr>
+        <p:spPr>
+          <a:xfrm>
+            <a:off x="914400" y="914400"/>
+            <a:ext cx="914400" cy="914400"/>
+          </a:xfrm>
+          <a:prstGeom prst="rect">
+            <a:avLst/>
+          </a:prstGeom>
+          <a:noFill/>
+        </p:spPr>
+        <p:txBody>
+          <a:bodyPr wrap="none">
+            <a:spAutoFit/>
+          </a:bodyPr>
+          <a:lstStyle/>
+          <a:p>
+            <a:r>
+              <a:t>Python Code: </a:t>
+            </a:r>
+          </a:p>
+          <a:p>
+            <a:pPr>
+              <a:defRPr sz="1200"/>
+            </a:pPr>
+            <a:r>
+              <a:t>``` # Laten we drie lijsten maken</a:t>
+            </a:r>
+            <a:br/>
+            <a:r>
+              <a:t> `````` lst_1=[1,2,3]</a:t>
+            </a:r>
+            <a:br/>
+            <a:r>
+              <a:t> `````` lst_2=[4,5,6]</a:t>
+            </a:r>
+            <a:br/>
+            <a:r>
+              <a:t> `````` lst_3=[7,8,9]</a:t>
+            </a:r>
+            <a:br/>
+            <a:r>
+              <a:t> `````` </a:t>
+            </a:r>
+            <a:br/>
+            <a:r>
+              <a:t> `````` # Maak een lijst van lijsten om een matrix te vormen</a:t>
+            </a:r>
+            <a:br/>
+            <a:r>
+              <a:t> `````` matrix = [lst_1,lst_2,lst_3] ```</a:t>
+            </a:r>
+            <a:br/>
+          </a:p>
+        </p:txBody>
+      </p:sp>
+    </p:spTree>
+  </p:cSld>
+  <p:clrMapOvr>
+    <a:masterClrMapping/>
+  </p:clrMapOvr>
+</p:sld>
+</file>
+
+<file path=ppt/slides/slide203.xml><?xml version="1.0" encoding="utf-8"?>
+<p:sld xmlns:a="http://schemas.openxmlformats.org/drawingml/2006/main" xmlns:p="http://schemas.openxmlformats.org/presentationml/2006/main" xmlns:r="http://schemas.openxmlformats.org/officeDocument/2006/relationships">
+  <p:cSld>
+    <p:spTree>
+      <p:nvGrpSpPr>
+        <p:cNvPr id="1" name=""/>
+        <p:cNvGrpSpPr/>
+        <p:nvPr/>
+      </p:nvGrpSpPr>
+      <p:grpSpPr/>
+      <p:sp>
+        <p:nvSpPr>
+          <p:cNvPr id="2" name="TextBox 1"/>
+          <p:cNvSpPr txBox="1"/>
+          <p:nvPr/>
+        </p:nvSpPr>
+        <p:spPr>
+          <a:xfrm>
+            <a:off x="914400" y="914400"/>
+            <a:ext cx="914400" cy="914400"/>
+          </a:xfrm>
+          <a:prstGeom prst="rect">
+            <a:avLst/>
+          </a:prstGeom>
+          <a:noFill/>
+        </p:spPr>
+        <p:txBody>
+          <a:bodyPr wrap="none">
+            <a:spAutoFit/>
+          </a:bodyPr>
+          <a:lstStyle/>
+          <a:p>
+            <a:r>
+              <a:t>Python Code: </a:t>
+            </a:r>
+          </a:p>
+          <a:p>
+            <a:pPr>
+              <a:defRPr sz="1200"/>
+            </a:pPr>
+            <a:r>
+              <a:t>``` # Tonen</a:t>
+            </a:r>
+            <a:br/>
+            <a:r>
+              <a:t> `````` matrix ```</a:t>
+            </a:r>
+            <a:br/>
+          </a:p>
+        </p:txBody>
+      </p:sp>
+    </p:spTree>
+  </p:cSld>
+  <p:clrMapOvr>
+    <a:masterClrMapping/>
+  </p:clrMapOvr>
+</p:sld>
+</file>
+
+<file path=ppt/slides/slide204.xml><?xml version="1.0" encoding="utf-8"?>
+<p:sld xmlns:a="http://schemas.openxmlformats.org/drawingml/2006/main" xmlns:p="http://schemas.openxmlformats.org/presentationml/2006/main" xmlns:r="http://schemas.openxmlformats.org/officeDocument/2006/relationships">
+  <p:cSld>
+    <p:spTree>
+      <p:nvGrpSpPr>
+        <p:cNvPr id="1" name=""/>
+        <p:cNvGrpSpPr/>
+        <p:nvPr/>
+      </p:nvGrpSpPr>
+      <p:grpSpPr/>
+      <p:sp>
+        <p:nvSpPr>
+          <p:cNvPr id="2" name="TextBox 1"/>
+          <p:cNvSpPr txBox="1"/>
+          <p:nvPr/>
+        </p:nvSpPr>
+        <p:spPr>
+          <a:xfrm>
+            <a:off x="914400" y="914400"/>
+            <a:ext cx="914400" cy="914400"/>
+          </a:xfrm>
+          <a:prstGeom prst="rect">
+            <a:avLst/>
+          </a:prstGeom>
+          <a:noFill/>
+        </p:spPr>
+        <p:txBody>
+          <a:bodyPr wrap="none">
+            <a:spAutoFit/>
+          </a:bodyPr>
+          <a:lstStyle/>
+          <a:p>
+            <a:r>
+              <a:t>Info:</a:t>
+            </a:r>
+          </a:p>
+          <a:p>
+            <a:pPr>
+              <a:defRPr sz="1200"/>
+            </a:pPr>
+            <a:r>
+              <a:t>We kunnen indexering opnieuw gebruiken om elementen te pakken, maar nu zijn er twee niveaus voor de index. De items in het matrixobject en dan de items in die lijst!</a:t>
+            </a:r>
+            <a:br/>
+          </a:p>
+        </p:txBody>
+      </p:sp>
+    </p:spTree>
+  </p:cSld>
+  <p:clrMapOvr>
+    <a:masterClrMapping/>
+  </p:clrMapOvr>
+</p:sld>
+</file>
+
+<file path=ppt/slides/slide205.xml><?xml version="1.0" encoding="utf-8"?>
+<p:sld xmlns:a="http://schemas.openxmlformats.org/drawingml/2006/main" xmlns:p="http://schemas.openxmlformats.org/presentationml/2006/main" xmlns:r="http://schemas.openxmlformats.org/officeDocument/2006/relationships">
+  <p:cSld>
+    <p:spTree>
+      <p:nvGrpSpPr>
+        <p:cNvPr id="1" name=""/>
+        <p:cNvGrpSpPr/>
+        <p:nvPr/>
+      </p:nvGrpSpPr>
+      <p:grpSpPr/>
+      <p:sp>
+        <p:nvSpPr>
+          <p:cNvPr id="2" name="TextBox 1"/>
+          <p:cNvSpPr txBox="1"/>
+          <p:nvPr/>
+        </p:nvSpPr>
+        <p:spPr>
+          <a:xfrm>
+            <a:off x="914400" y="914400"/>
+            <a:ext cx="914400" cy="914400"/>
+          </a:xfrm>
+          <a:prstGeom prst="rect">
+            <a:avLst/>
+          </a:prstGeom>
+          <a:noFill/>
+        </p:spPr>
+        <p:txBody>
+          <a:bodyPr wrap="none">
+            <a:spAutoFit/>
+          </a:bodyPr>
+          <a:lstStyle/>
+          <a:p>
+            <a:r>
+              <a:t>Python Code: </a:t>
+            </a:r>
+          </a:p>
+          <a:p>
+            <a:pPr>
+              <a:defRPr sz="1200"/>
+            </a:pPr>
+            <a:r>
+              <a:t>``` # Pak het eerste item in het matrixobject</a:t>
+            </a:r>
+            <a:br/>
+            <a:r>
+              <a:t> `````` matrix[0] ```</a:t>
+            </a:r>
+            <a:br/>
+          </a:p>
+        </p:txBody>
+      </p:sp>
+    </p:spTree>
+  </p:cSld>
+  <p:clrMapOvr>
+    <a:masterClrMapping/>
+  </p:clrMapOvr>
+</p:sld>
+</file>
+
+<file path=ppt/slides/slide206.xml><?xml version="1.0" encoding="utf-8"?>
+<p:sld xmlns:a="http://schemas.openxmlformats.org/drawingml/2006/main" xmlns:p="http://schemas.openxmlformats.org/presentationml/2006/main" xmlns:r="http://schemas.openxmlformats.org/officeDocument/2006/relationships">
+  <p:cSld>
+    <p:spTree>
+      <p:nvGrpSpPr>
+        <p:cNvPr id="1" name=""/>
+        <p:cNvGrpSpPr/>
+        <p:nvPr/>
+      </p:nvGrpSpPr>
+      <p:grpSpPr/>
+      <p:sp>
+        <p:nvSpPr>
+          <p:cNvPr id="2" name="TextBox 1"/>
+          <p:cNvSpPr txBox="1"/>
+          <p:nvPr/>
+        </p:nvSpPr>
+        <p:spPr>
+          <a:xfrm>
+            <a:off x="914400" y="914400"/>
+            <a:ext cx="914400" cy="914400"/>
+          </a:xfrm>
+          <a:prstGeom prst="rect">
+            <a:avLst/>
+          </a:prstGeom>
+          <a:noFill/>
+        </p:spPr>
+        <p:txBody>
+          <a:bodyPr wrap="none">
+            <a:spAutoFit/>
+          </a:bodyPr>
+          <a:lstStyle/>
+          <a:p>
+            <a:r>
+              <a:t>Python Code: </a:t>
+            </a:r>
+          </a:p>
+          <a:p>
+            <a:pPr>
+              <a:defRPr sz="1200"/>
+            </a:pPr>
+            <a:r>
+              <a:t>``` # Pak het eerste item van het eerste item in het matrixobject</a:t>
+            </a:r>
+            <a:br/>
+            <a:r>
+              <a:t> `````` matrix[0][0] ```</a:t>
+            </a:r>
+            <a:br/>
+          </a:p>
+        </p:txBody>
+      </p:sp>
+    </p:spTree>
+  </p:cSld>
+  <p:clrMapOvr>
+    <a:masterClrMapping/>
+  </p:clrMapOvr>
+</p:sld>
+</file>
+
+<file path=ppt/slides/slide207.xml><?xml version="1.0" encoding="utf-8"?>
+<p:sld xmlns:a="http://schemas.openxmlformats.org/drawingml/2006/main" xmlns:p="http://schemas.openxmlformats.org/presentationml/2006/main" xmlns:r="http://schemas.openxmlformats.org/officeDocument/2006/relationships">
+  <p:cSld>
+    <p:spTree>
+      <p:nvGrpSpPr>
+        <p:cNvPr id="1" name=""/>
+        <p:cNvGrpSpPr/>
+        <p:nvPr/>
+      </p:nvGrpSpPr>
+      <p:grpSpPr/>
+      <p:sp>
+        <p:nvSpPr>
+          <p:cNvPr id="2" name="TextBox 1"/>
+          <p:cNvSpPr txBox="1"/>
+          <p:nvPr/>
+        </p:nvSpPr>
+        <p:spPr>
+          <a:xfrm>
+            <a:off x="914400" y="914400"/>
+            <a:ext cx="914400" cy="914400"/>
+          </a:xfrm>
+          <a:prstGeom prst="rect">
+            <a:avLst/>
+          </a:prstGeom>
+          <a:noFill/>
+        </p:spPr>
+        <p:txBody>
+          <a:bodyPr wrap="none">
+            <a:spAutoFit/>
+          </a:bodyPr>
+          <a:lstStyle/>
+          <a:p>
+            <a:r>
+              <a:t>Info:</a:t>
+            </a:r>
+          </a:p>
+          <a:p>
+            <a:pPr>
+              <a:defRPr sz="1200"/>
+            </a:pPr>
+            <a:r>
+              <a:t># Lijstbegrippen</a:t>
+            </a:r>
+            <a:br/>
+            <a:br/>
+            <a:r>
+              <a:t>Python heeft een geavanceerde functie genaamd lijstbegrippen (list comprehensions). Ze zorgen voor een snelle opbouw van lijsten. Om lijstbegrippen volledig te begrijpen, moeten we for-loops begrijpen. Maak je dus geen zorgen als je dit gedeelte niet helemaal begrijpt, en sla het gerust over, want we komen later op dit onderwerp terug.</a:t>
+            </a:r>
+            <a:br/>
+            <a:br/>
+            <a:r>
+              <a:t>Maar voor het geval je het nu wilt weten, hier zijn een paar voorbeelden!</a:t>
+            </a:r>
+            <a:br/>
+          </a:p>
+        </p:txBody>
+      </p:sp>
+    </p:spTree>
+  </p:cSld>
+  <p:clrMapOvr>
+    <a:masterClrMapping/>
+  </p:clrMapOvr>
+</p:sld>
+</file>
+
+<file path=ppt/slides/slide208.xml><?xml version="1.0" encoding="utf-8"?>
+<p:sld xmlns:a="http://schemas.openxmlformats.org/drawingml/2006/main" xmlns:p="http://schemas.openxmlformats.org/presentationml/2006/main" xmlns:r="http://schemas.openxmlformats.org/officeDocument/2006/relationships">
+  <p:cSld>
+    <p:spTree>
+      <p:nvGrpSpPr>
+        <p:cNvPr id="1" name=""/>
+        <p:cNvGrpSpPr/>
+        <p:nvPr/>
+      </p:nvGrpSpPr>
+      <p:grpSpPr/>
+      <p:sp>
+        <p:nvSpPr>
+          <p:cNvPr id="2" name="TextBox 1"/>
+          <p:cNvSpPr txBox="1"/>
+          <p:nvPr/>
+        </p:nvSpPr>
+        <p:spPr>
+          <a:xfrm>
+            <a:off x="914400" y="914400"/>
+            <a:ext cx="914400" cy="914400"/>
+          </a:xfrm>
+          <a:prstGeom prst="rect">
+            <a:avLst/>
+          </a:prstGeom>
+          <a:noFill/>
+        </p:spPr>
+        <p:txBody>
+          <a:bodyPr wrap="none">
+            <a:spAutoFit/>
+          </a:bodyPr>
+          <a:lstStyle/>
+          <a:p>
+            <a:r>
+              <a:t>Python Code: </a:t>
+            </a:r>
+          </a:p>
+          <a:p>
+            <a:pPr>
+              <a:defRPr sz="1200"/>
+            </a:pPr>
+            <a:r>
+              <a:t>``` # Bouw een lijstbegrip (comprehension) op door een for-lus te deconstrueren binnen een []</a:t>
+            </a:r>
+            <a:br/>
+            <a:r>
+              <a:t> `````` first_col = [row[0] for row in matrix] ```</a:t>
+            </a:r>
+            <a:br/>
+          </a:p>
+        </p:txBody>
+      </p:sp>
+    </p:spTree>
+  </p:cSld>
+  <p:clrMapOvr>
+    <a:masterClrMapping/>
+  </p:clrMapOvr>
+</p:sld>
+</file>
+
+<file path=ppt/slides/slide209.xml><?xml version="1.0" encoding="utf-8"?>
+<p:sld xmlns:a="http://schemas.openxmlformats.org/drawingml/2006/main" xmlns:p="http://schemas.openxmlformats.org/presentationml/2006/main" xmlns:r="http://schemas.openxmlformats.org/officeDocument/2006/relationships">
+  <p:cSld>
+    <p:spTree>
+      <p:nvGrpSpPr>
+        <p:cNvPr id="1" name=""/>
+        <p:cNvGrpSpPr/>
+        <p:nvPr/>
+      </p:nvGrpSpPr>
+      <p:grpSpPr/>
+      <p:sp>
+        <p:nvSpPr>
+          <p:cNvPr id="2" name="TextBox 1"/>
+          <p:cNvSpPr txBox="1"/>
+          <p:nvPr/>
+        </p:nvSpPr>
+        <p:spPr>
+          <a:xfrm>
+            <a:off x="914400" y="914400"/>
+            <a:ext cx="914400" cy="914400"/>
+          </a:xfrm>
+          <a:prstGeom prst="rect">
+            <a:avLst/>
+          </a:prstGeom>
+          <a:noFill/>
+        </p:spPr>
+        <p:txBody>
+          <a:bodyPr wrap="none">
+            <a:spAutoFit/>
+          </a:bodyPr>
+          <a:lstStyle/>
+          <a:p>
+            <a:r>
+              <a:t>Python Code: </a:t>
+            </a:r>
+          </a:p>
+          <a:p>
+            <a:pPr>
+              <a:defRPr sz="1200"/>
+            </a:pPr>
+            <a:r>
+              <a:t>``` first_col ```</a:t>
+            </a:r>
+            <a:br/>
+          </a:p>
+        </p:txBody>
+      </p:sp>
+    </p:spTree>
+  </p:cSld>
+  <p:clrMapOvr>
+    <a:masterClrMapping/>
+  </p:clrMapOvr>
+</p:sld>
+</file>
+
 <file path=ppt/slides/slide21.xml><?xml version="1.0" encoding="utf-8"?>
 <p:sld xmlns:a="http://schemas.openxmlformats.org/drawingml/2006/main" xmlns:p="http://schemas.openxmlformats.org/presentationml/2006/main" xmlns:r="http://schemas.openxmlformats.org/officeDocument/2006/relationships">
   <p:cSld>
@@ -8026,6 +11132,66 @@
             </a:r>
           </a:p>
           <a:p/>
+        </p:txBody>
+      </p:sp>
+    </p:spTree>
+  </p:cSld>
+  <p:clrMapOvr>
+    <a:masterClrMapping/>
+  </p:clrMapOvr>
+</p:sld>
+</file>
+
+<file path=ppt/slides/slide210.xml><?xml version="1.0" encoding="utf-8"?>
+<p:sld xmlns:a="http://schemas.openxmlformats.org/drawingml/2006/main" xmlns:p="http://schemas.openxmlformats.org/presentationml/2006/main" xmlns:r="http://schemas.openxmlformats.org/officeDocument/2006/relationships">
+  <p:cSld>
+    <p:spTree>
+      <p:nvGrpSpPr>
+        <p:cNvPr id="1" name=""/>
+        <p:cNvGrpSpPr/>
+        <p:nvPr/>
+      </p:nvGrpSpPr>
+      <p:grpSpPr/>
+      <p:sp>
+        <p:nvSpPr>
+          <p:cNvPr id="2" name="TextBox 1"/>
+          <p:cNvSpPr txBox="1"/>
+          <p:nvPr/>
+        </p:nvSpPr>
+        <p:spPr>
+          <a:xfrm>
+            <a:off x="914400" y="914400"/>
+            <a:ext cx="914400" cy="914400"/>
+          </a:xfrm>
+          <a:prstGeom prst="rect">
+            <a:avLst/>
+          </a:prstGeom>
+          <a:noFill/>
+        </p:spPr>
+        <p:txBody>
+          <a:bodyPr wrap="none">
+            <a:spAutoFit/>
+          </a:bodyPr>
+          <a:lstStyle/>
+          <a:p>
+            <a:r>
+              <a:t>Info:</a:t>
+            </a:r>
+          </a:p>
+          <a:p>
+            <a:pPr>
+              <a:defRPr sz="1200"/>
+            </a:pPr>
+            <a:r>
+              <a:t>We hebben hier een lijstbegrip gebruikt om het eerste element van elke rij in het matrixobject te pakken. We zullen dit later in veel meer detail behandelen!</a:t>
+            </a:r>
+            <a:br/>
+            <a:br/>
+            <a:r>
+              <a:t>Voor meer geavanceerde methoden en functies van lijsten in Python, bekijk de sectie Geavanceerde lijsten verderop in deze cursus of van Python documentatie!</a:t>
+            </a:r>
+            <a:br/>
+          </a:p>
         </p:txBody>
       </p:sp>
     </p:spTree>

--- a/Notebooks/Nederlands/02 - Objecten datastructuren en operatoren/05 - Lists.pptx
+++ b/Notebooks/Nederlands/02 - Objecten datastructuren en operatoren/05 - Lists.pptx
@@ -9,7 +9,7 @@
     <p:sldId id="257" r:id="rId3"/>
     <p:sldId id="258" r:id="rId4"/>
   </p:sldIdLst>
-  <p:sldSz cx="9144000" cy="5143500" type="screen16x9"/>
+  <p:sldSz cx="9144000" cy="6858000" type="screen4x3"/>
   <p:notesSz cx="6858000" cy="9144000"/>
   <p:defaultTextStyle>
     <a:defPPr>
@@ -109,12 +109,12 @@
   <p:extLst>
     <p:ext uri="{EFAFB233-063F-42B5-8137-9DF3F51BA10A}">
       <p15:sldGuideLst xmlns:p15="http://schemas.microsoft.com/office/powerpoint/2012/main">
-        <p15:guide id="1" orient="horz" pos="1620" userDrawn="1">
+        <p15:guide id="1" orient="horz" pos="2160">
           <p15:clr>
             <a:srgbClr val="A4A3A4"/>
           </p15:clr>
         </p15:guide>
-        <p15:guide id="2" pos="2880" userDrawn="1">
+        <p15:guide id="2" pos="2880">
           <p15:clr>
             <a:srgbClr val="A4A3A4"/>
           </p15:clr>
@@ -154,8 +154,8 @@
         </p:nvSpPr>
         <p:spPr>
           <a:xfrm>
-            <a:off x="685800" y="1597819"/>
-            <a:ext cx="7772400" cy="1102519"/>
+            <a:off x="685800" y="2130425"/>
+            <a:ext cx="7772400" cy="1470025"/>
           </a:xfrm>
         </p:spPr>
         <p:txBody>
@@ -163,9 +163,10 @@
           <a:lstStyle/>
           <a:p>
             <a:r>
-              <a:rPr lang="en-US"/>
+              <a:rPr lang="en-US" smtClean="0"/>
               <a:t>Click to edit Master title style</a:t>
             </a:r>
+            <a:endParaRPr lang="en-US"/>
           </a:p>
         </p:txBody>
       </p:sp>
@@ -181,8 +182,8 @@
         </p:nvSpPr>
         <p:spPr>
           <a:xfrm>
-            <a:off x="1371600" y="2914650"/>
-            <a:ext cx="6400800" cy="1314450"/>
+            <a:off x="1371600" y="3886200"/>
+            <a:ext cx="6400800" cy="1752600"/>
           </a:xfrm>
         </p:spPr>
         <p:txBody>
@@ -198,7 +199,7 @@
                 </a:solidFill>
               </a:defRPr>
             </a:lvl1pPr>
-            <a:lvl2pPr marL="342900" indent="0" algn="ctr">
+            <a:lvl2pPr marL="457200" indent="0" algn="ctr">
               <a:buNone/>
               <a:defRPr>
                 <a:solidFill>
@@ -208,7 +209,7 @@
                 </a:solidFill>
               </a:defRPr>
             </a:lvl2pPr>
-            <a:lvl3pPr marL="685800" indent="0" algn="ctr">
+            <a:lvl3pPr marL="914400" indent="0" algn="ctr">
               <a:buNone/>
               <a:defRPr>
                 <a:solidFill>
@@ -218,7 +219,7 @@
                 </a:solidFill>
               </a:defRPr>
             </a:lvl3pPr>
-            <a:lvl4pPr marL="1028700" indent="0" algn="ctr">
+            <a:lvl4pPr marL="1371600" indent="0" algn="ctr">
               <a:buNone/>
               <a:defRPr>
                 <a:solidFill>
@@ -228,7 +229,7 @@
                 </a:solidFill>
               </a:defRPr>
             </a:lvl4pPr>
-            <a:lvl5pPr marL="1371600" indent="0" algn="ctr">
+            <a:lvl5pPr marL="1828800" indent="0" algn="ctr">
               <a:buNone/>
               <a:defRPr>
                 <a:solidFill>
@@ -238,7 +239,7 @@
                 </a:solidFill>
               </a:defRPr>
             </a:lvl5pPr>
-            <a:lvl6pPr marL="1714500" indent="0" algn="ctr">
+            <a:lvl6pPr marL="2286000" indent="0" algn="ctr">
               <a:buNone/>
               <a:defRPr>
                 <a:solidFill>
@@ -248,7 +249,7 @@
                 </a:solidFill>
               </a:defRPr>
             </a:lvl6pPr>
-            <a:lvl7pPr marL="2057400" indent="0" algn="ctr">
+            <a:lvl7pPr marL="2743200" indent="0" algn="ctr">
               <a:buNone/>
               <a:defRPr>
                 <a:solidFill>
@@ -258,7 +259,7 @@
                 </a:solidFill>
               </a:defRPr>
             </a:lvl7pPr>
-            <a:lvl8pPr marL="2400300" indent="0" algn="ctr">
+            <a:lvl8pPr marL="3200400" indent="0" algn="ctr">
               <a:buNone/>
               <a:defRPr>
                 <a:solidFill>
@@ -268,7 +269,7 @@
                 </a:solidFill>
               </a:defRPr>
             </a:lvl8pPr>
-            <a:lvl9pPr marL="2743200" indent="0" algn="ctr">
+            <a:lvl9pPr marL="3657600" indent="0" algn="ctr">
               <a:buNone/>
               <a:defRPr>
                 <a:solidFill>
@@ -281,9 +282,10 @@
           </a:lstStyle>
           <a:p>
             <a:r>
-              <a:rPr lang="en-US"/>
+              <a:rPr lang="en-US" smtClean="0"/>
               <a:t>Click to edit Master subtitle style</a:t>
             </a:r>
+            <a:endParaRPr lang="en-US"/>
           </a:p>
         </p:txBody>
       </p:sp>
@@ -304,7 +306,7 @@
           <a:p>
             <a:fld id="{241EB5C9-1307-BA42-ABA2-0BC069CD8E7F}" type="datetimeFigureOut">
               <a:rPr lang="en-US" smtClean="0"/>
-              <a:t>1/2/22</a:t>
+              <a:t>4/5/2019</a:t>
             </a:fld>
             <a:endParaRPr lang="en-US"/>
           </a:p>
@@ -398,9 +400,10 @@
           <a:lstStyle/>
           <a:p>
             <a:r>
-              <a:rPr lang="en-US"/>
+              <a:rPr lang="en-US" smtClean="0"/>
               <a:t>Click to edit Master title style</a:t>
             </a:r>
+            <a:endParaRPr lang="en-US"/>
           </a:p>
         </p:txBody>
       </p:sp>
@@ -421,37 +424,38 @@
           <a:p>
             <a:pPr lvl="0"/>
             <a:r>
-              <a:rPr lang="en-US"/>
+              <a:rPr lang="en-US" smtClean="0"/>
               <a:t>Click to edit Master text styles</a:t>
             </a:r>
           </a:p>
           <a:p>
             <a:pPr lvl="1"/>
             <a:r>
-              <a:rPr lang="en-US"/>
+              <a:rPr lang="en-US" smtClean="0"/>
               <a:t>Second level</a:t>
             </a:r>
           </a:p>
           <a:p>
             <a:pPr lvl="2"/>
             <a:r>
-              <a:rPr lang="en-US"/>
+              <a:rPr lang="en-US" smtClean="0"/>
               <a:t>Third level</a:t>
             </a:r>
           </a:p>
           <a:p>
             <a:pPr lvl="3"/>
             <a:r>
-              <a:rPr lang="en-US"/>
+              <a:rPr lang="en-US" smtClean="0"/>
               <a:t>Fourth level</a:t>
             </a:r>
           </a:p>
           <a:p>
             <a:pPr lvl="4"/>
             <a:r>
-              <a:rPr lang="en-US"/>
+              <a:rPr lang="en-US" smtClean="0"/>
               <a:t>Fifth level</a:t>
             </a:r>
+            <a:endParaRPr lang="en-US"/>
           </a:p>
         </p:txBody>
       </p:sp>
@@ -472,7 +476,7 @@
           <a:p>
             <a:fld id="{241EB5C9-1307-BA42-ABA2-0BC069CD8E7F}" type="datetimeFigureOut">
               <a:rPr lang="en-US" smtClean="0"/>
-              <a:t>1/2/22</a:t>
+              <a:t>4/5/2019</a:t>
             </a:fld>
             <a:endParaRPr lang="en-US"/>
           </a:p>
@@ -562,8 +566,8 @@
         </p:nvSpPr>
         <p:spPr>
           <a:xfrm>
-            <a:off x="6629400" y="205979"/>
-            <a:ext cx="2057400" cy="4388644"/>
+            <a:off x="6629400" y="274638"/>
+            <a:ext cx="2057400" cy="5851525"/>
           </a:xfrm>
         </p:spPr>
         <p:txBody>
@@ -571,9 +575,10 @@
           <a:lstStyle/>
           <a:p>
             <a:r>
-              <a:rPr lang="en-US"/>
+              <a:rPr lang="en-US" smtClean="0"/>
               <a:t>Click to edit Master title style</a:t>
             </a:r>
+            <a:endParaRPr lang="en-US"/>
           </a:p>
         </p:txBody>
       </p:sp>
@@ -589,8 +594,8 @@
         </p:nvSpPr>
         <p:spPr>
           <a:xfrm>
-            <a:off x="457200" y="205979"/>
-            <a:ext cx="6019800" cy="4388644"/>
+            <a:off x="457200" y="274638"/>
+            <a:ext cx="6019800" cy="5851525"/>
           </a:xfrm>
         </p:spPr>
         <p:txBody>
@@ -599,37 +604,38 @@
           <a:p>
             <a:pPr lvl="0"/>
             <a:r>
-              <a:rPr lang="en-US"/>
+              <a:rPr lang="en-US" smtClean="0"/>
               <a:t>Click to edit Master text styles</a:t>
             </a:r>
           </a:p>
           <a:p>
             <a:pPr lvl="1"/>
             <a:r>
-              <a:rPr lang="en-US"/>
+              <a:rPr lang="en-US" smtClean="0"/>
               <a:t>Second level</a:t>
             </a:r>
           </a:p>
           <a:p>
             <a:pPr lvl="2"/>
             <a:r>
-              <a:rPr lang="en-US"/>
+              <a:rPr lang="en-US" smtClean="0"/>
               <a:t>Third level</a:t>
             </a:r>
           </a:p>
           <a:p>
             <a:pPr lvl="3"/>
             <a:r>
-              <a:rPr lang="en-US"/>
+              <a:rPr lang="en-US" smtClean="0"/>
               <a:t>Fourth level</a:t>
             </a:r>
           </a:p>
           <a:p>
             <a:pPr lvl="4"/>
             <a:r>
-              <a:rPr lang="en-US"/>
+              <a:rPr lang="en-US" smtClean="0"/>
               <a:t>Fifth level</a:t>
             </a:r>
+            <a:endParaRPr lang="en-US"/>
           </a:p>
         </p:txBody>
       </p:sp>
@@ -650,7 +656,7 @@
           <a:p>
             <a:fld id="{241EB5C9-1307-BA42-ABA2-0BC069CD8E7F}" type="datetimeFigureOut">
               <a:rPr lang="en-US" smtClean="0"/>
-              <a:t>1/2/22</a:t>
+              <a:t>4/5/2019</a:t>
             </a:fld>
             <a:endParaRPr lang="en-US"/>
           </a:p>
@@ -744,9 +750,10 @@
           <a:lstStyle/>
           <a:p>
             <a:r>
-              <a:rPr lang="en-US"/>
+              <a:rPr lang="en-US" smtClean="0"/>
               <a:t>Click to edit Master title style</a:t>
             </a:r>
+            <a:endParaRPr lang="en-US"/>
           </a:p>
         </p:txBody>
       </p:sp>
@@ -767,37 +774,38 @@
           <a:p>
             <a:pPr lvl="0"/>
             <a:r>
-              <a:rPr lang="en-US"/>
+              <a:rPr lang="en-US" smtClean="0"/>
               <a:t>Click to edit Master text styles</a:t>
             </a:r>
           </a:p>
           <a:p>
             <a:pPr lvl="1"/>
             <a:r>
-              <a:rPr lang="en-US"/>
+              <a:rPr lang="en-US" smtClean="0"/>
               <a:t>Second level</a:t>
             </a:r>
           </a:p>
           <a:p>
             <a:pPr lvl="2"/>
             <a:r>
-              <a:rPr lang="en-US"/>
+              <a:rPr lang="en-US" smtClean="0"/>
               <a:t>Third level</a:t>
             </a:r>
           </a:p>
           <a:p>
             <a:pPr lvl="3"/>
             <a:r>
-              <a:rPr lang="en-US"/>
+              <a:rPr lang="en-US" smtClean="0"/>
               <a:t>Fourth level</a:t>
             </a:r>
           </a:p>
           <a:p>
             <a:pPr lvl="4"/>
             <a:r>
-              <a:rPr lang="en-US"/>
+              <a:rPr lang="en-US" smtClean="0"/>
               <a:t>Fifth level</a:t>
             </a:r>
+            <a:endParaRPr lang="en-US"/>
           </a:p>
         </p:txBody>
       </p:sp>
@@ -818,7 +826,7 @@
           <a:p>
             <a:fld id="{241EB5C9-1307-BA42-ABA2-0BC069CD8E7F}" type="datetimeFigureOut">
               <a:rPr lang="en-US" smtClean="0"/>
-              <a:t>1/2/22</a:t>
+              <a:t>4/5/2019</a:t>
             </a:fld>
             <a:endParaRPr lang="en-US"/>
           </a:p>
@@ -908,22 +916,23 @@
         </p:nvSpPr>
         <p:spPr>
           <a:xfrm>
-            <a:off x="722313" y="3305176"/>
-            <a:ext cx="7772400" cy="1021556"/>
+            <a:off x="722313" y="4406900"/>
+            <a:ext cx="7772400" cy="1362075"/>
           </a:xfrm>
         </p:spPr>
         <p:txBody>
           <a:bodyPr anchor="t"/>
           <a:lstStyle>
             <a:lvl1pPr algn="l">
-              <a:defRPr sz="3000" b="1" cap="all"/>
+              <a:defRPr sz="4000" b="1" cap="all"/>
             </a:lvl1pPr>
           </a:lstStyle>
           <a:p>
             <a:r>
-              <a:rPr lang="en-US"/>
+              <a:rPr lang="en-US" smtClean="0"/>
               <a:t>Click to edit Master title style</a:t>
             </a:r>
+            <a:endParaRPr lang="en-US"/>
           </a:p>
         </p:txBody>
       </p:sp>
@@ -939,8 +948,8 @@
         </p:nvSpPr>
         <p:spPr>
           <a:xfrm>
-            <a:off x="722313" y="2180035"/>
-            <a:ext cx="7772400" cy="1125140"/>
+            <a:off x="722313" y="2906713"/>
+            <a:ext cx="7772400" cy="1500187"/>
           </a:xfrm>
         </p:spPr>
         <p:txBody>
@@ -948,7 +957,7 @@
           <a:lstStyle>
             <a:lvl1pPr marL="0" indent="0">
               <a:buNone/>
-              <a:defRPr sz="1500">
+              <a:defRPr sz="2000">
                 <a:solidFill>
                   <a:schemeClr val="tx1">
                     <a:tint val="75000"/>
@@ -956,9 +965,9 @@
                 </a:solidFill>
               </a:defRPr>
             </a:lvl1pPr>
-            <a:lvl2pPr marL="342900" indent="0">
-              <a:buNone/>
-              <a:defRPr sz="1350">
+            <a:lvl2pPr marL="457200" indent="0">
+              <a:buNone/>
+              <a:defRPr sz="1800">
                 <a:solidFill>
                   <a:schemeClr val="tx1">
                     <a:tint val="75000"/>
@@ -966,9 +975,9 @@
                 </a:solidFill>
               </a:defRPr>
             </a:lvl2pPr>
-            <a:lvl3pPr marL="685800" indent="0">
-              <a:buNone/>
-              <a:defRPr sz="1200">
+            <a:lvl3pPr marL="914400" indent="0">
+              <a:buNone/>
+              <a:defRPr sz="1600">
                 <a:solidFill>
                   <a:schemeClr val="tx1">
                     <a:tint val="75000"/>
@@ -976,9 +985,9 @@
                 </a:solidFill>
               </a:defRPr>
             </a:lvl3pPr>
-            <a:lvl4pPr marL="1028700" indent="0">
-              <a:buNone/>
-              <a:defRPr sz="1050">
+            <a:lvl4pPr marL="1371600" indent="0">
+              <a:buNone/>
+              <a:defRPr sz="1400">
                 <a:solidFill>
                   <a:schemeClr val="tx1">
                     <a:tint val="75000"/>
@@ -986,9 +995,9 @@
                 </a:solidFill>
               </a:defRPr>
             </a:lvl4pPr>
-            <a:lvl5pPr marL="1371600" indent="0">
-              <a:buNone/>
-              <a:defRPr sz="1050">
+            <a:lvl5pPr marL="1828800" indent="0">
+              <a:buNone/>
+              <a:defRPr sz="1400">
                 <a:solidFill>
                   <a:schemeClr val="tx1">
                     <a:tint val="75000"/>
@@ -996,9 +1005,9 @@
                 </a:solidFill>
               </a:defRPr>
             </a:lvl5pPr>
-            <a:lvl6pPr marL="1714500" indent="0">
-              <a:buNone/>
-              <a:defRPr sz="1050">
+            <a:lvl6pPr marL="2286000" indent="0">
+              <a:buNone/>
+              <a:defRPr sz="1400">
                 <a:solidFill>
                   <a:schemeClr val="tx1">
                     <a:tint val="75000"/>
@@ -1006,9 +1015,9 @@
                 </a:solidFill>
               </a:defRPr>
             </a:lvl6pPr>
-            <a:lvl7pPr marL="2057400" indent="0">
-              <a:buNone/>
-              <a:defRPr sz="1050">
+            <a:lvl7pPr marL="2743200" indent="0">
+              <a:buNone/>
+              <a:defRPr sz="1400">
                 <a:solidFill>
                   <a:schemeClr val="tx1">
                     <a:tint val="75000"/>
@@ -1016,9 +1025,9 @@
                 </a:solidFill>
               </a:defRPr>
             </a:lvl7pPr>
-            <a:lvl8pPr marL="2400300" indent="0">
-              <a:buNone/>
-              <a:defRPr sz="1050">
+            <a:lvl8pPr marL="3200400" indent="0">
+              <a:buNone/>
+              <a:defRPr sz="1400">
                 <a:solidFill>
                   <a:schemeClr val="tx1">
                     <a:tint val="75000"/>
@@ -1026,9 +1035,9 @@
                 </a:solidFill>
               </a:defRPr>
             </a:lvl8pPr>
-            <a:lvl9pPr marL="2743200" indent="0">
-              <a:buNone/>
-              <a:defRPr sz="1050">
+            <a:lvl9pPr marL="3657600" indent="0">
+              <a:buNone/>
+              <a:defRPr sz="1400">
                 <a:solidFill>
                   <a:schemeClr val="tx1">
                     <a:tint val="75000"/>
@@ -1040,7 +1049,7 @@
           <a:p>
             <a:pPr lvl="0"/>
             <a:r>
-              <a:rPr lang="en-US"/>
+              <a:rPr lang="en-US" smtClean="0"/>
               <a:t>Click to edit Master text styles</a:t>
             </a:r>
           </a:p>
@@ -1063,7 +1072,7 @@
           <a:p>
             <a:fld id="{241EB5C9-1307-BA42-ABA2-0BC069CD8E7F}" type="datetimeFigureOut">
               <a:rPr lang="en-US" smtClean="0"/>
-              <a:t>1/2/22</a:t>
+              <a:t>4/5/2019</a:t>
             </a:fld>
             <a:endParaRPr lang="en-US"/>
           </a:p>
@@ -1157,9 +1166,10 @@
           <a:lstStyle/>
           <a:p>
             <a:r>
-              <a:rPr lang="en-US"/>
+              <a:rPr lang="en-US" smtClean="0"/>
               <a:t>Click to edit Master title style</a:t>
             </a:r>
+            <a:endParaRPr lang="en-US"/>
           </a:p>
         </p:txBody>
       </p:sp>
@@ -1175,75 +1185,76 @@
         </p:nvSpPr>
         <p:spPr>
           <a:xfrm>
-            <a:off x="457200" y="1200151"/>
-            <a:ext cx="4038600" cy="3394472"/>
+            <a:off x="457200" y="1600200"/>
+            <a:ext cx="4038600" cy="4525963"/>
           </a:xfrm>
         </p:spPr>
         <p:txBody>
           <a:bodyPr/>
           <a:lstStyle>
             <a:lvl1pPr>
-              <a:defRPr sz="2100"/>
+              <a:defRPr sz="2800"/>
             </a:lvl1pPr>
             <a:lvl2pPr>
-              <a:defRPr sz="1800"/>
+              <a:defRPr sz="2400"/>
             </a:lvl2pPr>
             <a:lvl3pPr>
-              <a:defRPr sz="1500"/>
+              <a:defRPr sz="2000"/>
             </a:lvl3pPr>
             <a:lvl4pPr>
-              <a:defRPr sz="1350"/>
+              <a:defRPr sz="1800"/>
             </a:lvl4pPr>
             <a:lvl5pPr>
-              <a:defRPr sz="1350"/>
+              <a:defRPr sz="1800"/>
             </a:lvl5pPr>
             <a:lvl6pPr>
-              <a:defRPr sz="1350"/>
+              <a:defRPr sz="1800"/>
             </a:lvl6pPr>
             <a:lvl7pPr>
-              <a:defRPr sz="1350"/>
+              <a:defRPr sz="1800"/>
             </a:lvl7pPr>
             <a:lvl8pPr>
-              <a:defRPr sz="1350"/>
+              <a:defRPr sz="1800"/>
             </a:lvl8pPr>
             <a:lvl9pPr>
-              <a:defRPr sz="1350"/>
+              <a:defRPr sz="1800"/>
             </a:lvl9pPr>
           </a:lstStyle>
           <a:p>
             <a:pPr lvl="0"/>
             <a:r>
-              <a:rPr lang="en-US"/>
+              <a:rPr lang="en-US" smtClean="0"/>
               <a:t>Click to edit Master text styles</a:t>
             </a:r>
           </a:p>
           <a:p>
             <a:pPr lvl="1"/>
             <a:r>
-              <a:rPr lang="en-US"/>
+              <a:rPr lang="en-US" smtClean="0"/>
               <a:t>Second level</a:t>
             </a:r>
           </a:p>
           <a:p>
             <a:pPr lvl="2"/>
             <a:r>
-              <a:rPr lang="en-US"/>
+              <a:rPr lang="en-US" smtClean="0"/>
               <a:t>Third level</a:t>
             </a:r>
           </a:p>
           <a:p>
             <a:pPr lvl="3"/>
             <a:r>
-              <a:rPr lang="en-US"/>
+              <a:rPr lang="en-US" smtClean="0"/>
               <a:t>Fourth level</a:t>
             </a:r>
           </a:p>
           <a:p>
             <a:pPr lvl="4"/>
             <a:r>
-              <a:rPr lang="en-US"/>
+              <a:rPr lang="en-US" smtClean="0"/>
               <a:t>Fifth level</a:t>
             </a:r>
+            <a:endParaRPr lang="en-US"/>
           </a:p>
         </p:txBody>
       </p:sp>
@@ -1259,75 +1270,76 @@
         </p:nvSpPr>
         <p:spPr>
           <a:xfrm>
-            <a:off x="4648200" y="1200151"/>
-            <a:ext cx="4038600" cy="3394472"/>
+            <a:off x="4648200" y="1600200"/>
+            <a:ext cx="4038600" cy="4525963"/>
           </a:xfrm>
         </p:spPr>
         <p:txBody>
           <a:bodyPr/>
           <a:lstStyle>
             <a:lvl1pPr>
-              <a:defRPr sz="2100"/>
+              <a:defRPr sz="2800"/>
             </a:lvl1pPr>
             <a:lvl2pPr>
-              <a:defRPr sz="1800"/>
+              <a:defRPr sz="2400"/>
             </a:lvl2pPr>
             <a:lvl3pPr>
-              <a:defRPr sz="1500"/>
+              <a:defRPr sz="2000"/>
             </a:lvl3pPr>
             <a:lvl4pPr>
-              <a:defRPr sz="1350"/>
+              <a:defRPr sz="1800"/>
             </a:lvl4pPr>
             <a:lvl5pPr>
-              <a:defRPr sz="1350"/>
+              <a:defRPr sz="1800"/>
             </a:lvl5pPr>
             <a:lvl6pPr>
-              <a:defRPr sz="1350"/>
+              <a:defRPr sz="1800"/>
             </a:lvl6pPr>
             <a:lvl7pPr>
-              <a:defRPr sz="1350"/>
+              <a:defRPr sz="1800"/>
             </a:lvl7pPr>
             <a:lvl8pPr>
-              <a:defRPr sz="1350"/>
+              <a:defRPr sz="1800"/>
             </a:lvl8pPr>
             <a:lvl9pPr>
-              <a:defRPr sz="1350"/>
+              <a:defRPr sz="1800"/>
             </a:lvl9pPr>
           </a:lstStyle>
           <a:p>
             <a:pPr lvl="0"/>
             <a:r>
-              <a:rPr lang="en-US"/>
+              <a:rPr lang="en-US" smtClean="0"/>
               <a:t>Click to edit Master text styles</a:t>
             </a:r>
           </a:p>
           <a:p>
             <a:pPr lvl="1"/>
             <a:r>
-              <a:rPr lang="en-US"/>
+              <a:rPr lang="en-US" smtClean="0"/>
               <a:t>Second level</a:t>
             </a:r>
           </a:p>
           <a:p>
             <a:pPr lvl="2"/>
             <a:r>
-              <a:rPr lang="en-US"/>
+              <a:rPr lang="en-US" smtClean="0"/>
               <a:t>Third level</a:t>
             </a:r>
           </a:p>
           <a:p>
             <a:pPr lvl="3"/>
             <a:r>
-              <a:rPr lang="en-US"/>
+              <a:rPr lang="en-US" smtClean="0"/>
               <a:t>Fourth level</a:t>
             </a:r>
           </a:p>
           <a:p>
             <a:pPr lvl="4"/>
             <a:r>
-              <a:rPr lang="en-US"/>
+              <a:rPr lang="en-US" smtClean="0"/>
               <a:t>Fifth level</a:t>
             </a:r>
+            <a:endParaRPr lang="en-US"/>
           </a:p>
         </p:txBody>
       </p:sp>
@@ -1348,7 +1360,7 @@
           <a:p>
             <a:fld id="{241EB5C9-1307-BA42-ABA2-0BC069CD8E7F}" type="datetimeFigureOut">
               <a:rPr lang="en-US" smtClean="0"/>
-              <a:t>1/2/22</a:t>
+              <a:t>4/5/2019</a:t>
             </a:fld>
             <a:endParaRPr lang="en-US"/>
           </a:p>
@@ -1446,9 +1458,10 @@
           </a:lstStyle>
           <a:p>
             <a:r>
-              <a:rPr lang="en-US"/>
+              <a:rPr lang="en-US" smtClean="0"/>
               <a:t>Click to edit Master title style</a:t>
             </a:r>
+            <a:endParaRPr lang="en-US"/>
           </a:p>
         </p:txBody>
       </p:sp>
@@ -1464,8 +1477,8 @@
         </p:nvSpPr>
         <p:spPr>
           <a:xfrm>
-            <a:off x="457200" y="1151335"/>
-            <a:ext cx="4040188" cy="479822"/>
+            <a:off x="457200" y="1535113"/>
+            <a:ext cx="4040188" cy="639762"/>
           </a:xfrm>
         </p:spPr>
         <p:txBody>
@@ -1473,45 +1486,45 @@
           <a:lstStyle>
             <a:lvl1pPr marL="0" indent="0">
               <a:buNone/>
+              <a:defRPr sz="2400" b="1"/>
+            </a:lvl1pPr>
+            <a:lvl2pPr marL="457200" indent="0">
+              <a:buNone/>
+              <a:defRPr sz="2000" b="1"/>
+            </a:lvl2pPr>
+            <a:lvl3pPr marL="914400" indent="0">
+              <a:buNone/>
               <a:defRPr sz="1800" b="1"/>
-            </a:lvl1pPr>
-            <a:lvl2pPr marL="342900" indent="0">
-              <a:buNone/>
-              <a:defRPr sz="1500" b="1"/>
-            </a:lvl2pPr>
-            <a:lvl3pPr marL="685800" indent="0">
-              <a:buNone/>
-              <a:defRPr sz="1350" b="1"/>
             </a:lvl3pPr>
-            <a:lvl4pPr marL="1028700" indent="0">
-              <a:buNone/>
-              <a:defRPr sz="1200" b="1"/>
+            <a:lvl4pPr marL="1371600" indent="0">
+              <a:buNone/>
+              <a:defRPr sz="1600" b="1"/>
             </a:lvl4pPr>
-            <a:lvl5pPr marL="1371600" indent="0">
-              <a:buNone/>
-              <a:defRPr sz="1200" b="1"/>
+            <a:lvl5pPr marL="1828800" indent="0">
+              <a:buNone/>
+              <a:defRPr sz="1600" b="1"/>
             </a:lvl5pPr>
-            <a:lvl6pPr marL="1714500" indent="0">
-              <a:buNone/>
-              <a:defRPr sz="1200" b="1"/>
+            <a:lvl6pPr marL="2286000" indent="0">
+              <a:buNone/>
+              <a:defRPr sz="1600" b="1"/>
             </a:lvl6pPr>
-            <a:lvl7pPr marL="2057400" indent="0">
-              <a:buNone/>
-              <a:defRPr sz="1200" b="1"/>
+            <a:lvl7pPr marL="2743200" indent="0">
+              <a:buNone/>
+              <a:defRPr sz="1600" b="1"/>
             </a:lvl7pPr>
-            <a:lvl8pPr marL="2400300" indent="0">
-              <a:buNone/>
-              <a:defRPr sz="1200" b="1"/>
+            <a:lvl8pPr marL="3200400" indent="0">
+              <a:buNone/>
+              <a:defRPr sz="1600" b="1"/>
             </a:lvl8pPr>
-            <a:lvl9pPr marL="2743200" indent="0">
-              <a:buNone/>
-              <a:defRPr sz="1200" b="1"/>
+            <a:lvl9pPr marL="3657600" indent="0">
+              <a:buNone/>
+              <a:defRPr sz="1600" b="1"/>
             </a:lvl9pPr>
           </a:lstStyle>
           <a:p>
             <a:pPr lvl="0"/>
             <a:r>
-              <a:rPr lang="en-US"/>
+              <a:rPr lang="en-US" smtClean="0"/>
               <a:t>Click to edit Master text styles</a:t>
             </a:r>
           </a:p>
@@ -1529,75 +1542,76 @@
         </p:nvSpPr>
         <p:spPr>
           <a:xfrm>
-            <a:off x="457200" y="1631156"/>
-            <a:ext cx="4040188" cy="2963466"/>
+            <a:off x="457200" y="2174875"/>
+            <a:ext cx="4040188" cy="3951288"/>
           </a:xfrm>
         </p:spPr>
         <p:txBody>
           <a:bodyPr/>
           <a:lstStyle>
             <a:lvl1pPr>
-              <a:defRPr sz="1800"/>
+              <a:defRPr sz="2400"/>
             </a:lvl1pPr>
             <a:lvl2pPr>
-              <a:defRPr sz="1500"/>
+              <a:defRPr sz="2000"/>
             </a:lvl2pPr>
             <a:lvl3pPr>
-              <a:defRPr sz="1350"/>
+              <a:defRPr sz="1800"/>
             </a:lvl3pPr>
             <a:lvl4pPr>
-              <a:defRPr sz="1200"/>
+              <a:defRPr sz="1600"/>
             </a:lvl4pPr>
             <a:lvl5pPr>
-              <a:defRPr sz="1200"/>
+              <a:defRPr sz="1600"/>
             </a:lvl5pPr>
             <a:lvl6pPr>
-              <a:defRPr sz="1200"/>
+              <a:defRPr sz="1600"/>
             </a:lvl6pPr>
             <a:lvl7pPr>
-              <a:defRPr sz="1200"/>
+              <a:defRPr sz="1600"/>
             </a:lvl7pPr>
             <a:lvl8pPr>
-              <a:defRPr sz="1200"/>
+              <a:defRPr sz="1600"/>
             </a:lvl8pPr>
             <a:lvl9pPr>
-              <a:defRPr sz="1200"/>
+              <a:defRPr sz="1600"/>
             </a:lvl9pPr>
           </a:lstStyle>
           <a:p>
             <a:pPr lvl="0"/>
             <a:r>
-              <a:rPr lang="en-US"/>
+              <a:rPr lang="en-US" smtClean="0"/>
               <a:t>Click to edit Master text styles</a:t>
             </a:r>
           </a:p>
           <a:p>
             <a:pPr lvl="1"/>
             <a:r>
-              <a:rPr lang="en-US"/>
+              <a:rPr lang="en-US" smtClean="0"/>
               <a:t>Second level</a:t>
             </a:r>
           </a:p>
           <a:p>
             <a:pPr lvl="2"/>
             <a:r>
-              <a:rPr lang="en-US"/>
+              <a:rPr lang="en-US" smtClean="0"/>
               <a:t>Third level</a:t>
             </a:r>
           </a:p>
           <a:p>
             <a:pPr lvl="3"/>
             <a:r>
-              <a:rPr lang="en-US"/>
+              <a:rPr lang="en-US" smtClean="0"/>
               <a:t>Fourth level</a:t>
             </a:r>
           </a:p>
           <a:p>
             <a:pPr lvl="4"/>
             <a:r>
-              <a:rPr lang="en-US"/>
+              <a:rPr lang="en-US" smtClean="0"/>
               <a:t>Fifth level</a:t>
             </a:r>
+            <a:endParaRPr lang="en-US"/>
           </a:p>
         </p:txBody>
       </p:sp>
@@ -1613,8 +1627,8 @@
         </p:nvSpPr>
         <p:spPr>
           <a:xfrm>
-            <a:off x="4645026" y="1151335"/>
-            <a:ext cx="4041775" cy="479822"/>
+            <a:off x="4645025" y="1535113"/>
+            <a:ext cx="4041775" cy="639762"/>
           </a:xfrm>
         </p:spPr>
         <p:txBody>
@@ -1622,45 +1636,45 @@
           <a:lstStyle>
             <a:lvl1pPr marL="0" indent="0">
               <a:buNone/>
+              <a:defRPr sz="2400" b="1"/>
+            </a:lvl1pPr>
+            <a:lvl2pPr marL="457200" indent="0">
+              <a:buNone/>
+              <a:defRPr sz="2000" b="1"/>
+            </a:lvl2pPr>
+            <a:lvl3pPr marL="914400" indent="0">
+              <a:buNone/>
               <a:defRPr sz="1800" b="1"/>
-            </a:lvl1pPr>
-            <a:lvl2pPr marL="342900" indent="0">
-              <a:buNone/>
-              <a:defRPr sz="1500" b="1"/>
-            </a:lvl2pPr>
-            <a:lvl3pPr marL="685800" indent="0">
-              <a:buNone/>
-              <a:defRPr sz="1350" b="1"/>
             </a:lvl3pPr>
-            <a:lvl4pPr marL="1028700" indent="0">
-              <a:buNone/>
-              <a:defRPr sz="1200" b="1"/>
+            <a:lvl4pPr marL="1371600" indent="0">
+              <a:buNone/>
+              <a:defRPr sz="1600" b="1"/>
             </a:lvl4pPr>
-            <a:lvl5pPr marL="1371600" indent="0">
-              <a:buNone/>
-              <a:defRPr sz="1200" b="1"/>
+            <a:lvl5pPr marL="1828800" indent="0">
+              <a:buNone/>
+              <a:defRPr sz="1600" b="1"/>
             </a:lvl5pPr>
-            <a:lvl6pPr marL="1714500" indent="0">
-              <a:buNone/>
-              <a:defRPr sz="1200" b="1"/>
+            <a:lvl6pPr marL="2286000" indent="0">
+              <a:buNone/>
+              <a:defRPr sz="1600" b="1"/>
             </a:lvl6pPr>
-            <a:lvl7pPr marL="2057400" indent="0">
-              <a:buNone/>
-              <a:defRPr sz="1200" b="1"/>
+            <a:lvl7pPr marL="2743200" indent="0">
+              <a:buNone/>
+              <a:defRPr sz="1600" b="1"/>
             </a:lvl7pPr>
-            <a:lvl8pPr marL="2400300" indent="0">
-              <a:buNone/>
-              <a:defRPr sz="1200" b="1"/>
+            <a:lvl8pPr marL="3200400" indent="0">
+              <a:buNone/>
+              <a:defRPr sz="1600" b="1"/>
             </a:lvl8pPr>
-            <a:lvl9pPr marL="2743200" indent="0">
-              <a:buNone/>
-              <a:defRPr sz="1200" b="1"/>
+            <a:lvl9pPr marL="3657600" indent="0">
+              <a:buNone/>
+              <a:defRPr sz="1600" b="1"/>
             </a:lvl9pPr>
           </a:lstStyle>
           <a:p>
             <a:pPr lvl="0"/>
             <a:r>
-              <a:rPr lang="en-US"/>
+              <a:rPr lang="en-US" smtClean="0"/>
               <a:t>Click to edit Master text styles</a:t>
             </a:r>
           </a:p>
@@ -1678,75 +1692,76 @@
         </p:nvSpPr>
         <p:spPr>
           <a:xfrm>
-            <a:off x="4645026" y="1631156"/>
-            <a:ext cx="4041775" cy="2963466"/>
+            <a:off x="4645025" y="2174875"/>
+            <a:ext cx="4041775" cy="3951288"/>
           </a:xfrm>
         </p:spPr>
         <p:txBody>
           <a:bodyPr/>
           <a:lstStyle>
             <a:lvl1pPr>
-              <a:defRPr sz="1800"/>
+              <a:defRPr sz="2400"/>
             </a:lvl1pPr>
             <a:lvl2pPr>
-              <a:defRPr sz="1500"/>
+              <a:defRPr sz="2000"/>
             </a:lvl2pPr>
             <a:lvl3pPr>
-              <a:defRPr sz="1350"/>
+              <a:defRPr sz="1800"/>
             </a:lvl3pPr>
             <a:lvl4pPr>
-              <a:defRPr sz="1200"/>
+              <a:defRPr sz="1600"/>
             </a:lvl4pPr>
             <a:lvl5pPr>
-              <a:defRPr sz="1200"/>
+              <a:defRPr sz="1600"/>
             </a:lvl5pPr>
             <a:lvl6pPr>
-              <a:defRPr sz="1200"/>
+              <a:defRPr sz="1600"/>
             </a:lvl6pPr>
             <a:lvl7pPr>
-              <a:defRPr sz="1200"/>
+              <a:defRPr sz="1600"/>
             </a:lvl7pPr>
             <a:lvl8pPr>
-              <a:defRPr sz="1200"/>
+              <a:defRPr sz="1600"/>
             </a:lvl8pPr>
             <a:lvl9pPr>
-              <a:defRPr sz="1200"/>
+              <a:defRPr sz="1600"/>
             </a:lvl9pPr>
           </a:lstStyle>
           <a:p>
             <a:pPr lvl="0"/>
             <a:r>
-              <a:rPr lang="en-US"/>
+              <a:rPr lang="en-US" smtClean="0"/>
               <a:t>Click to edit Master text styles</a:t>
             </a:r>
           </a:p>
           <a:p>
             <a:pPr lvl="1"/>
             <a:r>
-              <a:rPr lang="en-US"/>
+              <a:rPr lang="en-US" smtClean="0"/>
               <a:t>Second level</a:t>
             </a:r>
           </a:p>
           <a:p>
             <a:pPr lvl="2"/>
             <a:r>
-              <a:rPr lang="en-US"/>
+              <a:rPr lang="en-US" smtClean="0"/>
               <a:t>Third level</a:t>
             </a:r>
           </a:p>
           <a:p>
             <a:pPr lvl="3"/>
             <a:r>
-              <a:rPr lang="en-US"/>
+              <a:rPr lang="en-US" smtClean="0"/>
               <a:t>Fourth level</a:t>
             </a:r>
           </a:p>
           <a:p>
             <a:pPr lvl="4"/>
             <a:r>
-              <a:rPr lang="en-US"/>
+              <a:rPr lang="en-US" smtClean="0"/>
               <a:t>Fifth level</a:t>
             </a:r>
+            <a:endParaRPr lang="en-US"/>
           </a:p>
         </p:txBody>
       </p:sp>
@@ -1767,7 +1782,7 @@
           <a:p>
             <a:fld id="{241EB5C9-1307-BA42-ABA2-0BC069CD8E7F}" type="datetimeFigureOut">
               <a:rPr lang="en-US" smtClean="0"/>
-              <a:t>1/2/22</a:t>
+              <a:t>4/5/2019</a:t>
             </a:fld>
             <a:endParaRPr lang="en-US"/>
           </a:p>
@@ -1861,9 +1876,10 @@
           <a:lstStyle/>
           <a:p>
             <a:r>
-              <a:rPr lang="en-US"/>
+              <a:rPr lang="en-US" smtClean="0"/>
               <a:t>Click to edit Master title style</a:t>
             </a:r>
+            <a:endParaRPr lang="en-US"/>
           </a:p>
         </p:txBody>
       </p:sp>
@@ -1884,7 +1900,7 @@
           <a:p>
             <a:fld id="{241EB5C9-1307-BA42-ABA2-0BC069CD8E7F}" type="datetimeFigureOut">
               <a:rPr lang="en-US" smtClean="0"/>
-              <a:t>1/2/22</a:t>
+              <a:t>4/5/2019</a:t>
             </a:fld>
             <a:endParaRPr lang="en-US"/>
           </a:p>
@@ -1979,7 +1995,7 @@
           <a:p>
             <a:fld id="{241EB5C9-1307-BA42-ABA2-0BC069CD8E7F}" type="datetimeFigureOut">
               <a:rPr lang="en-US" smtClean="0"/>
-              <a:t>1/2/22</a:t>
+              <a:t>4/5/2019</a:t>
             </a:fld>
             <a:endParaRPr lang="en-US"/>
           </a:p>
@@ -2069,22 +2085,23 @@
         </p:nvSpPr>
         <p:spPr>
           <a:xfrm>
-            <a:off x="457201" y="204787"/>
-            <a:ext cx="3008313" cy="871538"/>
+            <a:off x="457200" y="273050"/>
+            <a:ext cx="3008313" cy="1162050"/>
           </a:xfrm>
         </p:spPr>
         <p:txBody>
           <a:bodyPr anchor="b"/>
           <a:lstStyle>
             <a:lvl1pPr algn="l">
-              <a:defRPr sz="1500" b="1"/>
+              <a:defRPr sz="2000" b="1"/>
             </a:lvl1pPr>
           </a:lstStyle>
           <a:p>
             <a:r>
-              <a:rPr lang="en-US"/>
+              <a:rPr lang="en-US" smtClean="0"/>
               <a:t>Click to edit Master title style</a:t>
             </a:r>
+            <a:endParaRPr lang="en-US"/>
           </a:p>
         </p:txBody>
       </p:sp>
@@ -2100,75 +2117,76 @@
         </p:nvSpPr>
         <p:spPr>
           <a:xfrm>
-            <a:off x="3575050" y="204788"/>
-            <a:ext cx="5111750" cy="4389835"/>
+            <a:off x="3575050" y="273050"/>
+            <a:ext cx="5111750" cy="5853113"/>
           </a:xfrm>
         </p:spPr>
         <p:txBody>
           <a:bodyPr/>
           <a:lstStyle>
             <a:lvl1pPr>
-              <a:defRPr sz="2400"/>
+              <a:defRPr sz="3200"/>
             </a:lvl1pPr>
             <a:lvl2pPr>
-              <a:defRPr sz="2100"/>
+              <a:defRPr sz="2800"/>
             </a:lvl2pPr>
             <a:lvl3pPr>
-              <a:defRPr sz="1800"/>
+              <a:defRPr sz="2400"/>
             </a:lvl3pPr>
             <a:lvl4pPr>
-              <a:defRPr sz="1500"/>
+              <a:defRPr sz="2000"/>
             </a:lvl4pPr>
             <a:lvl5pPr>
-              <a:defRPr sz="1500"/>
+              <a:defRPr sz="2000"/>
             </a:lvl5pPr>
             <a:lvl6pPr>
-              <a:defRPr sz="1500"/>
+              <a:defRPr sz="2000"/>
             </a:lvl6pPr>
             <a:lvl7pPr>
-              <a:defRPr sz="1500"/>
+              <a:defRPr sz="2000"/>
             </a:lvl7pPr>
             <a:lvl8pPr>
-              <a:defRPr sz="1500"/>
+              <a:defRPr sz="2000"/>
             </a:lvl8pPr>
             <a:lvl9pPr>
-              <a:defRPr sz="1500"/>
+              <a:defRPr sz="2000"/>
             </a:lvl9pPr>
           </a:lstStyle>
           <a:p>
             <a:pPr lvl="0"/>
             <a:r>
-              <a:rPr lang="en-US"/>
+              <a:rPr lang="en-US" smtClean="0"/>
               <a:t>Click to edit Master text styles</a:t>
             </a:r>
           </a:p>
           <a:p>
             <a:pPr lvl="1"/>
             <a:r>
-              <a:rPr lang="en-US"/>
+              <a:rPr lang="en-US" smtClean="0"/>
               <a:t>Second level</a:t>
             </a:r>
           </a:p>
           <a:p>
             <a:pPr lvl="2"/>
             <a:r>
-              <a:rPr lang="en-US"/>
+              <a:rPr lang="en-US" smtClean="0"/>
               <a:t>Third level</a:t>
             </a:r>
           </a:p>
           <a:p>
             <a:pPr lvl="3"/>
             <a:r>
-              <a:rPr lang="en-US"/>
+              <a:rPr lang="en-US" smtClean="0"/>
               <a:t>Fourth level</a:t>
             </a:r>
           </a:p>
           <a:p>
             <a:pPr lvl="4"/>
             <a:r>
-              <a:rPr lang="en-US"/>
+              <a:rPr lang="en-US" smtClean="0"/>
               <a:t>Fifth level</a:t>
             </a:r>
+            <a:endParaRPr lang="en-US"/>
           </a:p>
         </p:txBody>
       </p:sp>
@@ -2184,8 +2202,8 @@
         </p:nvSpPr>
         <p:spPr>
           <a:xfrm>
-            <a:off x="457201" y="1076326"/>
-            <a:ext cx="3008313" cy="3518297"/>
+            <a:off x="457200" y="1435100"/>
+            <a:ext cx="3008313" cy="4691063"/>
           </a:xfrm>
         </p:spPr>
         <p:txBody>
@@ -2193,45 +2211,45 @@
           <a:lstStyle>
             <a:lvl1pPr marL="0" indent="0">
               <a:buNone/>
-              <a:defRPr sz="1050"/>
+              <a:defRPr sz="1400"/>
             </a:lvl1pPr>
-            <a:lvl2pPr marL="342900" indent="0">
+            <a:lvl2pPr marL="457200" indent="0">
+              <a:buNone/>
+              <a:defRPr sz="1200"/>
+            </a:lvl2pPr>
+            <a:lvl3pPr marL="914400" indent="0">
+              <a:buNone/>
+              <a:defRPr sz="1000"/>
+            </a:lvl3pPr>
+            <a:lvl4pPr marL="1371600" indent="0">
               <a:buNone/>
               <a:defRPr sz="900"/>
-            </a:lvl2pPr>
-            <a:lvl3pPr marL="685800" indent="0">
-              <a:buNone/>
-              <a:defRPr sz="750"/>
-            </a:lvl3pPr>
-            <a:lvl4pPr marL="1028700" indent="0">
-              <a:buNone/>
-              <a:defRPr sz="675"/>
             </a:lvl4pPr>
-            <a:lvl5pPr marL="1371600" indent="0">
-              <a:buNone/>
-              <a:defRPr sz="675"/>
+            <a:lvl5pPr marL="1828800" indent="0">
+              <a:buNone/>
+              <a:defRPr sz="900"/>
             </a:lvl5pPr>
-            <a:lvl6pPr marL="1714500" indent="0">
-              <a:buNone/>
-              <a:defRPr sz="675"/>
+            <a:lvl6pPr marL="2286000" indent="0">
+              <a:buNone/>
+              <a:defRPr sz="900"/>
             </a:lvl6pPr>
-            <a:lvl7pPr marL="2057400" indent="0">
-              <a:buNone/>
-              <a:defRPr sz="675"/>
+            <a:lvl7pPr marL="2743200" indent="0">
+              <a:buNone/>
+              <a:defRPr sz="900"/>
             </a:lvl7pPr>
-            <a:lvl8pPr marL="2400300" indent="0">
-              <a:buNone/>
-              <a:defRPr sz="675"/>
+            <a:lvl8pPr marL="3200400" indent="0">
+              <a:buNone/>
+              <a:defRPr sz="900"/>
             </a:lvl8pPr>
-            <a:lvl9pPr marL="2743200" indent="0">
-              <a:buNone/>
-              <a:defRPr sz="675"/>
+            <a:lvl9pPr marL="3657600" indent="0">
+              <a:buNone/>
+              <a:defRPr sz="900"/>
             </a:lvl9pPr>
           </a:lstStyle>
           <a:p>
             <a:pPr lvl="0"/>
             <a:r>
-              <a:rPr lang="en-US"/>
+              <a:rPr lang="en-US" smtClean="0"/>
               <a:t>Click to edit Master text styles</a:t>
             </a:r>
           </a:p>
@@ -2254,7 +2272,7 @@
           <a:p>
             <a:fld id="{241EB5C9-1307-BA42-ABA2-0BC069CD8E7F}" type="datetimeFigureOut">
               <a:rPr lang="en-US" smtClean="0"/>
-              <a:t>1/2/22</a:t>
+              <a:t>4/5/2019</a:t>
             </a:fld>
             <a:endParaRPr lang="en-US"/>
           </a:p>
@@ -2344,22 +2362,23 @@
         </p:nvSpPr>
         <p:spPr>
           <a:xfrm>
-            <a:off x="1792288" y="3600450"/>
-            <a:ext cx="5486400" cy="425054"/>
+            <a:off x="1792288" y="4800600"/>
+            <a:ext cx="5486400" cy="566738"/>
           </a:xfrm>
         </p:spPr>
         <p:txBody>
           <a:bodyPr anchor="b"/>
           <a:lstStyle>
             <a:lvl1pPr algn="l">
-              <a:defRPr sz="1500" b="1"/>
+              <a:defRPr sz="2000" b="1"/>
             </a:lvl1pPr>
           </a:lstStyle>
           <a:p>
             <a:r>
-              <a:rPr lang="en-US"/>
+              <a:rPr lang="en-US" smtClean="0"/>
               <a:t>Click to edit Master title style</a:t>
             </a:r>
+            <a:endParaRPr lang="en-US"/>
           </a:p>
         </p:txBody>
       </p:sp>
@@ -2375,8 +2394,8 @@
         </p:nvSpPr>
         <p:spPr>
           <a:xfrm>
-            <a:off x="1792288" y="459581"/>
-            <a:ext cx="5486400" cy="3086100"/>
+            <a:off x="1792288" y="612775"/>
+            <a:ext cx="5486400" cy="4114800"/>
           </a:xfrm>
         </p:spPr>
         <p:txBody>
@@ -2384,39 +2403,39 @@
           <a:lstStyle>
             <a:lvl1pPr marL="0" indent="0">
               <a:buNone/>
+              <a:defRPr sz="3200"/>
+            </a:lvl1pPr>
+            <a:lvl2pPr marL="457200" indent="0">
+              <a:buNone/>
+              <a:defRPr sz="2800"/>
+            </a:lvl2pPr>
+            <a:lvl3pPr marL="914400" indent="0">
+              <a:buNone/>
               <a:defRPr sz="2400"/>
-            </a:lvl1pPr>
-            <a:lvl2pPr marL="342900" indent="0">
-              <a:buNone/>
-              <a:defRPr sz="2100"/>
-            </a:lvl2pPr>
-            <a:lvl3pPr marL="685800" indent="0">
-              <a:buNone/>
-              <a:defRPr sz="1800"/>
             </a:lvl3pPr>
-            <a:lvl4pPr marL="1028700" indent="0">
-              <a:buNone/>
-              <a:defRPr sz="1500"/>
+            <a:lvl4pPr marL="1371600" indent="0">
+              <a:buNone/>
+              <a:defRPr sz="2000"/>
             </a:lvl4pPr>
-            <a:lvl5pPr marL="1371600" indent="0">
-              <a:buNone/>
-              <a:defRPr sz="1500"/>
+            <a:lvl5pPr marL="1828800" indent="0">
+              <a:buNone/>
+              <a:defRPr sz="2000"/>
             </a:lvl5pPr>
-            <a:lvl6pPr marL="1714500" indent="0">
-              <a:buNone/>
-              <a:defRPr sz="1500"/>
+            <a:lvl6pPr marL="2286000" indent="0">
+              <a:buNone/>
+              <a:defRPr sz="2000"/>
             </a:lvl6pPr>
-            <a:lvl7pPr marL="2057400" indent="0">
-              <a:buNone/>
-              <a:defRPr sz="1500"/>
+            <a:lvl7pPr marL="2743200" indent="0">
+              <a:buNone/>
+              <a:defRPr sz="2000"/>
             </a:lvl7pPr>
-            <a:lvl8pPr marL="2400300" indent="0">
-              <a:buNone/>
-              <a:defRPr sz="1500"/>
+            <a:lvl8pPr marL="3200400" indent="0">
+              <a:buNone/>
+              <a:defRPr sz="2000"/>
             </a:lvl8pPr>
-            <a:lvl9pPr marL="2743200" indent="0">
-              <a:buNone/>
-              <a:defRPr sz="1500"/>
+            <a:lvl9pPr marL="3657600" indent="0">
+              <a:buNone/>
+              <a:defRPr sz="2000"/>
             </a:lvl9pPr>
           </a:lstStyle>
           <a:p>
@@ -2436,8 +2455,8 @@
         </p:nvSpPr>
         <p:spPr>
           <a:xfrm>
-            <a:off x="1792288" y="4025503"/>
-            <a:ext cx="5486400" cy="603647"/>
+            <a:off x="1792288" y="5367338"/>
+            <a:ext cx="5486400" cy="804862"/>
           </a:xfrm>
         </p:spPr>
         <p:txBody>
@@ -2445,45 +2464,45 @@
           <a:lstStyle>
             <a:lvl1pPr marL="0" indent="0">
               <a:buNone/>
-              <a:defRPr sz="1050"/>
+              <a:defRPr sz="1400"/>
             </a:lvl1pPr>
-            <a:lvl2pPr marL="342900" indent="0">
+            <a:lvl2pPr marL="457200" indent="0">
+              <a:buNone/>
+              <a:defRPr sz="1200"/>
+            </a:lvl2pPr>
+            <a:lvl3pPr marL="914400" indent="0">
+              <a:buNone/>
+              <a:defRPr sz="1000"/>
+            </a:lvl3pPr>
+            <a:lvl4pPr marL="1371600" indent="0">
               <a:buNone/>
               <a:defRPr sz="900"/>
-            </a:lvl2pPr>
-            <a:lvl3pPr marL="685800" indent="0">
-              <a:buNone/>
-              <a:defRPr sz="750"/>
-            </a:lvl3pPr>
-            <a:lvl4pPr marL="1028700" indent="0">
-              <a:buNone/>
-              <a:defRPr sz="675"/>
             </a:lvl4pPr>
-            <a:lvl5pPr marL="1371600" indent="0">
-              <a:buNone/>
-              <a:defRPr sz="675"/>
+            <a:lvl5pPr marL="1828800" indent="0">
+              <a:buNone/>
+              <a:defRPr sz="900"/>
             </a:lvl5pPr>
-            <a:lvl6pPr marL="1714500" indent="0">
-              <a:buNone/>
-              <a:defRPr sz="675"/>
+            <a:lvl6pPr marL="2286000" indent="0">
+              <a:buNone/>
+              <a:defRPr sz="900"/>
             </a:lvl6pPr>
-            <a:lvl7pPr marL="2057400" indent="0">
-              <a:buNone/>
-              <a:defRPr sz="675"/>
+            <a:lvl7pPr marL="2743200" indent="0">
+              <a:buNone/>
+              <a:defRPr sz="900"/>
             </a:lvl7pPr>
-            <a:lvl8pPr marL="2400300" indent="0">
-              <a:buNone/>
-              <a:defRPr sz="675"/>
+            <a:lvl8pPr marL="3200400" indent="0">
+              <a:buNone/>
+              <a:defRPr sz="900"/>
             </a:lvl8pPr>
-            <a:lvl9pPr marL="2743200" indent="0">
-              <a:buNone/>
-              <a:defRPr sz="675"/>
+            <a:lvl9pPr marL="3657600" indent="0">
+              <a:buNone/>
+              <a:defRPr sz="900"/>
             </a:lvl9pPr>
           </a:lstStyle>
           <a:p>
             <a:pPr lvl="0"/>
             <a:r>
-              <a:rPr lang="en-US"/>
+              <a:rPr lang="en-US" smtClean="0"/>
               <a:t>Click to edit Master text styles</a:t>
             </a:r>
           </a:p>
@@ -2506,7 +2525,7 @@
           <a:p>
             <a:fld id="{241EB5C9-1307-BA42-ABA2-0BC069CD8E7F}" type="datetimeFigureOut">
               <a:rPr lang="en-US" smtClean="0"/>
-              <a:t>1/2/22</a:t>
+              <a:t>4/5/2019</a:t>
             </a:fld>
             <a:endParaRPr lang="en-US"/>
           </a:p>
@@ -2568,7 +2587,7 @@
 </file>
 
 <file path=ppt/slideMasters/slideMaster1.xml><?xml version="1.0" encoding="utf-8"?>
-<p:sldMaster xmlns:a="http://schemas.openxmlformats.org/drawingml/2006/main" xmlns:p="http://schemas.openxmlformats.org/presentationml/2006/main" xmlns:r="http://schemas.openxmlformats.org/officeDocument/2006/relationships">
+<p:sldMaster xmlns:a="http://schemas.openxmlformats.org/drawingml/2006/main" xmlns:r="http://schemas.openxmlformats.org/officeDocument/2006/relationships" xmlns:p="http://schemas.openxmlformats.org/presentationml/2006/main">
   <p:cSld>
     <p:bg>
       <p:bgRef idx="1001">
@@ -2601,23 +2620,24 @@
         </p:nvSpPr>
         <p:spPr>
           <a:xfrm>
-            <a:off x="457200" y="205979"/>
-            <a:ext cx="8229600" cy="857250"/>
+            <a:off x="457200" y="274638"/>
+            <a:ext cx="8229600" cy="1143000"/>
           </a:xfrm>
           <a:prstGeom prst="rect">
             <a:avLst/>
           </a:prstGeom>
         </p:spPr>
         <p:txBody>
-          <a:bodyPr anchor="ctr" bIns="45720" lIns="91440" rIns="91440" rtlCol="0" tIns="45720" vert="horz">
+          <a:bodyPr vert="horz" lIns="91440" tIns="45720" rIns="91440" bIns="45720" rtlCol="0" anchor="ctr">
             <a:normAutofit/>
           </a:bodyPr>
           <a:lstStyle/>
           <a:p>
             <a:r>
-              <a:rPr lang="en-US"/>
+              <a:rPr lang="en-US" smtClean="0"/>
               <a:t>Click to edit Master title style</a:t>
             </a:r>
+            <a:endParaRPr lang="en-US"/>
           </a:p>
         </p:txBody>
       </p:sp>
@@ -2628,57 +2648,58 @@
             <a:spLocks noGrp="1"/>
           </p:cNvSpPr>
           <p:nvPr>
-            <p:ph idx="1" type="body"/>
+            <p:ph type="body" idx="1"/>
           </p:nvPr>
         </p:nvSpPr>
         <p:spPr>
           <a:xfrm>
-            <a:off x="457200" y="1200151"/>
-            <a:ext cx="8229600" cy="3394472"/>
+            <a:off x="457200" y="1600200"/>
+            <a:ext cx="8229600" cy="4525963"/>
           </a:xfrm>
           <a:prstGeom prst="rect">
             <a:avLst/>
           </a:prstGeom>
         </p:spPr>
         <p:txBody>
-          <a:bodyPr bIns="45720" lIns="91440" rIns="91440" rtlCol="0" tIns="45720" vert="horz">
+          <a:bodyPr vert="horz" lIns="91440" tIns="45720" rIns="91440" bIns="45720" rtlCol="0">
             <a:normAutofit/>
           </a:bodyPr>
           <a:lstStyle/>
           <a:p>
             <a:pPr lvl="0"/>
             <a:r>
-              <a:rPr lang="en-US"/>
+              <a:rPr lang="en-US" smtClean="0"/>
               <a:t>Click to edit Master text styles</a:t>
             </a:r>
           </a:p>
           <a:p>
             <a:pPr lvl="1"/>
             <a:r>
-              <a:rPr lang="en-US"/>
+              <a:rPr lang="en-US" smtClean="0"/>
               <a:t>Second level</a:t>
             </a:r>
           </a:p>
           <a:p>
             <a:pPr lvl="2"/>
             <a:r>
-              <a:rPr lang="en-US"/>
+              <a:rPr lang="en-US" smtClean="0"/>
               <a:t>Third level</a:t>
             </a:r>
           </a:p>
           <a:p>
             <a:pPr lvl="3"/>
             <a:r>
-              <a:rPr lang="en-US"/>
+              <a:rPr lang="en-US" smtClean="0"/>
               <a:t>Fourth level</a:t>
             </a:r>
           </a:p>
           <a:p>
             <a:pPr lvl="4"/>
             <a:r>
-              <a:rPr lang="en-US"/>
+              <a:rPr lang="en-US" smtClean="0"/>
               <a:t>Fifth level</a:t>
             </a:r>
+            <a:endParaRPr lang="en-US"/>
           </a:p>
         </p:txBody>
       </p:sp>
@@ -2689,23 +2710,23 @@
             <a:spLocks noGrp="1"/>
           </p:cNvSpPr>
           <p:nvPr>
-            <p:ph idx="2" sz="half" type="dt"/>
+            <p:ph type="dt" sz="half" idx="2"/>
           </p:nvPr>
         </p:nvSpPr>
         <p:spPr>
           <a:xfrm>
-            <a:off x="457200" y="4767263"/>
-            <a:ext cx="2133600" cy="273844"/>
+            <a:off x="457200" y="6356350"/>
+            <a:ext cx="2133600" cy="365125"/>
           </a:xfrm>
           <a:prstGeom prst="rect">
             <a:avLst/>
           </a:prstGeom>
         </p:spPr>
         <p:txBody>
-          <a:bodyPr anchor="ctr" bIns="45720" lIns="91440" rIns="91440" rtlCol="0" tIns="45720" vert="horz"/>
+          <a:bodyPr vert="horz" lIns="91440" tIns="45720" rIns="91440" bIns="45720" rtlCol="0" anchor="ctr"/>
           <a:lstStyle>
             <a:lvl1pPr algn="l">
-              <a:defRPr sz="900">
+              <a:defRPr sz="1200">
                 <a:solidFill>
                   <a:schemeClr val="tx1">
                     <a:tint val="75000"/>
@@ -2717,7 +2738,7 @@
           <a:p>
             <a:fld id="{241EB5C9-1307-BA42-ABA2-0BC069CD8E7F}" type="datetimeFigureOut">
               <a:rPr lang="en-US" smtClean="0"/>
-              <a:t>1/2/22</a:t>
+              <a:t>4/5/2019</a:t>
             </a:fld>
             <a:endParaRPr lang="en-US"/>
           </a:p>
@@ -2730,23 +2751,23 @@
             <a:spLocks noGrp="1"/>
           </p:cNvSpPr>
           <p:nvPr>
-            <p:ph idx="3" sz="quarter" type="ftr"/>
+            <p:ph type="ftr" sz="quarter" idx="3"/>
           </p:nvPr>
         </p:nvSpPr>
         <p:spPr>
           <a:xfrm>
-            <a:off x="3124200" y="4767263"/>
-            <a:ext cx="2895600" cy="273844"/>
+            <a:off x="3124200" y="6356350"/>
+            <a:ext cx="2895600" cy="365125"/>
           </a:xfrm>
           <a:prstGeom prst="rect">
             <a:avLst/>
           </a:prstGeom>
         </p:spPr>
         <p:txBody>
-          <a:bodyPr anchor="ctr" bIns="45720" lIns="91440" rIns="91440" rtlCol="0" tIns="45720" vert="horz"/>
+          <a:bodyPr vert="horz" lIns="91440" tIns="45720" rIns="91440" bIns="45720" rtlCol="0" anchor="ctr"/>
           <a:lstStyle>
             <a:lvl1pPr algn="ctr">
-              <a:defRPr sz="900">
+              <a:defRPr sz="1200">
                 <a:solidFill>
                   <a:schemeClr val="tx1">
                     <a:tint val="75000"/>
@@ -2767,23 +2788,23 @@
             <a:spLocks noGrp="1"/>
           </p:cNvSpPr>
           <p:nvPr>
-            <p:ph idx="4" sz="quarter" type="sldNum"/>
+            <p:ph type="sldNum" sz="quarter" idx="4"/>
           </p:nvPr>
         </p:nvSpPr>
         <p:spPr>
           <a:xfrm>
-            <a:off x="6553200" y="4767263"/>
-            <a:ext cx="2133600" cy="273844"/>
+            <a:off x="6553200" y="6356350"/>
+            <a:ext cx="2133600" cy="365125"/>
           </a:xfrm>
           <a:prstGeom prst="rect">
             <a:avLst/>
           </a:prstGeom>
         </p:spPr>
         <p:txBody>
-          <a:bodyPr anchor="ctr" bIns="45720" lIns="91440" rIns="91440" rtlCol="0" tIns="45720" vert="horz"/>
+          <a:bodyPr vert="horz" lIns="91440" tIns="45720" rIns="91440" bIns="45720" rtlCol="0" anchor="ctr"/>
           <a:lstStyle>
             <a:lvl1pPr algn="r">
-              <a:defRPr sz="900">
+              <a:defRPr sz="1200">
                 <a:solidFill>
                   <a:schemeClr val="tx1">
                     <a:tint val="75000"/>
@@ -2808,7 +2829,7 @@
       </p:ext>
     </p:extLst>
   </p:cSld>
-  <p:clrMap accent1="accent1" accent2="accent2" accent3="accent3" accent4="accent4" accent5="accent5" accent6="accent6" bg1="lt1" bg2="lt2" folHlink="folHlink" hlink="hlink" tx1="dk1" tx2="dk2"/>
+  <p:clrMap bg1="lt1" tx1="dk1" bg2="lt2" tx2="dk2" accent1="accent1" accent2="accent2" accent3="accent3" accent4="accent4" accent5="accent5" accent6="accent6" hlink="hlink" folHlink="folHlink"/>
   <p:sldLayoutIdLst>
     <p:sldLayoutId id="2147483649" r:id="rId1"/>
     <p:sldLayoutId id="2147483650" r:id="rId2"/>
@@ -2824,12 +2845,12 @@
   </p:sldLayoutIdLst>
   <p:txStyles>
     <p:titleStyle>
-      <a:lvl1pPr algn="ctr" defTabSz="342900" eaLnBrk="1" hangingPunct="1" latinLnBrk="0" rtl="0">
+      <a:lvl1pPr algn="ctr" defTabSz="457200" rtl="0" eaLnBrk="1" latinLnBrk="0" hangingPunct="1">
         <a:spcBef>
           <a:spcPct val="0"/>
         </a:spcBef>
         <a:buNone/>
-        <a:defRPr kern="1200" sz="3300">
+        <a:defRPr sz="4400" kern="1200">
           <a:solidFill>
             <a:schemeClr val="tx1"/>
           </a:solidFill>
@@ -2840,13 +2861,13 @@
       </a:lvl1pPr>
     </p:titleStyle>
     <p:bodyStyle>
-      <a:lvl1pPr algn="l" defTabSz="342900" eaLnBrk="1" hangingPunct="1" indent="-342900" latinLnBrk="0" marL="342900" rtl="0">
+      <a:lvl1pPr marL="342900" indent="-342900" algn="l" defTabSz="457200" rtl="0" eaLnBrk="1" latinLnBrk="0" hangingPunct="1">
         <a:spcBef>
           <a:spcPct val="20000"/>
         </a:spcBef>
         <a:buFont typeface="Arial"/>
         <a:buChar char="•"/>
-        <a:defRPr kern="1200" sz="2400">
+        <a:defRPr sz="3200" kern="1200">
           <a:solidFill>
             <a:schemeClr val="tx1"/>
           </a:solidFill>
@@ -2855,13 +2876,13 @@
           <a:cs typeface="+mn-cs"/>
         </a:defRPr>
       </a:lvl1pPr>
-      <a:lvl2pPr algn="l" defTabSz="342900" eaLnBrk="1" hangingPunct="1" indent="-342900" latinLnBrk="0" marL="685800" rtl="0">
+      <a:lvl2pPr marL="742950" indent="-285750" algn="l" defTabSz="457200" rtl="0" eaLnBrk="1" latinLnBrk="0" hangingPunct="1">
         <a:spcBef>
           <a:spcPct val="20000"/>
         </a:spcBef>
         <a:buFont typeface="Arial"/>
         <a:buChar char="–"/>
-        <a:defRPr kern="1200" sz="2100">
+        <a:defRPr sz="2800" kern="1200">
           <a:solidFill>
             <a:schemeClr val="tx1"/>
           </a:solidFill>
@@ -2870,13 +2891,13 @@
           <a:cs typeface="+mn-cs"/>
         </a:defRPr>
       </a:lvl2pPr>
-      <a:lvl3pPr algn="l" defTabSz="342900" eaLnBrk="1" hangingPunct="1" indent="-342900" latinLnBrk="0" marL="1028700" rtl="0">
+      <a:lvl3pPr marL="1143000" indent="-228600" algn="l" defTabSz="457200" rtl="0" eaLnBrk="1" latinLnBrk="0" hangingPunct="1">
         <a:spcBef>
           <a:spcPct val="20000"/>
         </a:spcBef>
         <a:buFont typeface="Arial"/>
         <a:buChar char="•"/>
-        <a:defRPr kern="1200" sz="1800">
+        <a:defRPr sz="2400" kern="1200">
           <a:solidFill>
             <a:schemeClr val="tx1"/>
           </a:solidFill>
@@ -2885,13 +2906,13 @@
           <a:cs typeface="+mn-cs"/>
         </a:defRPr>
       </a:lvl3pPr>
-      <a:lvl4pPr algn="l" defTabSz="342900" eaLnBrk="1" hangingPunct="1" indent="-342900" latinLnBrk="0" marL="1371600" rtl="0">
+      <a:lvl4pPr marL="1600200" indent="-228600" algn="l" defTabSz="457200" rtl="0" eaLnBrk="1" latinLnBrk="0" hangingPunct="1">
         <a:spcBef>
           <a:spcPct val="20000"/>
         </a:spcBef>
         <a:buFont typeface="Arial"/>
         <a:buChar char="–"/>
-        <a:defRPr kern="1200" sz="1500">
+        <a:defRPr sz="2000" kern="1200">
           <a:solidFill>
             <a:schemeClr val="tx1"/>
           </a:solidFill>
@@ -2900,13 +2921,13 @@
           <a:cs typeface="+mn-cs"/>
         </a:defRPr>
       </a:lvl4pPr>
-      <a:lvl5pPr algn="l" defTabSz="342900" eaLnBrk="1" hangingPunct="1" indent="-342900" latinLnBrk="0" marL="1714500" rtl="0">
+      <a:lvl5pPr marL="2057400" indent="-228600" algn="l" defTabSz="457200" rtl="0" eaLnBrk="1" latinLnBrk="0" hangingPunct="1">
         <a:spcBef>
           <a:spcPct val="20000"/>
         </a:spcBef>
         <a:buFont typeface="Arial"/>
         <a:buChar char="»"/>
-        <a:defRPr kern="1200" sz="1500">
+        <a:defRPr sz="2000" kern="1200">
           <a:solidFill>
             <a:schemeClr val="tx1"/>
           </a:solidFill>
@@ -2915,13 +2936,13 @@
           <a:cs typeface="+mn-cs"/>
         </a:defRPr>
       </a:lvl5pPr>
-      <a:lvl6pPr algn="l" defTabSz="342900" eaLnBrk="1" hangingPunct="1" indent="-342900" latinLnBrk="0" marL="2057400" rtl="0">
+      <a:lvl6pPr marL="2514600" indent="-228600" algn="l" defTabSz="457200" rtl="0" eaLnBrk="1" latinLnBrk="0" hangingPunct="1">
         <a:spcBef>
           <a:spcPct val="20000"/>
         </a:spcBef>
         <a:buFont typeface="Arial"/>
         <a:buChar char="•"/>
-        <a:defRPr kern="1200" sz="1500">
+        <a:defRPr sz="2000" kern="1200">
           <a:solidFill>
             <a:schemeClr val="tx1"/>
           </a:solidFill>
@@ -2930,13 +2951,13 @@
           <a:cs typeface="+mn-cs"/>
         </a:defRPr>
       </a:lvl6pPr>
-      <a:lvl7pPr algn="l" defTabSz="342900" eaLnBrk="1" hangingPunct="1" indent="-342900" latinLnBrk="0" marL="2400300" rtl="0">
+      <a:lvl7pPr marL="2971800" indent="-228600" algn="l" defTabSz="457200" rtl="0" eaLnBrk="1" latinLnBrk="0" hangingPunct="1">
         <a:spcBef>
           <a:spcPct val="20000"/>
         </a:spcBef>
         <a:buFont typeface="Arial"/>
         <a:buChar char="•"/>
-        <a:defRPr kern="1200" sz="1500">
+        <a:defRPr sz="2000" kern="1200">
           <a:solidFill>
             <a:schemeClr val="tx1"/>
           </a:solidFill>
@@ -2945,13 +2966,13 @@
           <a:cs typeface="+mn-cs"/>
         </a:defRPr>
       </a:lvl7pPr>
-      <a:lvl8pPr algn="l" defTabSz="342900" eaLnBrk="1" hangingPunct="1" indent="-342900" latinLnBrk="0" marL="2743200" rtl="0">
+      <a:lvl8pPr marL="3429000" indent="-228600" algn="l" defTabSz="457200" rtl="0" eaLnBrk="1" latinLnBrk="0" hangingPunct="1">
         <a:spcBef>
           <a:spcPct val="20000"/>
         </a:spcBef>
         <a:buFont typeface="Arial"/>
         <a:buChar char="•"/>
-        <a:defRPr kern="1200" sz="1500">
+        <a:defRPr sz="2000" kern="1200">
           <a:solidFill>
             <a:schemeClr val="tx1"/>
           </a:solidFill>
@@ -2960,13 +2981,13 @@
           <a:cs typeface="+mn-cs"/>
         </a:defRPr>
       </a:lvl8pPr>
-      <a:lvl9pPr algn="l" defTabSz="342900" eaLnBrk="1" hangingPunct="1" indent="-342900" latinLnBrk="0" marL="3086100" rtl="0">
+      <a:lvl9pPr marL="3886200" indent="-228600" algn="l" defTabSz="457200" rtl="0" eaLnBrk="1" latinLnBrk="0" hangingPunct="1">
         <a:spcBef>
           <a:spcPct val="20000"/>
         </a:spcBef>
         <a:buFont typeface="Arial"/>
         <a:buChar char="•"/>
-        <a:defRPr kern="1200" sz="1500">
+        <a:defRPr sz="2000" kern="1200">
           <a:solidFill>
             <a:schemeClr val="tx1"/>
           </a:solidFill>
@@ -2980,8 +3001,8 @@
       <a:defPPr>
         <a:defRPr lang="en-US"/>
       </a:defPPr>
-      <a:lvl1pPr algn="l" defTabSz="342900" eaLnBrk="1" hangingPunct="1" latinLnBrk="0" marL="0" rtl="0">
-        <a:defRPr kern="1200" sz="1350">
+      <a:lvl1pPr marL="0" algn="l" defTabSz="457200" rtl="0" eaLnBrk="1" latinLnBrk="0" hangingPunct="1">
+        <a:defRPr sz="1800" kern="1200">
           <a:solidFill>
             <a:schemeClr val="tx1"/>
           </a:solidFill>
@@ -2990,8 +3011,8 @@
           <a:cs typeface="+mn-cs"/>
         </a:defRPr>
       </a:lvl1pPr>
-      <a:lvl2pPr algn="l" defTabSz="342900" eaLnBrk="1" hangingPunct="1" latinLnBrk="0" marL="342900" rtl="0">
-        <a:defRPr kern="1200" sz="1350">
+      <a:lvl2pPr marL="457200" algn="l" defTabSz="457200" rtl="0" eaLnBrk="1" latinLnBrk="0" hangingPunct="1">
+        <a:defRPr sz="1800" kern="1200">
           <a:solidFill>
             <a:schemeClr val="tx1"/>
           </a:solidFill>
@@ -3000,8 +3021,8 @@
           <a:cs typeface="+mn-cs"/>
         </a:defRPr>
       </a:lvl2pPr>
-      <a:lvl3pPr algn="l" defTabSz="342900" eaLnBrk="1" hangingPunct="1" latinLnBrk="0" marL="685800" rtl="0">
-        <a:defRPr kern="1200" sz="1350">
+      <a:lvl3pPr marL="914400" algn="l" defTabSz="457200" rtl="0" eaLnBrk="1" latinLnBrk="0" hangingPunct="1">
+        <a:defRPr sz="1800" kern="1200">
           <a:solidFill>
             <a:schemeClr val="tx1"/>
           </a:solidFill>
@@ -3010,8 +3031,8 @@
           <a:cs typeface="+mn-cs"/>
         </a:defRPr>
       </a:lvl3pPr>
-      <a:lvl4pPr algn="l" defTabSz="342900" eaLnBrk="1" hangingPunct="1" latinLnBrk="0" marL="1028700" rtl="0">
-        <a:defRPr kern="1200" sz="1350">
+      <a:lvl4pPr marL="1371600" algn="l" defTabSz="457200" rtl="0" eaLnBrk="1" latinLnBrk="0" hangingPunct="1">
+        <a:defRPr sz="1800" kern="1200">
           <a:solidFill>
             <a:schemeClr val="tx1"/>
           </a:solidFill>
@@ -3020,8 +3041,8 @@
           <a:cs typeface="+mn-cs"/>
         </a:defRPr>
       </a:lvl4pPr>
-      <a:lvl5pPr algn="l" defTabSz="342900" eaLnBrk="1" hangingPunct="1" latinLnBrk="0" marL="1371600" rtl="0">
-        <a:defRPr kern="1200" sz="1350">
+      <a:lvl5pPr marL="1828800" algn="l" defTabSz="457200" rtl="0" eaLnBrk="1" latinLnBrk="0" hangingPunct="1">
+        <a:defRPr sz="1800" kern="1200">
           <a:solidFill>
             <a:schemeClr val="tx1"/>
           </a:solidFill>
@@ -3030,8 +3051,8 @@
           <a:cs typeface="+mn-cs"/>
         </a:defRPr>
       </a:lvl5pPr>
-      <a:lvl6pPr algn="l" defTabSz="342900" eaLnBrk="1" hangingPunct="1" latinLnBrk="0" marL="1714500" rtl="0">
-        <a:defRPr kern="1200" sz="1350">
+      <a:lvl6pPr marL="2286000" algn="l" defTabSz="457200" rtl="0" eaLnBrk="1" latinLnBrk="0" hangingPunct="1">
+        <a:defRPr sz="1800" kern="1200">
           <a:solidFill>
             <a:schemeClr val="tx1"/>
           </a:solidFill>
@@ -3040,8 +3061,8 @@
           <a:cs typeface="+mn-cs"/>
         </a:defRPr>
       </a:lvl6pPr>
-      <a:lvl7pPr algn="l" defTabSz="342900" eaLnBrk="1" hangingPunct="1" latinLnBrk="0" marL="2057400" rtl="0">
-        <a:defRPr kern="1200" sz="1350">
+      <a:lvl7pPr marL="2743200" algn="l" defTabSz="457200" rtl="0" eaLnBrk="1" latinLnBrk="0" hangingPunct="1">
+        <a:defRPr sz="1800" kern="1200">
           <a:solidFill>
             <a:schemeClr val="tx1"/>
           </a:solidFill>
@@ -3050,8 +3071,8 @@
           <a:cs typeface="+mn-cs"/>
         </a:defRPr>
       </a:lvl7pPr>
-      <a:lvl8pPr algn="l" defTabSz="342900" eaLnBrk="1" hangingPunct="1" latinLnBrk="0" marL="2400300" rtl="0">
-        <a:defRPr kern="1200" sz="1350">
+      <a:lvl8pPr marL="3200400" algn="l" defTabSz="457200" rtl="0" eaLnBrk="1" latinLnBrk="0" hangingPunct="1">
+        <a:defRPr sz="1800" kern="1200">
           <a:solidFill>
             <a:schemeClr val="tx1"/>
           </a:solidFill>
@@ -3060,8 +3081,8 @@
           <a:cs typeface="+mn-cs"/>
         </a:defRPr>
       </a:lvl8pPr>
-      <a:lvl9pPr algn="l" defTabSz="342900" eaLnBrk="1" hangingPunct="1" latinLnBrk="0" marL="2743200" rtl="0">
-        <a:defRPr kern="1200" sz="1350">
+      <a:lvl9pPr marL="3657600" algn="l" defTabSz="457200" rtl="0" eaLnBrk="1" latinLnBrk="0" hangingPunct="1">
+        <a:defRPr sz="1800" kern="1200">
           <a:solidFill>
             <a:schemeClr val="tx1"/>
           </a:solidFill>
@@ -3107,12 +3128,12 @@
           <a:bodyPr/>
           <a:lstStyle/>
           <a:p>
-            <a:pPr lvl="0" indent="0" marL="0">
+            <a:pPr lvl="0" marL="0" indent="0">
               <a:buNone/>
             </a:pPr>
             <a:r>
               <a:rPr/>
-              <a:t>  Python les-materialen</a:t>
+              <a:t>  Python les-materialen  Yilmaz Mustafa, Instructeur Java/Python</a:t>
             </a:r>
           </a:p>
         </p:txBody>
@@ -3154,7 +3175,7 @@
           <a:bodyPr/>
           <a:lstStyle/>
           <a:p>
-            <a:pPr lvl="0" indent="0" marL="0">
+            <a:pPr lvl="0" marL="0" indent="0">
               <a:buNone/>
             </a:pPr>
             <a:r>
@@ -3179,7 +3200,7 @@
           <a:bodyPr/>
           <a:lstStyle/>
           <a:p>
-            <a:pPr lvl="0" indent="0" marL="0">
+            <a:pPr lvl="0" marL="0" indent="0">
               <a:buNone/>
             </a:pPr>
             <a:r>
@@ -3204,7 +3225,7 @@
             </a:r>
           </a:p>
           <a:p>
-            <a:pPr lvl="0" indent="0" marL="0">
+            <a:pPr lvl="0" marL="0" indent="0">
               <a:buNone/>
             </a:pPr>
             <a:r>
@@ -3228,7 +3249,7 @@
             </a:r>
           </a:p>
           <a:p>
-            <a:pPr lvl="0" indent="0" marL="0">
+            <a:pPr lvl="0" marL="0" indent="0">
               <a:buNone/>
             </a:pPr>
             <a:r>
@@ -3237,7 +3258,7 @@
             </a:r>
           </a:p>
           <a:p>
-            <a:pPr lvl="0" indent="0" marL="0">
+            <a:pPr lvl="0" marL="0" indent="0">
               <a:buNone/>
             </a:pPr>
             <a:r>
@@ -3327,7 +3348,7 @@
             </a:r>
           </a:p>
           <a:p>
-            <a:pPr lvl="0" indent="0" marL="0">
+            <a:pPr lvl="0" marL="0" indent="0">
               <a:buNone/>
             </a:pPr>
             <a:r>
@@ -3422,7 +3443,7 @@
             </a:r>
           </a:p>
           <a:p>
-            <a:pPr lvl="0" indent="0" marL="0">
+            <a:pPr lvl="0" marL="0" indent="0">
               <a:buNone/>
             </a:pPr>
             <a:r>
@@ -3453,7 +3474,7 @@
             </a:r>
           </a:p>
           <a:p>
-            <a:pPr lvl="0" indent="0" marL="0">
+            <a:pPr lvl="0" marL="0" indent="0">
               <a:spcBef>
                 <a:spcPts val="3000"/>
               </a:spcBef>
@@ -3465,7 +3486,7 @@
             </a:r>
           </a:p>
           <a:p>
-            <a:pPr lvl="0" indent="0" marL="0">
+            <a:pPr lvl="0" marL="0" indent="0">
               <a:buNone/>
             </a:pPr>
             <a:r>
@@ -3716,7 +3737,7 @@
             </a:r>
           </a:p>
           <a:p>
-            <a:pPr lvl="0" indent="0" marL="0">
+            <a:pPr lvl="0" marL="0" indent="0">
               <a:buNone/>
             </a:pPr>
             <a:r>
@@ -3777,7 +3798,7 @@
             </a:r>
           </a:p>
           <a:p>
-            <a:pPr lvl="0" indent="0" marL="0">
+            <a:pPr lvl="0" marL="0" indent="0">
               <a:buNone/>
             </a:pPr>
             <a:r>
@@ -3808,7 +3829,7 @@
             </a:r>
           </a:p>
           <a:p>
-            <a:pPr lvl="0" indent="0" marL="0">
+            <a:pPr lvl="0" marL="0" indent="0">
               <a:buNone/>
             </a:pPr>
             <a:r>
@@ -3905,7 +3926,7 @@
             </a:r>
           </a:p>
           <a:p>
-            <a:pPr lvl="0" indent="0" marL="0">
+            <a:pPr lvl="0" marL="0" indent="0">
               <a:buNone/>
             </a:pPr>
             <a:r>
@@ -4002,7 +4023,7 @@
             </a:r>
           </a:p>
           <a:p>
-            <a:pPr lvl="0" indent="0" marL="0">
+            <a:pPr lvl="0" marL="0" indent="0">
               <a:spcBef>
                 <a:spcPts val="3000"/>
               </a:spcBef>
@@ -4014,7 +4035,7 @@
             </a:r>
           </a:p>
           <a:p>
-            <a:pPr lvl="0" indent="0" marL="0">
+            <a:pPr lvl="0" marL="0" indent="0">
               <a:buNone/>
             </a:pPr>
             <a:r>
@@ -4023,7 +4044,7 @@
             </a:r>
           </a:p>
           <a:p>
-            <a:pPr lvl="0" indent="0" marL="0">
+            <a:pPr lvl="0" marL="0" indent="0">
               <a:buNone/>
             </a:pPr>
             <a:r>
@@ -4113,7 +4134,7 @@
             </a:r>
           </a:p>
           <a:p>
-            <a:pPr lvl="0" indent="0" marL="0">
+            <a:pPr lvl="0" marL="0" indent="0">
               <a:buNone/>
             </a:pPr>
             <a:r>
@@ -4198,7 +4219,7 @@
             </a:r>
           </a:p>
           <a:p>
-            <a:pPr lvl="0" indent="0" marL="0">
+            <a:pPr lvl="0" marL="0" indent="0">
               <a:buNone/>
             </a:pPr>
             <a:r>
@@ -4384,7 +4405,7 @@
             </a:r>
           </a:p>
           <a:p>
-            <a:pPr lvl="0" indent="0" marL="0">
+            <a:pPr lvl="0" marL="0" indent="0">
               <a:buNone/>
             </a:pPr>
             <a:r>
@@ -4434,7 +4455,7 @@
             </a:r>
           </a:p>
           <a:p>
-            <a:pPr lvl="0" indent="0" marL="0">
+            <a:pPr lvl="0" marL="0" indent="0">
               <a:buNone/>
             </a:pPr>
             <a:r>
@@ -4678,7 +4699,7 @@
             </a:r>
           </a:p>
           <a:p>
-            <a:pPr lvl="0" indent="0" marL="0">
+            <a:pPr lvl="0" marL="0" indent="0">
               <a:spcBef>
                 <a:spcPts val="3000"/>
               </a:spcBef>
@@ -4686,11 +4707,11 @@
             </a:pPr>
             <a:r>
               <a:rPr b="1"/>
-              <a:t>Nestlijsten</a:t>
-            </a:r>
-          </a:p>
-          <a:p>
-            <a:pPr lvl="0" indent="0" marL="0">
+              <a:t>Nestlijsten (Geneste lijsten)</a:t>
+            </a:r>
+          </a:p>
+          <a:p>
+            <a:pPr lvl="0" marL="0" indent="0">
               <a:buNone/>
             </a:pPr>
             <a:r>
@@ -4707,7 +4728,7 @@
             </a:r>
           </a:p>
           <a:p>
-            <a:pPr lvl="0" indent="0" marL="0">
+            <a:pPr lvl="0" marL="0" indent="0">
               <a:buNone/>
             </a:pPr>
             <a:r>
@@ -4996,7 +5017,7 @@
             </a:r>
           </a:p>
           <a:p>
-            <a:pPr lvl="0" indent="0" marL="0">
+            <a:pPr lvl="0" marL="0" indent="0">
               <a:buNone/>
             </a:pPr>
             <a:r>
@@ -5152,13 +5173,21 @@
           <a:bodyPr/>
           <a:lstStyle/>
           <a:p>
-            <a:pPr lvl="0" indent="0" marL="0">
+            <a:pPr lvl="0" marL="0" indent="0">
               <a:buNone/>
             </a:pPr>
             <a:r>
               <a:rPr/>
               <a:t>Lijstbegrippen</a:t>
             </a:r>
+            <a:r>
+              <a:rPr/>
+              <a:t> </a:t>
+            </a:r>
+            <a:r>
+              <a:rPr/>
+              <a:t>(Comprehensies)</a:t>
+            </a:r>
           </a:p>
         </p:txBody>
       </p:sp>
@@ -5177,7 +5206,7 @@
           <a:bodyPr/>
           <a:lstStyle/>
           <a:p>
-            <a:pPr lvl="0" indent="0" marL="0">
+            <a:pPr lvl="0" marL="0" indent="0">
               <a:buNone/>
             </a:pPr>
             <a:r>
@@ -5186,7 +5215,7 @@
             </a:r>
           </a:p>
           <a:p>
-            <a:pPr lvl="0" indent="0" marL="0">
+            <a:pPr lvl="0" marL="0" indent="0">
               <a:buNone/>
             </a:pPr>
             <a:r>
@@ -5298,7 +5327,7 @@
             </a:r>
           </a:p>
           <a:p>
-            <a:pPr lvl="0" indent="0" marL="0">
+            <a:pPr lvl="0" marL="0" indent="0">
               <a:buNone/>
             </a:pPr>
             <a:r>
@@ -5307,7 +5336,7 @@
             </a:r>
           </a:p>
           <a:p>
-            <a:pPr lvl="0" indent="0" marL="0">
+            <a:pPr lvl="0" marL="0" indent="0">
               <a:buNone/>
             </a:pPr>
             <a:r>
@@ -5640,265 +5669,4 @@
   </a:objectDefaults>
   <a:extraClrSchemeLst/>
 </a:theme>
-</file>
-
-<file path=ppt/theme/theme2.xml><?xml version="1.0" encoding="utf-8"?>
-<a:theme xmlns:a="http://schemas.openxmlformats.org/drawingml/2006/main" name="Office Theme">
-  <a:themeElements>
-    <a:clrScheme name="Office">
-      <a:dk1>
-        <a:sysClr val="windowText" lastClr="000000"/>
-      </a:dk1>
-      <a:lt1>
-        <a:sysClr val="window" lastClr="FFFFFF"/>
-      </a:lt1>
-      <a:dk2>
-        <a:srgbClr val="44546A"/>
-      </a:dk2>
-      <a:lt2>
-        <a:srgbClr val="E7E6E6"/>
-      </a:lt2>
-      <a:accent1>
-        <a:srgbClr val="5B9BD5"/>
-      </a:accent1>
-      <a:accent2>
-        <a:srgbClr val="ED7D31"/>
-      </a:accent2>
-      <a:accent3>
-        <a:srgbClr val="A5A5A5"/>
-      </a:accent3>
-      <a:accent4>
-        <a:srgbClr val="FFC000"/>
-      </a:accent4>
-      <a:accent5>
-        <a:srgbClr val="4472C4"/>
-      </a:accent5>
-      <a:accent6>
-        <a:srgbClr val="70AD47"/>
-      </a:accent6>
-      <a:hlink>
-        <a:srgbClr val="0563C1"/>
-      </a:hlink>
-      <a:folHlink>
-        <a:srgbClr val="954F72"/>
-      </a:folHlink>
-    </a:clrScheme>
-    <a:fontScheme name="Office">
-      <a:majorFont>
-        <a:latin typeface="Calibri Light" panose="020F0302020204030204"/>
-        <a:ea typeface=""/>
-        <a:cs typeface=""/>
-        <a:font script="Jpan" typeface="ＭＳ Ｐゴシック"/>
-        <a:font script="Hang" typeface="맑은 고딕"/>
-        <a:font script="Hans" typeface="宋体"/>
-        <a:font script="Hant" typeface="新細明體"/>
-        <a:font script="Arab" typeface="Times New Roman"/>
-        <a:font script="Hebr" typeface="Times New Roman"/>
-        <a:font script="Thai" typeface="Angsana New"/>
-        <a:font script="Ethi" typeface="Nyala"/>
-        <a:font script="Beng" typeface="Vrinda"/>
-        <a:font script="Gujr" typeface="Shruti"/>
-        <a:font script="Khmr" typeface="MoolBoran"/>
-        <a:font script="Knda" typeface="Tunga"/>
-        <a:font script="Guru" typeface="Raavi"/>
-        <a:font script="Cans" typeface="Euphemia"/>
-        <a:font script="Cher" typeface="Plantagenet Cherokee"/>
-        <a:font script="Yiii" typeface="Microsoft Yi Baiti"/>
-        <a:font script="Tibt" typeface="Microsoft Himalaya"/>
-        <a:font script="Thaa" typeface="MV Boli"/>
-        <a:font script="Deva" typeface="Mangal"/>
-        <a:font script="Telu" typeface="Gautami"/>
-        <a:font script="Taml" typeface="Latha"/>
-        <a:font script="Syrc" typeface="Estrangelo Edessa"/>
-        <a:font script="Orya" typeface="Kalinga"/>
-        <a:font script="Mlym" typeface="Kartika"/>
-        <a:font script="Laoo" typeface="DokChampa"/>
-        <a:font script="Sinh" typeface="Iskoola Pota"/>
-        <a:font script="Mong" typeface="Mongolian Baiti"/>
-        <a:font script="Viet" typeface="Times New Roman"/>
-        <a:font script="Uigh" typeface="Microsoft Uighur"/>
-        <a:font script="Geor" typeface="Sylfaen"/>
-      </a:majorFont>
-      <a:minorFont>
-        <a:latin typeface="Calibri" panose="020F0502020204030204"/>
-        <a:ea typeface=""/>
-        <a:cs typeface=""/>
-        <a:font script="Jpan" typeface="ＭＳ Ｐゴシック"/>
-        <a:font script="Hang" typeface="맑은 고딕"/>
-        <a:font script="Hans" typeface="宋体"/>
-        <a:font script="Hant" typeface="新細明體"/>
-        <a:font script="Arab" typeface="Arial"/>
-        <a:font script="Hebr" typeface="Arial"/>
-        <a:font script="Thai" typeface="Cordia New"/>
-        <a:font script="Ethi" typeface="Nyala"/>
-        <a:font script="Beng" typeface="Vrinda"/>
-        <a:font script="Gujr" typeface="Shruti"/>
-        <a:font script="Khmr" typeface="DaunPenh"/>
-        <a:font script="Knda" typeface="Tunga"/>
-        <a:font script="Guru" typeface="Raavi"/>
-        <a:font script="Cans" typeface="Euphemia"/>
-        <a:font script="Cher" typeface="Plantagenet Cherokee"/>
-        <a:font script="Yiii" typeface="Microsoft Yi Baiti"/>
-        <a:font script="Tibt" typeface="Microsoft Himalaya"/>
-        <a:font script="Thaa" typeface="MV Boli"/>
-        <a:font script="Deva" typeface="Mangal"/>
-        <a:font script="Telu" typeface="Gautami"/>
-        <a:font script="Taml" typeface="Latha"/>
-        <a:font script="Syrc" typeface="Estrangelo Edessa"/>
-        <a:font script="Orya" typeface="Kalinga"/>
-        <a:font script="Mlym" typeface="Kartika"/>
-        <a:font script="Laoo" typeface="DokChampa"/>
-        <a:font script="Sinh" typeface="Iskoola Pota"/>
-        <a:font script="Mong" typeface="Mongolian Baiti"/>
-        <a:font script="Viet" typeface="Arial"/>
-        <a:font script="Uigh" typeface="Microsoft Uighur"/>
-        <a:font script="Geor" typeface="Sylfaen"/>
-      </a:minorFont>
-    </a:fontScheme>
-    <a:fmtScheme name="Office">
-      <a:fillStyleLst>
-        <a:solidFill>
-          <a:schemeClr val="phClr"/>
-        </a:solidFill>
-        <a:gradFill rotWithShape="1">
-          <a:gsLst>
-            <a:gs pos="0">
-              <a:schemeClr val="phClr">
-                <a:lumMod val="110000"/>
-                <a:satMod val="105000"/>
-                <a:tint val="67000"/>
-              </a:schemeClr>
-            </a:gs>
-            <a:gs pos="50000">
-              <a:schemeClr val="phClr">
-                <a:lumMod val="105000"/>
-                <a:satMod val="103000"/>
-                <a:tint val="73000"/>
-              </a:schemeClr>
-            </a:gs>
-            <a:gs pos="100000">
-              <a:schemeClr val="phClr">
-                <a:lumMod val="105000"/>
-                <a:satMod val="109000"/>
-                <a:tint val="81000"/>
-              </a:schemeClr>
-            </a:gs>
-          </a:gsLst>
-          <a:lin ang="5400000" scaled="0"/>
-        </a:gradFill>
-        <a:gradFill rotWithShape="1">
-          <a:gsLst>
-            <a:gs pos="0">
-              <a:schemeClr val="phClr">
-                <a:satMod val="103000"/>
-                <a:lumMod val="102000"/>
-                <a:tint val="94000"/>
-              </a:schemeClr>
-            </a:gs>
-            <a:gs pos="50000">
-              <a:schemeClr val="phClr">
-                <a:satMod val="110000"/>
-                <a:lumMod val="100000"/>
-                <a:shade val="100000"/>
-              </a:schemeClr>
-            </a:gs>
-            <a:gs pos="100000">
-              <a:schemeClr val="phClr">
-                <a:lumMod val="99000"/>
-                <a:satMod val="120000"/>
-                <a:shade val="78000"/>
-              </a:schemeClr>
-            </a:gs>
-          </a:gsLst>
-          <a:lin ang="5400000" scaled="0"/>
-        </a:gradFill>
-      </a:fillStyleLst>
-      <a:lnStyleLst>
-        <a:ln w="6350" cap="flat" cmpd="sng" algn="ctr">
-          <a:solidFill>
-            <a:schemeClr val="phClr"/>
-          </a:solidFill>
-          <a:prstDash val="solid"/>
-          <a:miter lim="800000"/>
-        </a:ln>
-        <a:ln w="12700" cap="flat" cmpd="sng" algn="ctr">
-          <a:solidFill>
-            <a:schemeClr val="phClr"/>
-          </a:solidFill>
-          <a:prstDash val="solid"/>
-          <a:miter lim="800000"/>
-        </a:ln>
-        <a:ln w="19050" cap="flat" cmpd="sng" algn="ctr">
-          <a:solidFill>
-            <a:schemeClr val="phClr"/>
-          </a:solidFill>
-          <a:prstDash val="solid"/>
-          <a:miter lim="800000"/>
-        </a:ln>
-      </a:lnStyleLst>
-      <a:effectStyleLst>
-        <a:effectStyle>
-          <a:effectLst/>
-        </a:effectStyle>
-        <a:effectStyle>
-          <a:effectLst/>
-        </a:effectStyle>
-        <a:effectStyle>
-          <a:effectLst>
-            <a:outerShdw blurRad="57150" dist="19050" dir="5400000" algn="ctr" rotWithShape="0">
-              <a:srgbClr val="000000">
-                <a:alpha val="63000"/>
-              </a:srgbClr>
-            </a:outerShdw>
-          </a:effectLst>
-        </a:effectStyle>
-      </a:effectStyleLst>
-      <a:bgFillStyleLst>
-        <a:solidFill>
-          <a:schemeClr val="phClr"/>
-        </a:solidFill>
-        <a:solidFill>
-          <a:schemeClr val="phClr">
-            <a:tint val="95000"/>
-            <a:satMod val="170000"/>
-          </a:schemeClr>
-        </a:solidFill>
-        <a:gradFill rotWithShape="1">
-          <a:gsLst>
-            <a:gs pos="0">
-              <a:schemeClr val="phClr">
-                <a:tint val="93000"/>
-                <a:satMod val="150000"/>
-                <a:shade val="98000"/>
-                <a:lumMod val="102000"/>
-              </a:schemeClr>
-            </a:gs>
-            <a:gs pos="50000">
-              <a:schemeClr val="phClr">
-                <a:tint val="98000"/>
-                <a:satMod val="130000"/>
-                <a:shade val="90000"/>
-                <a:lumMod val="103000"/>
-              </a:schemeClr>
-            </a:gs>
-            <a:gs pos="100000">
-              <a:schemeClr val="phClr">
-                <a:shade val="63000"/>
-                <a:satMod val="120000"/>
-              </a:schemeClr>
-            </a:gs>
-          </a:gsLst>
-          <a:lin ang="5400000" scaled="0"/>
-        </a:gradFill>
-      </a:bgFillStyleLst>
-    </a:fmtScheme>
-  </a:themeElements>
-  <a:objectDefaults/>
-  <a:extraClrSchemeLst/>
-  <a:extLst>
-    <a:ext uri="{05A4C25C-085E-4340-85A3-A5531E510DB2}">
-      <thm15:themeFamily xmlns:thm15="http://schemas.microsoft.com/office/thememl/2012/main" name="Office Theme" id="{62F939B6-93AF-4DB8-9C6B-D6C7DFDC589F}" vid="{4A3C46E8-61CC-4603-A589-7422A47A8E4A}"/>
-    </a:ext>
-  </a:extLst>
-</a:theme>
 </file>